--- a/files/tools/ppt/SCAMPER_FacilitationDeck.pptx
+++ b/files/tools/ppt/SCAMPER_FacilitationDeck.pptx
@@ -2,7 +2,7 @@
 <file path=ppt/presentation.xml><?xml version="1.0" encoding="utf-8"?>
 <p:presentation xmlns:a="http://schemas.openxmlformats.org/drawingml/2006/main" xmlns:r="http://schemas.openxmlformats.org/officeDocument/2006/relationships" xmlns:mc="http://schemas.openxmlformats.org/markup-compatibility/2006" xmlns:mv="urn:schemas-microsoft-com:mac:vml" xmlns:p="http://schemas.openxmlformats.org/presentationml/2006/main" xmlns:c="http://schemas.openxmlformats.org/drawingml/2006/chart" xmlns:dgm="http://schemas.openxmlformats.org/drawingml/2006/diagram" xmlns:o="urn:schemas-microsoft-com:office:office" xmlns:v="urn:schemas-microsoft-com:vml" xmlns:pvml="urn:schemas-microsoft-com:office:powerpoint" xmlns:com="http://schemas.openxmlformats.org/drawingml/2006/compatibility" xmlns:p14="http://schemas.microsoft.com/office/powerpoint/2010/main" xmlns:p15="http://schemas.microsoft.com/office/powerpoint/2012/main" autoCompressPictures="0" embedTrueTypeFonts="1" strictFirstAndLastChars="0" saveSubsetFonts="1">
   <p:sldMasterIdLst>
-    <p:sldMasterId id="2147483659" r:id="rId4"/>
+    <p:sldMasterId id="2147483649" r:id="rId4"/>
   </p:sldMasterIdLst>
   <p:notesMasterIdLst>
     <p:notesMasterId r:id="rId5"/>
@@ -762,7 +762,7 @@
   <p:cSld>
     <p:spTree>
       <p:nvGrpSpPr>
-        <p:cNvPr id="50" name="Shape 50"/>
+        <p:cNvPr id="10" name="Shape 10"/>
         <p:cNvGrpSpPr/>
         <p:nvPr/>
       </p:nvGrpSpPr>
@@ -776,7 +776,7 @@
       </p:grpSpPr>
       <p:sp>
         <p:nvSpPr>
-          <p:cNvPr id="51" name="Google Shape;51;g545bece476_0_1877:notes"/>
+          <p:cNvPr id="11" name="Google Shape;11;g545bece476_0_1877:notes"/>
           <p:cNvSpPr/>
           <p:nvPr>
             <p:ph idx="2" type="sldImg"/>
@@ -811,7 +811,7 @@
       </p:sp>
       <p:sp>
         <p:nvSpPr>
-          <p:cNvPr id="52" name="Google Shape;52;g545bece476_0_1877:notes"/>
+          <p:cNvPr id="12" name="Google Shape;12;g545bece476_0_1877:notes"/>
           <p:cNvSpPr txBox="1"/>
           <p:nvPr>
             <p:ph idx="1" type="body"/>
@@ -861,7 +861,7 @@
   <p:cSld>
     <p:spTree>
       <p:nvGrpSpPr>
-        <p:cNvPr id="85" name="Shape 85"/>
+        <p:cNvPr id="44" name="Shape 44"/>
         <p:cNvGrpSpPr/>
         <p:nvPr/>
       </p:nvGrpSpPr>
@@ -875,7 +875,7 @@
       </p:grpSpPr>
       <p:sp>
         <p:nvSpPr>
-          <p:cNvPr id="86" name="Google Shape;86;g545bece476_0_1912:notes"/>
+          <p:cNvPr id="45" name="Google Shape;45;g545bece476_0_1912:notes"/>
           <p:cNvSpPr/>
           <p:nvPr>
             <p:ph idx="2" type="sldImg"/>
@@ -910,7 +910,7 @@
       </p:sp>
       <p:sp>
         <p:nvSpPr>
-          <p:cNvPr id="87" name="Google Shape;87;g545bece476_0_1912:notes"/>
+          <p:cNvPr id="46" name="Google Shape;46;g545bece476_0_1912:notes"/>
           <p:cNvSpPr txBox="1"/>
           <p:nvPr>
             <p:ph idx="1" type="body"/>
@@ -960,7 +960,7 @@
   <p:cSld>
     <p:spTree>
       <p:nvGrpSpPr>
-        <p:cNvPr id="132" name="Shape 132"/>
+        <p:cNvPr id="90" name="Shape 90"/>
         <p:cNvGrpSpPr/>
         <p:nvPr/>
       </p:nvGrpSpPr>
@@ -974,7 +974,7 @@
       </p:grpSpPr>
       <p:sp>
         <p:nvSpPr>
-          <p:cNvPr id="133" name="Google Shape;133;g545bece476_0_1959:notes"/>
+          <p:cNvPr id="91" name="Google Shape;91;g545bece476_0_1959:notes"/>
           <p:cNvSpPr/>
           <p:nvPr>
             <p:ph idx="2" type="sldImg"/>
@@ -1009,7 +1009,7 @@
       </p:sp>
       <p:sp>
         <p:nvSpPr>
-          <p:cNvPr id="134" name="Google Shape;134;g545bece476_0_1959:notes"/>
+          <p:cNvPr id="92" name="Google Shape;92;g545bece476_0_1959:notes"/>
           <p:cNvSpPr txBox="1"/>
           <p:nvPr>
             <p:ph idx="1" type="body"/>
@@ -1059,7 +1059,7 @@
   <p:cSld>
     <p:spTree>
       <p:nvGrpSpPr>
-        <p:cNvPr id="150" name="Shape 150"/>
+        <p:cNvPr id="107" name="Shape 107"/>
         <p:cNvGrpSpPr/>
         <p:nvPr/>
       </p:nvGrpSpPr>
@@ -1073,7 +1073,7 @@
       </p:grpSpPr>
       <p:sp>
         <p:nvSpPr>
-          <p:cNvPr id="151" name="Google Shape;151;g545bece476_0_1977:notes"/>
+          <p:cNvPr id="108" name="Google Shape;108;g545bece476_0_1977:notes"/>
           <p:cNvSpPr/>
           <p:nvPr>
             <p:ph idx="2" type="sldImg"/>
@@ -1108,7 +1108,7 @@
       </p:sp>
       <p:sp>
         <p:nvSpPr>
-          <p:cNvPr id="152" name="Google Shape;152;g545bece476_0_1977:notes"/>
+          <p:cNvPr id="109" name="Google Shape;109;g545bece476_0_1977:notes"/>
           <p:cNvSpPr txBox="1"/>
           <p:nvPr>
             <p:ph idx="1" type="body"/>
@@ -1158,7 +1158,7 @@
   <p:cSld>
     <p:spTree>
       <p:nvGrpSpPr>
-        <p:cNvPr id="171" name="Shape 171"/>
+        <p:cNvPr id="127" name="Shape 127"/>
         <p:cNvGrpSpPr/>
         <p:nvPr/>
       </p:nvGrpSpPr>
@@ -1172,7 +1172,7 @@
       </p:grpSpPr>
       <p:sp>
         <p:nvSpPr>
-          <p:cNvPr id="172" name="Google Shape;172;g545bece476_0_1998:notes"/>
+          <p:cNvPr id="128" name="Google Shape;128;g545bece476_0_1998:notes"/>
           <p:cNvSpPr/>
           <p:nvPr>
             <p:ph idx="2" type="sldImg"/>
@@ -1207,7 +1207,7 @@
       </p:sp>
       <p:sp>
         <p:nvSpPr>
-          <p:cNvPr id="173" name="Google Shape;173;g545bece476_0_1998:notes"/>
+          <p:cNvPr id="129" name="Google Shape;129;g545bece476_0_1998:notes"/>
           <p:cNvSpPr txBox="1"/>
           <p:nvPr>
             <p:ph idx="1" type="body"/>
@@ -1257,7 +1257,7 @@
   <p:cSld>
     <p:spTree>
       <p:nvGrpSpPr>
-        <p:cNvPr id="220" name="Shape 220"/>
+        <p:cNvPr id="175" name="Shape 175"/>
         <p:cNvGrpSpPr/>
         <p:nvPr/>
       </p:nvGrpSpPr>
@@ -1271,7 +1271,7 @@
       </p:grpSpPr>
       <p:sp>
         <p:nvSpPr>
-          <p:cNvPr id="221" name="Google Shape;221;g545bece476_0_2047:notes"/>
+          <p:cNvPr id="176" name="Google Shape;176;g545bece476_0_2047:notes"/>
           <p:cNvSpPr/>
           <p:nvPr>
             <p:ph idx="2" type="sldImg"/>
@@ -1306,7 +1306,7 @@
       </p:sp>
       <p:sp>
         <p:nvSpPr>
-          <p:cNvPr id="222" name="Google Shape;222;g545bece476_0_2047:notes"/>
+          <p:cNvPr id="177" name="Google Shape;177;g545bece476_0_2047:notes"/>
           <p:cNvSpPr txBox="1"/>
           <p:nvPr>
             <p:ph idx="1" type="body"/>
@@ -1352,11 +1352,11 @@
 </file>
 
 <file path=ppt/slideLayouts/slideLayout1.xml><?xml version="1.0" encoding="utf-8"?>
-<p:sldLayout xmlns:a="http://schemas.openxmlformats.org/drawingml/2006/main" xmlns:r="http://schemas.openxmlformats.org/officeDocument/2006/relationships" xmlns:mc="http://schemas.openxmlformats.org/markup-compatibility/2006" xmlns:mv="urn:schemas-microsoft-com:mac:vml" xmlns:p="http://schemas.openxmlformats.org/presentationml/2006/main" xmlns:c="http://schemas.openxmlformats.org/drawingml/2006/chart" xmlns:dgm="http://schemas.openxmlformats.org/drawingml/2006/diagram" xmlns:o="urn:schemas-microsoft-com:office:office" xmlns:v="urn:schemas-microsoft-com:vml" xmlns:pvml="urn:schemas-microsoft-com:office:powerpoint" xmlns:com="http://schemas.openxmlformats.org/drawingml/2006/compatibility" xmlns:p14="http://schemas.microsoft.com/office/powerpoint/2010/main" xmlns:p15="http://schemas.microsoft.com/office/powerpoint/2012/main" matchingName="Title slide" type="title">
-  <p:cSld name="TITLE">
+<p:sldLayout xmlns:a="http://schemas.openxmlformats.org/drawingml/2006/main" xmlns:r="http://schemas.openxmlformats.org/officeDocument/2006/relationships" xmlns:mc="http://schemas.openxmlformats.org/markup-compatibility/2006" xmlns:mv="urn:schemas-microsoft-com:mac:vml" xmlns:p="http://schemas.openxmlformats.org/presentationml/2006/main" xmlns:c="http://schemas.openxmlformats.org/drawingml/2006/chart" xmlns:dgm="http://schemas.openxmlformats.org/drawingml/2006/diagram" xmlns:o="urn:schemas-microsoft-com:office:office" xmlns:v="urn:schemas-microsoft-com:vml" xmlns:pvml="urn:schemas-microsoft-com:office:powerpoint" xmlns:com="http://schemas.openxmlformats.org/drawingml/2006/compatibility" xmlns:p14="http://schemas.microsoft.com/office/powerpoint/2010/main" xmlns:p15="http://schemas.microsoft.com/office/powerpoint/2012/main" matchingName="One column text">
+  <p:cSld name="ONE_COLUMN_TEXT">
     <p:spTree>
       <p:nvGrpSpPr>
-        <p:cNvPr id="9" name="Shape 9"/>
+        <p:cNvPr id="8" name="Shape 8"/>
         <p:cNvGrpSpPr/>
         <p:nvPr/>
       </p:nvGrpSpPr>
@@ -1370,2127 +1370,7 @@
       </p:grpSpPr>
       <p:sp>
         <p:nvSpPr>
-          <p:cNvPr id="10" name="Google Shape;10;p2"/>
-          <p:cNvSpPr txBox="1"/>
-          <p:nvPr>
-            <p:ph type="ctrTitle"/>
-          </p:nvPr>
-        </p:nvSpPr>
-        <p:spPr>
-          <a:xfrm>
-            <a:off x="364478" y="1094388"/>
-            <a:ext cx="9963000" cy="3016800"/>
-          </a:xfrm>
-          <a:prstGeom prst="rect">
-            <a:avLst/>
-          </a:prstGeom>
-        </p:spPr>
-        <p:txBody>
-          <a:bodyPr anchorCtr="0" anchor="b" bIns="116050" lIns="116050" spcFirstLastPara="1" rIns="116050" wrap="square" tIns="116050">
-            <a:noAutofit/>
-          </a:bodyPr>
-          <a:lstStyle>
-            <a:lvl1pPr lvl="0" algn="ctr">
-              <a:spcBef>
-                <a:spcPts val="0"/>
-              </a:spcBef>
-              <a:spcAft>
-                <a:spcPts val="0"/>
-              </a:spcAft>
-              <a:buSzPts val="6600"/>
-              <a:buNone/>
-              <a:defRPr sz="6600"/>
-            </a:lvl1pPr>
-            <a:lvl2pPr lvl="1" algn="ctr">
-              <a:spcBef>
-                <a:spcPts val="0"/>
-              </a:spcBef>
-              <a:spcAft>
-                <a:spcPts val="0"/>
-              </a:spcAft>
-              <a:buSzPts val="6600"/>
-              <a:buNone/>
-              <a:defRPr sz="6600"/>
-            </a:lvl2pPr>
-            <a:lvl3pPr lvl="2" algn="ctr">
-              <a:spcBef>
-                <a:spcPts val="0"/>
-              </a:spcBef>
-              <a:spcAft>
-                <a:spcPts val="0"/>
-              </a:spcAft>
-              <a:buSzPts val="6600"/>
-              <a:buNone/>
-              <a:defRPr sz="6600"/>
-            </a:lvl3pPr>
-            <a:lvl4pPr lvl="3" algn="ctr">
-              <a:spcBef>
-                <a:spcPts val="0"/>
-              </a:spcBef>
-              <a:spcAft>
-                <a:spcPts val="0"/>
-              </a:spcAft>
-              <a:buSzPts val="6600"/>
-              <a:buNone/>
-              <a:defRPr sz="6600"/>
-            </a:lvl4pPr>
-            <a:lvl5pPr lvl="4" algn="ctr">
-              <a:spcBef>
-                <a:spcPts val="0"/>
-              </a:spcBef>
-              <a:spcAft>
-                <a:spcPts val="0"/>
-              </a:spcAft>
-              <a:buSzPts val="6600"/>
-              <a:buNone/>
-              <a:defRPr sz="6600"/>
-            </a:lvl5pPr>
-            <a:lvl6pPr lvl="5" algn="ctr">
-              <a:spcBef>
-                <a:spcPts val="0"/>
-              </a:spcBef>
-              <a:spcAft>
-                <a:spcPts val="0"/>
-              </a:spcAft>
-              <a:buSzPts val="6600"/>
-              <a:buNone/>
-              <a:defRPr sz="6600"/>
-            </a:lvl6pPr>
-            <a:lvl7pPr lvl="6" algn="ctr">
-              <a:spcBef>
-                <a:spcPts val="0"/>
-              </a:spcBef>
-              <a:spcAft>
-                <a:spcPts val="0"/>
-              </a:spcAft>
-              <a:buSzPts val="6600"/>
-              <a:buNone/>
-              <a:defRPr sz="6600"/>
-            </a:lvl7pPr>
-            <a:lvl8pPr lvl="7" algn="ctr">
-              <a:spcBef>
-                <a:spcPts val="0"/>
-              </a:spcBef>
-              <a:spcAft>
-                <a:spcPts val="0"/>
-              </a:spcAft>
-              <a:buSzPts val="6600"/>
-              <a:buNone/>
-              <a:defRPr sz="6600"/>
-            </a:lvl8pPr>
-            <a:lvl9pPr lvl="8" algn="ctr">
-              <a:spcBef>
-                <a:spcPts val="0"/>
-              </a:spcBef>
-              <a:spcAft>
-                <a:spcPts val="0"/>
-              </a:spcAft>
-              <a:buSzPts val="6600"/>
-              <a:buNone/>
-              <a:defRPr sz="6600"/>
-            </a:lvl9pPr>
-          </a:lstStyle>
-          <a:p/>
-        </p:txBody>
-      </p:sp>
-      <p:sp>
-        <p:nvSpPr>
-          <p:cNvPr id="11" name="Google Shape;11;p2"/>
-          <p:cNvSpPr txBox="1"/>
-          <p:nvPr>
-            <p:ph idx="1" type="subTitle"/>
-          </p:nvPr>
-        </p:nvSpPr>
-        <p:spPr>
-          <a:xfrm>
-            <a:off x="364468" y="4165643"/>
-            <a:ext cx="9963000" cy="1164900"/>
-          </a:xfrm>
-          <a:prstGeom prst="rect">
-            <a:avLst/>
-          </a:prstGeom>
-        </p:spPr>
-        <p:txBody>
-          <a:bodyPr anchorCtr="0" anchor="t" bIns="116050" lIns="116050" spcFirstLastPara="1" rIns="116050" wrap="square" tIns="116050">
-            <a:noAutofit/>
-          </a:bodyPr>
-          <a:lstStyle>
-            <a:lvl1pPr lvl="0" algn="ctr">
-              <a:lnSpc>
-                <a:spcPct val="100000"/>
-              </a:lnSpc>
-              <a:spcBef>
-                <a:spcPts val="0"/>
-              </a:spcBef>
-              <a:spcAft>
-                <a:spcPts val="0"/>
-              </a:spcAft>
-              <a:buSzPts val="3600"/>
-              <a:buNone/>
-              <a:defRPr sz="3600"/>
-            </a:lvl1pPr>
-            <a:lvl2pPr lvl="1" algn="ctr">
-              <a:lnSpc>
-                <a:spcPct val="100000"/>
-              </a:lnSpc>
-              <a:spcBef>
-                <a:spcPts val="0"/>
-              </a:spcBef>
-              <a:spcAft>
-                <a:spcPts val="0"/>
-              </a:spcAft>
-              <a:buSzPts val="3600"/>
-              <a:buNone/>
-              <a:defRPr sz="3600"/>
-            </a:lvl2pPr>
-            <a:lvl3pPr lvl="2" algn="ctr">
-              <a:lnSpc>
-                <a:spcPct val="100000"/>
-              </a:lnSpc>
-              <a:spcBef>
-                <a:spcPts val="0"/>
-              </a:spcBef>
-              <a:spcAft>
-                <a:spcPts val="0"/>
-              </a:spcAft>
-              <a:buSzPts val="3600"/>
-              <a:buNone/>
-              <a:defRPr sz="3600"/>
-            </a:lvl3pPr>
-            <a:lvl4pPr lvl="3" algn="ctr">
-              <a:lnSpc>
-                <a:spcPct val="100000"/>
-              </a:lnSpc>
-              <a:spcBef>
-                <a:spcPts val="0"/>
-              </a:spcBef>
-              <a:spcAft>
-                <a:spcPts val="0"/>
-              </a:spcAft>
-              <a:buSzPts val="3600"/>
-              <a:buNone/>
-              <a:defRPr sz="3600"/>
-            </a:lvl4pPr>
-            <a:lvl5pPr lvl="4" algn="ctr">
-              <a:lnSpc>
-                <a:spcPct val="100000"/>
-              </a:lnSpc>
-              <a:spcBef>
-                <a:spcPts val="0"/>
-              </a:spcBef>
-              <a:spcAft>
-                <a:spcPts val="0"/>
-              </a:spcAft>
-              <a:buSzPts val="3600"/>
-              <a:buNone/>
-              <a:defRPr sz="3600"/>
-            </a:lvl5pPr>
-            <a:lvl6pPr lvl="5" algn="ctr">
-              <a:lnSpc>
-                <a:spcPct val="100000"/>
-              </a:lnSpc>
-              <a:spcBef>
-                <a:spcPts val="0"/>
-              </a:spcBef>
-              <a:spcAft>
-                <a:spcPts val="0"/>
-              </a:spcAft>
-              <a:buSzPts val="3600"/>
-              <a:buNone/>
-              <a:defRPr sz="3600"/>
-            </a:lvl6pPr>
-            <a:lvl7pPr lvl="6" algn="ctr">
-              <a:lnSpc>
-                <a:spcPct val="100000"/>
-              </a:lnSpc>
-              <a:spcBef>
-                <a:spcPts val="0"/>
-              </a:spcBef>
-              <a:spcAft>
-                <a:spcPts val="0"/>
-              </a:spcAft>
-              <a:buSzPts val="3600"/>
-              <a:buNone/>
-              <a:defRPr sz="3600"/>
-            </a:lvl7pPr>
-            <a:lvl8pPr lvl="7" algn="ctr">
-              <a:lnSpc>
-                <a:spcPct val="100000"/>
-              </a:lnSpc>
-              <a:spcBef>
-                <a:spcPts val="0"/>
-              </a:spcBef>
-              <a:spcAft>
-                <a:spcPts val="0"/>
-              </a:spcAft>
-              <a:buSzPts val="3600"/>
-              <a:buNone/>
-              <a:defRPr sz="3600"/>
-            </a:lvl8pPr>
-            <a:lvl9pPr lvl="8" algn="ctr">
-              <a:lnSpc>
-                <a:spcPct val="100000"/>
-              </a:lnSpc>
-              <a:spcBef>
-                <a:spcPts val="0"/>
-              </a:spcBef>
-              <a:spcAft>
-                <a:spcPts val="0"/>
-              </a:spcAft>
-              <a:buSzPts val="3600"/>
-              <a:buNone/>
-              <a:defRPr sz="3600"/>
-            </a:lvl9pPr>
-          </a:lstStyle>
-          <a:p/>
-        </p:txBody>
-      </p:sp>
-      <p:sp>
-        <p:nvSpPr>
-          <p:cNvPr id="12" name="Google Shape;12;p2"/>
-          <p:cNvSpPr txBox="1"/>
-          <p:nvPr>
-            <p:ph idx="12" type="sldNum"/>
-          </p:nvPr>
-        </p:nvSpPr>
-        <p:spPr>
-          <a:xfrm>
-            <a:off x="9906772" y="6854072"/>
-            <a:ext cx="641700" cy="578400"/>
-          </a:xfrm>
-          <a:prstGeom prst="rect">
-            <a:avLst/>
-          </a:prstGeom>
-        </p:spPr>
-        <p:txBody>
-          <a:bodyPr anchorCtr="0" anchor="ctr" bIns="116050" lIns="116050" spcFirstLastPara="1" rIns="116050" wrap="square" tIns="116050">
-            <a:noAutofit/>
-          </a:bodyPr>
-          <a:lstStyle>
-            <a:lvl1pPr lvl="0">
-              <a:buNone/>
-              <a:defRPr/>
-            </a:lvl1pPr>
-            <a:lvl2pPr lvl="1">
-              <a:buNone/>
-              <a:defRPr/>
-            </a:lvl2pPr>
-            <a:lvl3pPr lvl="2">
-              <a:buNone/>
-              <a:defRPr/>
-            </a:lvl3pPr>
-            <a:lvl4pPr lvl="3">
-              <a:buNone/>
-              <a:defRPr/>
-            </a:lvl4pPr>
-            <a:lvl5pPr lvl="4">
-              <a:buNone/>
-              <a:defRPr/>
-            </a:lvl5pPr>
-            <a:lvl6pPr lvl="5">
-              <a:buNone/>
-              <a:defRPr/>
-            </a:lvl6pPr>
-            <a:lvl7pPr lvl="6">
-              <a:buNone/>
-              <a:defRPr/>
-            </a:lvl7pPr>
-            <a:lvl8pPr lvl="7">
-              <a:buNone/>
-              <a:defRPr/>
-            </a:lvl8pPr>
-            <a:lvl9pPr lvl="8">
-              <a:buNone/>
-              <a:defRPr/>
-            </a:lvl9pPr>
-          </a:lstStyle>
-          <a:p>
-            <a:pPr indent="0" lvl="0" marL="0" rtl="0" algn="r">
-              <a:spcBef>
-                <a:spcPts val="0"/>
-              </a:spcBef>
-              <a:spcAft>
-                <a:spcPts val="0"/>
-              </a:spcAft>
-              <a:buNone/>
-            </a:pPr>
-            <a:fld id="{00000000-1234-1234-1234-123412341234}" type="slidenum">
-              <a:rPr lang="en"/>
-              <a:t>‹#›</a:t>
-            </a:fld>
-            <a:endParaRPr/>
-          </a:p>
-        </p:txBody>
-      </p:sp>
-    </p:spTree>
-  </p:cSld>
-  <p:clrMapOvr>
-    <a:masterClrMapping/>
-  </p:clrMapOvr>
-</p:sldLayout>
-</file>
-
-<file path=ppt/slideLayouts/slideLayout10.xml><?xml version="1.0" encoding="utf-8"?>
-<p:sldLayout xmlns:a="http://schemas.openxmlformats.org/drawingml/2006/main" xmlns:r="http://schemas.openxmlformats.org/officeDocument/2006/relationships" xmlns:mc="http://schemas.openxmlformats.org/markup-compatibility/2006" xmlns:mv="urn:schemas-microsoft-com:mac:vml" xmlns:p="http://schemas.openxmlformats.org/presentationml/2006/main" xmlns:c="http://schemas.openxmlformats.org/drawingml/2006/chart" xmlns:dgm="http://schemas.openxmlformats.org/drawingml/2006/diagram" xmlns:o="urn:schemas-microsoft-com:office:office" xmlns:v="urn:schemas-microsoft-com:vml" xmlns:pvml="urn:schemas-microsoft-com:office:powerpoint" xmlns:com="http://schemas.openxmlformats.org/drawingml/2006/compatibility" xmlns:p14="http://schemas.microsoft.com/office/powerpoint/2010/main" xmlns:p15="http://schemas.microsoft.com/office/powerpoint/2012/main" matchingName="Big number">
-  <p:cSld name="BIG_NUMBER">
-    <p:spTree>
-      <p:nvGrpSpPr>
-        <p:cNvPr id="44" name="Shape 44"/>
-        <p:cNvGrpSpPr/>
-        <p:nvPr/>
-      </p:nvGrpSpPr>
-      <p:grpSpPr>
-        <a:xfrm>
-          <a:off x="0" y="0"/>
-          <a:ext cx="0" cy="0"/>
-          <a:chOff x="0" y="0"/>
-          <a:chExt cx="0" cy="0"/>
-        </a:xfrm>
-      </p:grpSpPr>
-      <p:sp>
-        <p:nvSpPr>
-          <p:cNvPr id="45" name="Google Shape;45;p11"/>
-          <p:cNvSpPr txBox="1"/>
-          <p:nvPr>
-            <p:ph hasCustomPrompt="1" type="title"/>
-          </p:nvPr>
-        </p:nvSpPr>
-        <p:spPr>
-          <a:xfrm>
-            <a:off x="364468" y="1625801"/>
-            <a:ext cx="9963000" cy="2886000"/>
-          </a:xfrm>
-          <a:prstGeom prst="rect">
-            <a:avLst/>
-          </a:prstGeom>
-        </p:spPr>
-        <p:txBody>
-          <a:bodyPr anchorCtr="0" anchor="b" bIns="116050" lIns="116050" spcFirstLastPara="1" rIns="116050" wrap="square" tIns="116050">
-            <a:noAutofit/>
-          </a:bodyPr>
-          <a:lstStyle>
-            <a:lvl1pPr lvl="0" algn="ctr">
-              <a:spcBef>
-                <a:spcPts val="0"/>
-              </a:spcBef>
-              <a:spcAft>
-                <a:spcPts val="0"/>
-              </a:spcAft>
-              <a:buSzPts val="15200"/>
-              <a:buNone/>
-              <a:defRPr sz="15200"/>
-            </a:lvl1pPr>
-            <a:lvl2pPr lvl="1" algn="ctr">
-              <a:spcBef>
-                <a:spcPts val="0"/>
-              </a:spcBef>
-              <a:spcAft>
-                <a:spcPts val="0"/>
-              </a:spcAft>
-              <a:buSzPts val="15200"/>
-              <a:buNone/>
-              <a:defRPr sz="15200"/>
-            </a:lvl2pPr>
-            <a:lvl3pPr lvl="2" algn="ctr">
-              <a:spcBef>
-                <a:spcPts val="0"/>
-              </a:spcBef>
-              <a:spcAft>
-                <a:spcPts val="0"/>
-              </a:spcAft>
-              <a:buSzPts val="15200"/>
-              <a:buNone/>
-              <a:defRPr sz="15200"/>
-            </a:lvl3pPr>
-            <a:lvl4pPr lvl="3" algn="ctr">
-              <a:spcBef>
-                <a:spcPts val="0"/>
-              </a:spcBef>
-              <a:spcAft>
-                <a:spcPts val="0"/>
-              </a:spcAft>
-              <a:buSzPts val="15200"/>
-              <a:buNone/>
-              <a:defRPr sz="15200"/>
-            </a:lvl4pPr>
-            <a:lvl5pPr lvl="4" algn="ctr">
-              <a:spcBef>
-                <a:spcPts val="0"/>
-              </a:spcBef>
-              <a:spcAft>
-                <a:spcPts val="0"/>
-              </a:spcAft>
-              <a:buSzPts val="15200"/>
-              <a:buNone/>
-              <a:defRPr sz="15200"/>
-            </a:lvl5pPr>
-            <a:lvl6pPr lvl="5" algn="ctr">
-              <a:spcBef>
-                <a:spcPts val="0"/>
-              </a:spcBef>
-              <a:spcAft>
-                <a:spcPts val="0"/>
-              </a:spcAft>
-              <a:buSzPts val="15200"/>
-              <a:buNone/>
-              <a:defRPr sz="15200"/>
-            </a:lvl6pPr>
-            <a:lvl7pPr lvl="6" algn="ctr">
-              <a:spcBef>
-                <a:spcPts val="0"/>
-              </a:spcBef>
-              <a:spcAft>
-                <a:spcPts val="0"/>
-              </a:spcAft>
-              <a:buSzPts val="15200"/>
-              <a:buNone/>
-              <a:defRPr sz="15200"/>
-            </a:lvl7pPr>
-            <a:lvl8pPr lvl="7" algn="ctr">
-              <a:spcBef>
-                <a:spcPts val="0"/>
-              </a:spcBef>
-              <a:spcAft>
-                <a:spcPts val="0"/>
-              </a:spcAft>
-              <a:buSzPts val="15200"/>
-              <a:buNone/>
-              <a:defRPr sz="15200"/>
-            </a:lvl8pPr>
-            <a:lvl9pPr lvl="8" algn="ctr">
-              <a:spcBef>
-                <a:spcPts val="0"/>
-              </a:spcBef>
-              <a:spcAft>
-                <a:spcPts val="0"/>
-              </a:spcAft>
-              <a:buSzPts val="15200"/>
-              <a:buNone/>
-              <a:defRPr sz="15200"/>
-            </a:lvl9pPr>
-          </a:lstStyle>
-          <a:p>
-            <a:r>
-              <a:t>xx%</a:t>
-            </a:r>
-          </a:p>
-        </p:txBody>
-      </p:sp>
-      <p:sp>
-        <p:nvSpPr>
-          <p:cNvPr id="46" name="Google Shape;46;p11"/>
-          <p:cNvSpPr txBox="1"/>
-          <p:nvPr>
-            <p:ph idx="1" type="body"/>
-          </p:nvPr>
-        </p:nvSpPr>
-        <p:spPr>
-          <a:xfrm>
-            <a:off x="364468" y="4633192"/>
-            <a:ext cx="9963000" cy="1911900"/>
-          </a:xfrm>
-          <a:prstGeom prst="rect">
-            <a:avLst/>
-          </a:prstGeom>
-        </p:spPr>
-        <p:txBody>
-          <a:bodyPr anchorCtr="0" anchor="t" bIns="116050" lIns="116050" spcFirstLastPara="1" rIns="116050" wrap="square" tIns="116050">
-            <a:noAutofit/>
-          </a:bodyPr>
-          <a:lstStyle>
-            <a:lvl1pPr indent="-374650" lvl="0" marL="457200" algn="ctr">
-              <a:spcBef>
-                <a:spcPts val="0"/>
-              </a:spcBef>
-              <a:spcAft>
-                <a:spcPts val="0"/>
-              </a:spcAft>
-              <a:buSzPts val="2300"/>
-              <a:buChar char="●"/>
-              <a:defRPr/>
-            </a:lvl1pPr>
-            <a:lvl2pPr indent="-342900" lvl="1" marL="914400" algn="ctr">
-              <a:spcBef>
-                <a:spcPts val="2000"/>
-              </a:spcBef>
-              <a:spcAft>
-                <a:spcPts val="0"/>
-              </a:spcAft>
-              <a:buSzPts val="1800"/>
-              <a:buChar char="○"/>
-              <a:defRPr/>
-            </a:lvl2pPr>
-            <a:lvl3pPr indent="-342900" lvl="2" marL="1371600" algn="ctr">
-              <a:spcBef>
-                <a:spcPts val="2000"/>
-              </a:spcBef>
-              <a:spcAft>
-                <a:spcPts val="0"/>
-              </a:spcAft>
-              <a:buSzPts val="1800"/>
-              <a:buChar char="■"/>
-              <a:defRPr/>
-            </a:lvl3pPr>
-            <a:lvl4pPr indent="-342900" lvl="3" marL="1828800" algn="ctr">
-              <a:spcBef>
-                <a:spcPts val="2000"/>
-              </a:spcBef>
-              <a:spcAft>
-                <a:spcPts val="0"/>
-              </a:spcAft>
-              <a:buSzPts val="1800"/>
-              <a:buChar char="●"/>
-              <a:defRPr/>
-            </a:lvl4pPr>
-            <a:lvl5pPr indent="-342900" lvl="4" marL="2286000" algn="ctr">
-              <a:spcBef>
-                <a:spcPts val="2000"/>
-              </a:spcBef>
-              <a:spcAft>
-                <a:spcPts val="0"/>
-              </a:spcAft>
-              <a:buSzPts val="1800"/>
-              <a:buChar char="○"/>
-              <a:defRPr/>
-            </a:lvl5pPr>
-            <a:lvl6pPr indent="-342900" lvl="5" marL="2743200" algn="ctr">
-              <a:spcBef>
-                <a:spcPts val="2000"/>
-              </a:spcBef>
-              <a:spcAft>
-                <a:spcPts val="0"/>
-              </a:spcAft>
-              <a:buSzPts val="1800"/>
-              <a:buChar char="■"/>
-              <a:defRPr/>
-            </a:lvl6pPr>
-            <a:lvl7pPr indent="-342900" lvl="6" marL="3200400" algn="ctr">
-              <a:spcBef>
-                <a:spcPts val="2000"/>
-              </a:spcBef>
-              <a:spcAft>
-                <a:spcPts val="0"/>
-              </a:spcAft>
-              <a:buSzPts val="1800"/>
-              <a:buChar char="●"/>
-              <a:defRPr/>
-            </a:lvl7pPr>
-            <a:lvl8pPr indent="-342900" lvl="7" marL="3657600" algn="ctr">
-              <a:spcBef>
-                <a:spcPts val="2000"/>
-              </a:spcBef>
-              <a:spcAft>
-                <a:spcPts val="0"/>
-              </a:spcAft>
-              <a:buSzPts val="1800"/>
-              <a:buChar char="○"/>
-              <a:defRPr/>
-            </a:lvl8pPr>
-            <a:lvl9pPr indent="-342900" lvl="8" marL="4114800" algn="ctr">
-              <a:spcBef>
-                <a:spcPts val="2000"/>
-              </a:spcBef>
-              <a:spcAft>
-                <a:spcPts val="2000"/>
-              </a:spcAft>
-              <a:buSzPts val="1800"/>
-              <a:buChar char="■"/>
-              <a:defRPr/>
-            </a:lvl9pPr>
-          </a:lstStyle>
-          <a:p/>
-        </p:txBody>
-      </p:sp>
-      <p:sp>
-        <p:nvSpPr>
-          <p:cNvPr id="47" name="Google Shape;47;p11"/>
-          <p:cNvSpPr txBox="1"/>
-          <p:nvPr>
-            <p:ph idx="12" type="sldNum"/>
-          </p:nvPr>
-        </p:nvSpPr>
-        <p:spPr>
-          <a:xfrm>
-            <a:off x="9906772" y="6854072"/>
-            <a:ext cx="641700" cy="578400"/>
-          </a:xfrm>
-          <a:prstGeom prst="rect">
-            <a:avLst/>
-          </a:prstGeom>
-        </p:spPr>
-        <p:txBody>
-          <a:bodyPr anchorCtr="0" anchor="ctr" bIns="116050" lIns="116050" spcFirstLastPara="1" rIns="116050" wrap="square" tIns="116050">
-            <a:noAutofit/>
-          </a:bodyPr>
-          <a:lstStyle>
-            <a:lvl1pPr lvl="0">
-              <a:buNone/>
-              <a:defRPr/>
-            </a:lvl1pPr>
-            <a:lvl2pPr lvl="1">
-              <a:buNone/>
-              <a:defRPr/>
-            </a:lvl2pPr>
-            <a:lvl3pPr lvl="2">
-              <a:buNone/>
-              <a:defRPr/>
-            </a:lvl3pPr>
-            <a:lvl4pPr lvl="3">
-              <a:buNone/>
-              <a:defRPr/>
-            </a:lvl4pPr>
-            <a:lvl5pPr lvl="4">
-              <a:buNone/>
-              <a:defRPr/>
-            </a:lvl5pPr>
-            <a:lvl6pPr lvl="5">
-              <a:buNone/>
-              <a:defRPr/>
-            </a:lvl6pPr>
-            <a:lvl7pPr lvl="6">
-              <a:buNone/>
-              <a:defRPr/>
-            </a:lvl7pPr>
-            <a:lvl8pPr lvl="7">
-              <a:buNone/>
-              <a:defRPr/>
-            </a:lvl8pPr>
-            <a:lvl9pPr lvl="8">
-              <a:buNone/>
-              <a:defRPr/>
-            </a:lvl9pPr>
-          </a:lstStyle>
-          <a:p>
-            <a:pPr indent="0" lvl="0" marL="0" rtl="0" algn="r">
-              <a:spcBef>
-                <a:spcPts val="0"/>
-              </a:spcBef>
-              <a:spcAft>
-                <a:spcPts val="0"/>
-              </a:spcAft>
-              <a:buNone/>
-            </a:pPr>
-            <a:fld id="{00000000-1234-1234-1234-123412341234}" type="slidenum">
-              <a:rPr lang="en"/>
-              <a:t>‹#›</a:t>
-            </a:fld>
-            <a:endParaRPr/>
-          </a:p>
-        </p:txBody>
-      </p:sp>
-    </p:spTree>
-  </p:cSld>
-  <p:clrMapOvr>
-    <a:masterClrMapping/>
-  </p:clrMapOvr>
-</p:sldLayout>
-</file>
-
-<file path=ppt/slideLayouts/slideLayout11.xml><?xml version="1.0" encoding="utf-8"?>
-<p:sldLayout xmlns:a="http://schemas.openxmlformats.org/drawingml/2006/main" xmlns:r="http://schemas.openxmlformats.org/officeDocument/2006/relationships" xmlns:mc="http://schemas.openxmlformats.org/markup-compatibility/2006" xmlns:mv="urn:schemas-microsoft-com:mac:vml" xmlns:p="http://schemas.openxmlformats.org/presentationml/2006/main" xmlns:c="http://schemas.openxmlformats.org/drawingml/2006/chart" xmlns:dgm="http://schemas.openxmlformats.org/drawingml/2006/diagram" xmlns:o="urn:schemas-microsoft-com:office:office" xmlns:v="urn:schemas-microsoft-com:vml" xmlns:pvml="urn:schemas-microsoft-com:office:powerpoint" xmlns:com="http://schemas.openxmlformats.org/drawingml/2006/compatibility" xmlns:p14="http://schemas.microsoft.com/office/powerpoint/2010/main" xmlns:p15="http://schemas.microsoft.com/office/powerpoint/2012/main" matchingName="Blank" type="blank">
-  <p:cSld name="BLANK">
-    <p:spTree>
-      <p:nvGrpSpPr>
-        <p:cNvPr id="48" name="Shape 48"/>
-        <p:cNvGrpSpPr/>
-        <p:nvPr/>
-      </p:nvGrpSpPr>
-      <p:grpSpPr>
-        <a:xfrm>
-          <a:off x="0" y="0"/>
-          <a:ext cx="0" cy="0"/>
-          <a:chOff x="0" y="0"/>
-          <a:chExt cx="0" cy="0"/>
-        </a:xfrm>
-      </p:grpSpPr>
-      <p:sp>
-        <p:nvSpPr>
-          <p:cNvPr id="49" name="Google Shape;49;p12"/>
-          <p:cNvSpPr txBox="1"/>
-          <p:nvPr>
-            <p:ph idx="12" type="sldNum"/>
-          </p:nvPr>
-        </p:nvSpPr>
-        <p:spPr>
-          <a:xfrm>
-            <a:off x="9906772" y="6854072"/>
-            <a:ext cx="641700" cy="578400"/>
-          </a:xfrm>
-          <a:prstGeom prst="rect">
-            <a:avLst/>
-          </a:prstGeom>
-        </p:spPr>
-        <p:txBody>
-          <a:bodyPr anchorCtr="0" anchor="ctr" bIns="116050" lIns="116050" spcFirstLastPara="1" rIns="116050" wrap="square" tIns="116050">
-            <a:noAutofit/>
-          </a:bodyPr>
-          <a:lstStyle>
-            <a:lvl1pPr lvl="0">
-              <a:buNone/>
-              <a:defRPr/>
-            </a:lvl1pPr>
-            <a:lvl2pPr lvl="1">
-              <a:buNone/>
-              <a:defRPr/>
-            </a:lvl2pPr>
-            <a:lvl3pPr lvl="2">
-              <a:buNone/>
-              <a:defRPr/>
-            </a:lvl3pPr>
-            <a:lvl4pPr lvl="3">
-              <a:buNone/>
-              <a:defRPr/>
-            </a:lvl4pPr>
-            <a:lvl5pPr lvl="4">
-              <a:buNone/>
-              <a:defRPr/>
-            </a:lvl5pPr>
-            <a:lvl6pPr lvl="5">
-              <a:buNone/>
-              <a:defRPr/>
-            </a:lvl6pPr>
-            <a:lvl7pPr lvl="6">
-              <a:buNone/>
-              <a:defRPr/>
-            </a:lvl7pPr>
-            <a:lvl8pPr lvl="7">
-              <a:buNone/>
-              <a:defRPr/>
-            </a:lvl8pPr>
-            <a:lvl9pPr lvl="8">
-              <a:buNone/>
-              <a:defRPr/>
-            </a:lvl9pPr>
-          </a:lstStyle>
-          <a:p>
-            <a:pPr indent="0" lvl="0" marL="0" rtl="0" algn="r">
-              <a:spcBef>
-                <a:spcPts val="0"/>
-              </a:spcBef>
-              <a:spcAft>
-                <a:spcPts val="0"/>
-              </a:spcAft>
-              <a:buNone/>
-            </a:pPr>
-            <a:fld id="{00000000-1234-1234-1234-123412341234}" type="slidenum">
-              <a:rPr lang="en"/>
-              <a:t>‹#›</a:t>
-            </a:fld>
-            <a:endParaRPr/>
-          </a:p>
-        </p:txBody>
-      </p:sp>
-    </p:spTree>
-  </p:cSld>
-  <p:clrMapOvr>
-    <a:masterClrMapping/>
-  </p:clrMapOvr>
-</p:sldLayout>
-</file>
-
-<file path=ppt/slideLayouts/slideLayout2.xml><?xml version="1.0" encoding="utf-8"?>
-<p:sldLayout xmlns:a="http://schemas.openxmlformats.org/drawingml/2006/main" xmlns:r="http://schemas.openxmlformats.org/officeDocument/2006/relationships" xmlns:mc="http://schemas.openxmlformats.org/markup-compatibility/2006" xmlns:mv="urn:schemas-microsoft-com:mac:vml" xmlns:p="http://schemas.openxmlformats.org/presentationml/2006/main" xmlns:c="http://schemas.openxmlformats.org/drawingml/2006/chart" xmlns:dgm="http://schemas.openxmlformats.org/drawingml/2006/diagram" xmlns:o="urn:schemas-microsoft-com:office:office" xmlns:v="urn:schemas-microsoft-com:vml" xmlns:pvml="urn:schemas-microsoft-com:office:powerpoint" xmlns:com="http://schemas.openxmlformats.org/drawingml/2006/compatibility" xmlns:p14="http://schemas.microsoft.com/office/powerpoint/2010/main" xmlns:p15="http://schemas.microsoft.com/office/powerpoint/2012/main" matchingName="Section header" type="secHead">
-  <p:cSld name="SECTION_HEADER">
-    <p:spTree>
-      <p:nvGrpSpPr>
-        <p:cNvPr id="13" name="Shape 13"/>
-        <p:cNvGrpSpPr/>
-        <p:nvPr/>
-      </p:nvGrpSpPr>
-      <p:grpSpPr>
-        <a:xfrm>
-          <a:off x="0" y="0"/>
-          <a:ext cx="0" cy="0"/>
-          <a:chOff x="0" y="0"/>
-          <a:chExt cx="0" cy="0"/>
-        </a:xfrm>
-      </p:grpSpPr>
-      <p:sp>
-        <p:nvSpPr>
-          <p:cNvPr id="14" name="Google Shape;14;p3"/>
-          <p:cNvSpPr txBox="1"/>
-          <p:nvPr>
-            <p:ph type="title"/>
-          </p:nvPr>
-        </p:nvSpPr>
-        <p:spPr>
-          <a:xfrm>
-            <a:off x="364468" y="3161354"/>
-            <a:ext cx="9963000" cy="1237200"/>
-          </a:xfrm>
-          <a:prstGeom prst="rect">
-            <a:avLst/>
-          </a:prstGeom>
-        </p:spPr>
-        <p:txBody>
-          <a:bodyPr anchorCtr="0" anchor="ctr" bIns="116050" lIns="116050" spcFirstLastPara="1" rIns="116050" wrap="square" tIns="116050">
-            <a:noAutofit/>
-          </a:bodyPr>
-          <a:lstStyle>
-            <a:lvl1pPr lvl="0" algn="ctr">
-              <a:spcBef>
-                <a:spcPts val="0"/>
-              </a:spcBef>
-              <a:spcAft>
-                <a:spcPts val="0"/>
-              </a:spcAft>
-              <a:buSzPts val="4600"/>
-              <a:buNone/>
-              <a:defRPr sz="4600"/>
-            </a:lvl1pPr>
-            <a:lvl2pPr lvl="1" algn="ctr">
-              <a:spcBef>
-                <a:spcPts val="0"/>
-              </a:spcBef>
-              <a:spcAft>
-                <a:spcPts val="0"/>
-              </a:spcAft>
-              <a:buSzPts val="4600"/>
-              <a:buNone/>
-              <a:defRPr sz="4600"/>
-            </a:lvl2pPr>
-            <a:lvl3pPr lvl="2" algn="ctr">
-              <a:spcBef>
-                <a:spcPts val="0"/>
-              </a:spcBef>
-              <a:spcAft>
-                <a:spcPts val="0"/>
-              </a:spcAft>
-              <a:buSzPts val="4600"/>
-              <a:buNone/>
-              <a:defRPr sz="4600"/>
-            </a:lvl3pPr>
-            <a:lvl4pPr lvl="3" algn="ctr">
-              <a:spcBef>
-                <a:spcPts val="0"/>
-              </a:spcBef>
-              <a:spcAft>
-                <a:spcPts val="0"/>
-              </a:spcAft>
-              <a:buSzPts val="4600"/>
-              <a:buNone/>
-              <a:defRPr sz="4600"/>
-            </a:lvl4pPr>
-            <a:lvl5pPr lvl="4" algn="ctr">
-              <a:spcBef>
-                <a:spcPts val="0"/>
-              </a:spcBef>
-              <a:spcAft>
-                <a:spcPts val="0"/>
-              </a:spcAft>
-              <a:buSzPts val="4600"/>
-              <a:buNone/>
-              <a:defRPr sz="4600"/>
-            </a:lvl5pPr>
-            <a:lvl6pPr lvl="5" algn="ctr">
-              <a:spcBef>
-                <a:spcPts val="0"/>
-              </a:spcBef>
-              <a:spcAft>
-                <a:spcPts val="0"/>
-              </a:spcAft>
-              <a:buSzPts val="4600"/>
-              <a:buNone/>
-              <a:defRPr sz="4600"/>
-            </a:lvl6pPr>
-            <a:lvl7pPr lvl="6" algn="ctr">
-              <a:spcBef>
-                <a:spcPts val="0"/>
-              </a:spcBef>
-              <a:spcAft>
-                <a:spcPts val="0"/>
-              </a:spcAft>
-              <a:buSzPts val="4600"/>
-              <a:buNone/>
-              <a:defRPr sz="4600"/>
-            </a:lvl7pPr>
-            <a:lvl8pPr lvl="7" algn="ctr">
-              <a:spcBef>
-                <a:spcPts val="0"/>
-              </a:spcBef>
-              <a:spcAft>
-                <a:spcPts val="0"/>
-              </a:spcAft>
-              <a:buSzPts val="4600"/>
-              <a:buNone/>
-              <a:defRPr sz="4600"/>
-            </a:lvl8pPr>
-            <a:lvl9pPr lvl="8" algn="ctr">
-              <a:spcBef>
-                <a:spcPts val="0"/>
-              </a:spcBef>
-              <a:spcAft>
-                <a:spcPts val="0"/>
-              </a:spcAft>
-              <a:buSzPts val="4600"/>
-              <a:buNone/>
-              <a:defRPr sz="4600"/>
-            </a:lvl9pPr>
-          </a:lstStyle>
-          <a:p/>
-        </p:txBody>
-      </p:sp>
-      <p:sp>
-        <p:nvSpPr>
-          <p:cNvPr id="15" name="Google Shape;15;p3"/>
-          <p:cNvSpPr txBox="1"/>
-          <p:nvPr>
-            <p:ph idx="12" type="sldNum"/>
-          </p:nvPr>
-        </p:nvSpPr>
-        <p:spPr>
-          <a:xfrm>
-            <a:off x="9906772" y="6854072"/>
-            <a:ext cx="641700" cy="578400"/>
-          </a:xfrm>
-          <a:prstGeom prst="rect">
-            <a:avLst/>
-          </a:prstGeom>
-        </p:spPr>
-        <p:txBody>
-          <a:bodyPr anchorCtr="0" anchor="ctr" bIns="116050" lIns="116050" spcFirstLastPara="1" rIns="116050" wrap="square" tIns="116050">
-            <a:noAutofit/>
-          </a:bodyPr>
-          <a:lstStyle>
-            <a:lvl1pPr lvl="0">
-              <a:buNone/>
-              <a:defRPr/>
-            </a:lvl1pPr>
-            <a:lvl2pPr lvl="1">
-              <a:buNone/>
-              <a:defRPr/>
-            </a:lvl2pPr>
-            <a:lvl3pPr lvl="2">
-              <a:buNone/>
-              <a:defRPr/>
-            </a:lvl3pPr>
-            <a:lvl4pPr lvl="3">
-              <a:buNone/>
-              <a:defRPr/>
-            </a:lvl4pPr>
-            <a:lvl5pPr lvl="4">
-              <a:buNone/>
-              <a:defRPr/>
-            </a:lvl5pPr>
-            <a:lvl6pPr lvl="5">
-              <a:buNone/>
-              <a:defRPr/>
-            </a:lvl6pPr>
-            <a:lvl7pPr lvl="6">
-              <a:buNone/>
-              <a:defRPr/>
-            </a:lvl7pPr>
-            <a:lvl8pPr lvl="7">
-              <a:buNone/>
-              <a:defRPr/>
-            </a:lvl8pPr>
-            <a:lvl9pPr lvl="8">
-              <a:buNone/>
-              <a:defRPr/>
-            </a:lvl9pPr>
-          </a:lstStyle>
-          <a:p>
-            <a:pPr indent="0" lvl="0" marL="0" rtl="0" algn="r">
-              <a:spcBef>
-                <a:spcPts val="0"/>
-              </a:spcBef>
-              <a:spcAft>
-                <a:spcPts val="0"/>
-              </a:spcAft>
-              <a:buNone/>
-            </a:pPr>
-            <a:fld id="{00000000-1234-1234-1234-123412341234}" type="slidenum">
-              <a:rPr lang="en"/>
-              <a:t>‹#›</a:t>
-            </a:fld>
-            <a:endParaRPr/>
-          </a:p>
-        </p:txBody>
-      </p:sp>
-    </p:spTree>
-  </p:cSld>
-  <p:clrMapOvr>
-    <a:masterClrMapping/>
-  </p:clrMapOvr>
-</p:sldLayout>
-</file>
-
-<file path=ppt/slideLayouts/slideLayout3.xml><?xml version="1.0" encoding="utf-8"?>
-<p:sldLayout xmlns:a="http://schemas.openxmlformats.org/drawingml/2006/main" xmlns:r="http://schemas.openxmlformats.org/officeDocument/2006/relationships" xmlns:mc="http://schemas.openxmlformats.org/markup-compatibility/2006" xmlns:mv="urn:schemas-microsoft-com:mac:vml" xmlns:p="http://schemas.openxmlformats.org/presentationml/2006/main" xmlns:c="http://schemas.openxmlformats.org/drawingml/2006/chart" xmlns:dgm="http://schemas.openxmlformats.org/drawingml/2006/diagram" xmlns:o="urn:schemas-microsoft-com:office:office" xmlns:v="urn:schemas-microsoft-com:vml" xmlns:pvml="urn:schemas-microsoft-com:office:powerpoint" xmlns:com="http://schemas.openxmlformats.org/drawingml/2006/compatibility" xmlns:p14="http://schemas.microsoft.com/office/powerpoint/2010/main" xmlns:p15="http://schemas.microsoft.com/office/powerpoint/2012/main" matchingName="Title and body" type="tx">
-  <p:cSld name="TITLE_AND_BODY">
-    <p:spTree>
-      <p:nvGrpSpPr>
-        <p:cNvPr id="16" name="Shape 16"/>
-        <p:cNvGrpSpPr/>
-        <p:nvPr/>
-      </p:nvGrpSpPr>
-      <p:grpSpPr>
-        <a:xfrm>
-          <a:off x="0" y="0"/>
-          <a:ext cx="0" cy="0"/>
-          <a:chOff x="0" y="0"/>
-          <a:chExt cx="0" cy="0"/>
-        </a:xfrm>
-      </p:grpSpPr>
-      <p:sp>
-        <p:nvSpPr>
-          <p:cNvPr id="17" name="Google Shape;17;p4"/>
-          <p:cNvSpPr txBox="1"/>
-          <p:nvPr>
-            <p:ph type="title"/>
-          </p:nvPr>
-        </p:nvSpPr>
-        <p:spPr>
-          <a:xfrm>
-            <a:off x="364468" y="654105"/>
-            <a:ext cx="9963000" cy="841800"/>
-          </a:xfrm>
-          <a:prstGeom prst="rect">
-            <a:avLst/>
-          </a:prstGeom>
-        </p:spPr>
-        <p:txBody>
-          <a:bodyPr anchorCtr="0" anchor="t" bIns="116050" lIns="116050" spcFirstLastPara="1" rIns="116050" wrap="square" tIns="116050">
-            <a:noAutofit/>
-          </a:bodyPr>
-          <a:lstStyle>
-            <a:lvl1pPr lvl="0">
-              <a:spcBef>
-                <a:spcPts val="0"/>
-              </a:spcBef>
-              <a:spcAft>
-                <a:spcPts val="0"/>
-              </a:spcAft>
-              <a:buSzPts val="3600"/>
-              <a:buNone/>
-              <a:defRPr/>
-            </a:lvl1pPr>
-            <a:lvl2pPr lvl="1">
-              <a:spcBef>
-                <a:spcPts val="0"/>
-              </a:spcBef>
-              <a:spcAft>
-                <a:spcPts val="0"/>
-              </a:spcAft>
-              <a:buSzPts val="3600"/>
-              <a:buNone/>
-              <a:defRPr/>
-            </a:lvl2pPr>
-            <a:lvl3pPr lvl="2">
-              <a:spcBef>
-                <a:spcPts val="0"/>
-              </a:spcBef>
-              <a:spcAft>
-                <a:spcPts val="0"/>
-              </a:spcAft>
-              <a:buSzPts val="3600"/>
-              <a:buNone/>
-              <a:defRPr/>
-            </a:lvl3pPr>
-            <a:lvl4pPr lvl="3">
-              <a:spcBef>
-                <a:spcPts val="0"/>
-              </a:spcBef>
-              <a:spcAft>
-                <a:spcPts val="0"/>
-              </a:spcAft>
-              <a:buSzPts val="3600"/>
-              <a:buNone/>
-              <a:defRPr/>
-            </a:lvl4pPr>
-            <a:lvl5pPr lvl="4">
-              <a:spcBef>
-                <a:spcPts val="0"/>
-              </a:spcBef>
-              <a:spcAft>
-                <a:spcPts val="0"/>
-              </a:spcAft>
-              <a:buSzPts val="3600"/>
-              <a:buNone/>
-              <a:defRPr/>
-            </a:lvl5pPr>
-            <a:lvl6pPr lvl="5">
-              <a:spcBef>
-                <a:spcPts val="0"/>
-              </a:spcBef>
-              <a:spcAft>
-                <a:spcPts val="0"/>
-              </a:spcAft>
-              <a:buSzPts val="3600"/>
-              <a:buNone/>
-              <a:defRPr/>
-            </a:lvl6pPr>
-            <a:lvl7pPr lvl="6">
-              <a:spcBef>
-                <a:spcPts val="0"/>
-              </a:spcBef>
-              <a:spcAft>
-                <a:spcPts val="0"/>
-              </a:spcAft>
-              <a:buSzPts val="3600"/>
-              <a:buNone/>
-              <a:defRPr/>
-            </a:lvl7pPr>
-            <a:lvl8pPr lvl="7">
-              <a:spcBef>
-                <a:spcPts val="0"/>
-              </a:spcBef>
-              <a:spcAft>
-                <a:spcPts val="0"/>
-              </a:spcAft>
-              <a:buSzPts val="3600"/>
-              <a:buNone/>
-              <a:defRPr/>
-            </a:lvl8pPr>
-            <a:lvl9pPr lvl="8">
-              <a:spcBef>
-                <a:spcPts val="0"/>
-              </a:spcBef>
-              <a:spcAft>
-                <a:spcPts val="0"/>
-              </a:spcAft>
-              <a:buSzPts val="3600"/>
-              <a:buNone/>
-              <a:defRPr/>
-            </a:lvl9pPr>
-          </a:lstStyle>
-          <a:p/>
-        </p:txBody>
-      </p:sp>
-      <p:sp>
-        <p:nvSpPr>
-          <p:cNvPr id="18" name="Google Shape;18;p4"/>
-          <p:cNvSpPr txBox="1"/>
-          <p:nvPr>
-            <p:ph idx="1" type="body"/>
-          </p:nvPr>
-        </p:nvSpPr>
-        <p:spPr>
-          <a:xfrm>
-            <a:off x="364468" y="1693927"/>
-            <a:ext cx="9963000" cy="5021400"/>
-          </a:xfrm>
-          <a:prstGeom prst="rect">
-            <a:avLst/>
-          </a:prstGeom>
-        </p:spPr>
-        <p:txBody>
-          <a:bodyPr anchorCtr="0" anchor="t" bIns="116050" lIns="116050" spcFirstLastPara="1" rIns="116050" wrap="square" tIns="116050">
-            <a:noAutofit/>
-          </a:bodyPr>
-          <a:lstStyle>
-            <a:lvl1pPr indent="-374650" lvl="0" marL="457200">
-              <a:spcBef>
-                <a:spcPts val="0"/>
-              </a:spcBef>
-              <a:spcAft>
-                <a:spcPts val="0"/>
-              </a:spcAft>
-              <a:buSzPts val="2300"/>
-              <a:buChar char="●"/>
-              <a:defRPr/>
-            </a:lvl1pPr>
-            <a:lvl2pPr indent="-342900" lvl="1" marL="914400">
-              <a:spcBef>
-                <a:spcPts val="2000"/>
-              </a:spcBef>
-              <a:spcAft>
-                <a:spcPts val="0"/>
-              </a:spcAft>
-              <a:buSzPts val="1800"/>
-              <a:buChar char="○"/>
-              <a:defRPr/>
-            </a:lvl2pPr>
-            <a:lvl3pPr indent="-342900" lvl="2" marL="1371600">
-              <a:spcBef>
-                <a:spcPts val="2000"/>
-              </a:spcBef>
-              <a:spcAft>
-                <a:spcPts val="0"/>
-              </a:spcAft>
-              <a:buSzPts val="1800"/>
-              <a:buChar char="■"/>
-              <a:defRPr/>
-            </a:lvl3pPr>
-            <a:lvl4pPr indent="-342900" lvl="3" marL="1828800">
-              <a:spcBef>
-                <a:spcPts val="2000"/>
-              </a:spcBef>
-              <a:spcAft>
-                <a:spcPts val="0"/>
-              </a:spcAft>
-              <a:buSzPts val="1800"/>
-              <a:buChar char="●"/>
-              <a:defRPr/>
-            </a:lvl4pPr>
-            <a:lvl5pPr indent="-342900" lvl="4" marL="2286000">
-              <a:spcBef>
-                <a:spcPts val="2000"/>
-              </a:spcBef>
-              <a:spcAft>
-                <a:spcPts val="0"/>
-              </a:spcAft>
-              <a:buSzPts val="1800"/>
-              <a:buChar char="○"/>
-              <a:defRPr/>
-            </a:lvl5pPr>
-            <a:lvl6pPr indent="-342900" lvl="5" marL="2743200">
-              <a:spcBef>
-                <a:spcPts val="2000"/>
-              </a:spcBef>
-              <a:spcAft>
-                <a:spcPts val="0"/>
-              </a:spcAft>
-              <a:buSzPts val="1800"/>
-              <a:buChar char="■"/>
-              <a:defRPr/>
-            </a:lvl6pPr>
-            <a:lvl7pPr indent="-342900" lvl="6" marL="3200400">
-              <a:spcBef>
-                <a:spcPts val="2000"/>
-              </a:spcBef>
-              <a:spcAft>
-                <a:spcPts val="0"/>
-              </a:spcAft>
-              <a:buSzPts val="1800"/>
-              <a:buChar char="●"/>
-              <a:defRPr/>
-            </a:lvl7pPr>
-            <a:lvl8pPr indent="-342900" lvl="7" marL="3657600">
-              <a:spcBef>
-                <a:spcPts val="2000"/>
-              </a:spcBef>
-              <a:spcAft>
-                <a:spcPts val="0"/>
-              </a:spcAft>
-              <a:buSzPts val="1800"/>
-              <a:buChar char="○"/>
-              <a:defRPr/>
-            </a:lvl8pPr>
-            <a:lvl9pPr indent="-342900" lvl="8" marL="4114800">
-              <a:spcBef>
-                <a:spcPts val="2000"/>
-              </a:spcBef>
-              <a:spcAft>
-                <a:spcPts val="2000"/>
-              </a:spcAft>
-              <a:buSzPts val="1800"/>
-              <a:buChar char="■"/>
-              <a:defRPr/>
-            </a:lvl9pPr>
-          </a:lstStyle>
-          <a:p/>
-        </p:txBody>
-      </p:sp>
-      <p:sp>
-        <p:nvSpPr>
-          <p:cNvPr id="19" name="Google Shape;19;p4"/>
-          <p:cNvSpPr txBox="1"/>
-          <p:nvPr>
-            <p:ph idx="12" type="sldNum"/>
-          </p:nvPr>
-        </p:nvSpPr>
-        <p:spPr>
-          <a:xfrm>
-            <a:off x="9906772" y="6854072"/>
-            <a:ext cx="641700" cy="578400"/>
-          </a:xfrm>
-          <a:prstGeom prst="rect">
-            <a:avLst/>
-          </a:prstGeom>
-        </p:spPr>
-        <p:txBody>
-          <a:bodyPr anchorCtr="0" anchor="ctr" bIns="116050" lIns="116050" spcFirstLastPara="1" rIns="116050" wrap="square" tIns="116050">
-            <a:noAutofit/>
-          </a:bodyPr>
-          <a:lstStyle>
-            <a:lvl1pPr lvl="0">
-              <a:buNone/>
-              <a:defRPr/>
-            </a:lvl1pPr>
-            <a:lvl2pPr lvl="1">
-              <a:buNone/>
-              <a:defRPr/>
-            </a:lvl2pPr>
-            <a:lvl3pPr lvl="2">
-              <a:buNone/>
-              <a:defRPr/>
-            </a:lvl3pPr>
-            <a:lvl4pPr lvl="3">
-              <a:buNone/>
-              <a:defRPr/>
-            </a:lvl4pPr>
-            <a:lvl5pPr lvl="4">
-              <a:buNone/>
-              <a:defRPr/>
-            </a:lvl5pPr>
-            <a:lvl6pPr lvl="5">
-              <a:buNone/>
-              <a:defRPr/>
-            </a:lvl6pPr>
-            <a:lvl7pPr lvl="6">
-              <a:buNone/>
-              <a:defRPr/>
-            </a:lvl7pPr>
-            <a:lvl8pPr lvl="7">
-              <a:buNone/>
-              <a:defRPr/>
-            </a:lvl8pPr>
-            <a:lvl9pPr lvl="8">
-              <a:buNone/>
-              <a:defRPr/>
-            </a:lvl9pPr>
-          </a:lstStyle>
-          <a:p>
-            <a:pPr indent="0" lvl="0" marL="0" rtl="0" algn="r">
-              <a:spcBef>
-                <a:spcPts val="0"/>
-              </a:spcBef>
-              <a:spcAft>
-                <a:spcPts val="0"/>
-              </a:spcAft>
-              <a:buNone/>
-            </a:pPr>
-            <a:fld id="{00000000-1234-1234-1234-123412341234}" type="slidenum">
-              <a:rPr lang="en"/>
-              <a:t>‹#›</a:t>
-            </a:fld>
-            <a:endParaRPr/>
-          </a:p>
-        </p:txBody>
-      </p:sp>
-    </p:spTree>
-  </p:cSld>
-  <p:clrMapOvr>
-    <a:masterClrMapping/>
-  </p:clrMapOvr>
-</p:sldLayout>
-</file>
-
-<file path=ppt/slideLayouts/slideLayout4.xml><?xml version="1.0" encoding="utf-8"?>
-<p:sldLayout xmlns:a="http://schemas.openxmlformats.org/drawingml/2006/main" xmlns:r="http://schemas.openxmlformats.org/officeDocument/2006/relationships" xmlns:mc="http://schemas.openxmlformats.org/markup-compatibility/2006" xmlns:mv="urn:schemas-microsoft-com:mac:vml" xmlns:p="http://schemas.openxmlformats.org/presentationml/2006/main" xmlns:c="http://schemas.openxmlformats.org/drawingml/2006/chart" xmlns:dgm="http://schemas.openxmlformats.org/drawingml/2006/diagram" xmlns:o="urn:schemas-microsoft-com:office:office" xmlns:v="urn:schemas-microsoft-com:vml" xmlns:pvml="urn:schemas-microsoft-com:office:powerpoint" xmlns:com="http://schemas.openxmlformats.org/drawingml/2006/compatibility" xmlns:p14="http://schemas.microsoft.com/office/powerpoint/2010/main" xmlns:p15="http://schemas.microsoft.com/office/powerpoint/2012/main" matchingName="Title and two columns" type="twoColTx">
-  <p:cSld name="TITLE_AND_TWO_COLUMNS">
-    <p:spTree>
-      <p:nvGrpSpPr>
-        <p:cNvPr id="20" name="Shape 20"/>
-        <p:cNvGrpSpPr/>
-        <p:nvPr/>
-      </p:nvGrpSpPr>
-      <p:grpSpPr>
-        <a:xfrm>
-          <a:off x="0" y="0"/>
-          <a:ext cx="0" cy="0"/>
-          <a:chOff x="0" y="0"/>
-          <a:chExt cx="0" cy="0"/>
-        </a:xfrm>
-      </p:grpSpPr>
-      <p:sp>
-        <p:nvSpPr>
-          <p:cNvPr id="21" name="Google Shape;21;p5"/>
-          <p:cNvSpPr txBox="1"/>
-          <p:nvPr>
-            <p:ph type="title"/>
-          </p:nvPr>
-        </p:nvSpPr>
-        <p:spPr>
-          <a:xfrm>
-            <a:off x="364468" y="654105"/>
-            <a:ext cx="9963000" cy="841800"/>
-          </a:xfrm>
-          <a:prstGeom prst="rect">
-            <a:avLst/>
-          </a:prstGeom>
-        </p:spPr>
-        <p:txBody>
-          <a:bodyPr anchorCtr="0" anchor="t" bIns="116050" lIns="116050" spcFirstLastPara="1" rIns="116050" wrap="square" tIns="116050">
-            <a:noAutofit/>
-          </a:bodyPr>
-          <a:lstStyle>
-            <a:lvl1pPr lvl="0">
-              <a:spcBef>
-                <a:spcPts val="0"/>
-              </a:spcBef>
-              <a:spcAft>
-                <a:spcPts val="0"/>
-              </a:spcAft>
-              <a:buSzPts val="3600"/>
-              <a:buNone/>
-              <a:defRPr/>
-            </a:lvl1pPr>
-            <a:lvl2pPr lvl="1">
-              <a:spcBef>
-                <a:spcPts val="0"/>
-              </a:spcBef>
-              <a:spcAft>
-                <a:spcPts val="0"/>
-              </a:spcAft>
-              <a:buSzPts val="3600"/>
-              <a:buNone/>
-              <a:defRPr/>
-            </a:lvl2pPr>
-            <a:lvl3pPr lvl="2">
-              <a:spcBef>
-                <a:spcPts val="0"/>
-              </a:spcBef>
-              <a:spcAft>
-                <a:spcPts val="0"/>
-              </a:spcAft>
-              <a:buSzPts val="3600"/>
-              <a:buNone/>
-              <a:defRPr/>
-            </a:lvl3pPr>
-            <a:lvl4pPr lvl="3">
-              <a:spcBef>
-                <a:spcPts val="0"/>
-              </a:spcBef>
-              <a:spcAft>
-                <a:spcPts val="0"/>
-              </a:spcAft>
-              <a:buSzPts val="3600"/>
-              <a:buNone/>
-              <a:defRPr/>
-            </a:lvl4pPr>
-            <a:lvl5pPr lvl="4">
-              <a:spcBef>
-                <a:spcPts val="0"/>
-              </a:spcBef>
-              <a:spcAft>
-                <a:spcPts val="0"/>
-              </a:spcAft>
-              <a:buSzPts val="3600"/>
-              <a:buNone/>
-              <a:defRPr/>
-            </a:lvl5pPr>
-            <a:lvl6pPr lvl="5">
-              <a:spcBef>
-                <a:spcPts val="0"/>
-              </a:spcBef>
-              <a:spcAft>
-                <a:spcPts val="0"/>
-              </a:spcAft>
-              <a:buSzPts val="3600"/>
-              <a:buNone/>
-              <a:defRPr/>
-            </a:lvl6pPr>
-            <a:lvl7pPr lvl="6">
-              <a:spcBef>
-                <a:spcPts val="0"/>
-              </a:spcBef>
-              <a:spcAft>
-                <a:spcPts val="0"/>
-              </a:spcAft>
-              <a:buSzPts val="3600"/>
-              <a:buNone/>
-              <a:defRPr/>
-            </a:lvl7pPr>
-            <a:lvl8pPr lvl="7">
-              <a:spcBef>
-                <a:spcPts val="0"/>
-              </a:spcBef>
-              <a:spcAft>
-                <a:spcPts val="0"/>
-              </a:spcAft>
-              <a:buSzPts val="3600"/>
-              <a:buNone/>
-              <a:defRPr/>
-            </a:lvl8pPr>
-            <a:lvl9pPr lvl="8">
-              <a:spcBef>
-                <a:spcPts val="0"/>
-              </a:spcBef>
-              <a:spcAft>
-                <a:spcPts val="0"/>
-              </a:spcAft>
-              <a:buSzPts val="3600"/>
-              <a:buNone/>
-              <a:defRPr/>
-            </a:lvl9pPr>
-          </a:lstStyle>
-          <a:p/>
-        </p:txBody>
-      </p:sp>
-      <p:sp>
-        <p:nvSpPr>
-          <p:cNvPr id="22" name="Google Shape;22;p5"/>
-          <p:cNvSpPr txBox="1"/>
-          <p:nvPr>
-            <p:ph idx="1" type="body"/>
-          </p:nvPr>
-        </p:nvSpPr>
-        <p:spPr>
-          <a:xfrm>
-            <a:off x="364468" y="1693927"/>
-            <a:ext cx="4677000" cy="5021400"/>
-          </a:xfrm>
-          <a:prstGeom prst="rect">
-            <a:avLst/>
-          </a:prstGeom>
-        </p:spPr>
-        <p:txBody>
-          <a:bodyPr anchorCtr="0" anchor="t" bIns="116050" lIns="116050" spcFirstLastPara="1" rIns="116050" wrap="square" tIns="116050">
-            <a:noAutofit/>
-          </a:bodyPr>
-          <a:lstStyle>
-            <a:lvl1pPr indent="-342900" lvl="0" marL="457200">
-              <a:spcBef>
-                <a:spcPts val="0"/>
-              </a:spcBef>
-              <a:spcAft>
-                <a:spcPts val="0"/>
-              </a:spcAft>
-              <a:buSzPts val="1800"/>
-              <a:buChar char="●"/>
-              <a:defRPr sz="1800"/>
-            </a:lvl1pPr>
-            <a:lvl2pPr indent="-323850" lvl="1" marL="914400">
-              <a:spcBef>
-                <a:spcPts val="2000"/>
-              </a:spcBef>
-              <a:spcAft>
-                <a:spcPts val="0"/>
-              </a:spcAft>
-              <a:buSzPts val="1500"/>
-              <a:buChar char="○"/>
-              <a:defRPr sz="1500"/>
-            </a:lvl2pPr>
-            <a:lvl3pPr indent="-323850" lvl="2" marL="1371600">
-              <a:spcBef>
-                <a:spcPts val="2000"/>
-              </a:spcBef>
-              <a:spcAft>
-                <a:spcPts val="0"/>
-              </a:spcAft>
-              <a:buSzPts val="1500"/>
-              <a:buChar char="■"/>
-              <a:defRPr sz="1500"/>
-            </a:lvl3pPr>
-            <a:lvl4pPr indent="-323850" lvl="3" marL="1828800">
-              <a:spcBef>
-                <a:spcPts val="2000"/>
-              </a:spcBef>
-              <a:spcAft>
-                <a:spcPts val="0"/>
-              </a:spcAft>
-              <a:buSzPts val="1500"/>
-              <a:buChar char="●"/>
-              <a:defRPr sz="1500"/>
-            </a:lvl4pPr>
-            <a:lvl5pPr indent="-323850" lvl="4" marL="2286000">
-              <a:spcBef>
-                <a:spcPts val="2000"/>
-              </a:spcBef>
-              <a:spcAft>
-                <a:spcPts val="0"/>
-              </a:spcAft>
-              <a:buSzPts val="1500"/>
-              <a:buChar char="○"/>
-              <a:defRPr sz="1500"/>
-            </a:lvl5pPr>
-            <a:lvl6pPr indent="-323850" lvl="5" marL="2743200">
-              <a:spcBef>
-                <a:spcPts val="2000"/>
-              </a:spcBef>
-              <a:spcAft>
-                <a:spcPts val="0"/>
-              </a:spcAft>
-              <a:buSzPts val="1500"/>
-              <a:buChar char="■"/>
-              <a:defRPr sz="1500"/>
-            </a:lvl6pPr>
-            <a:lvl7pPr indent="-323850" lvl="6" marL="3200400">
-              <a:spcBef>
-                <a:spcPts val="2000"/>
-              </a:spcBef>
-              <a:spcAft>
-                <a:spcPts val="0"/>
-              </a:spcAft>
-              <a:buSzPts val="1500"/>
-              <a:buChar char="●"/>
-              <a:defRPr sz="1500"/>
-            </a:lvl7pPr>
-            <a:lvl8pPr indent="-323850" lvl="7" marL="3657600">
-              <a:spcBef>
-                <a:spcPts val="2000"/>
-              </a:spcBef>
-              <a:spcAft>
-                <a:spcPts val="0"/>
-              </a:spcAft>
-              <a:buSzPts val="1500"/>
-              <a:buChar char="○"/>
-              <a:defRPr sz="1500"/>
-            </a:lvl8pPr>
-            <a:lvl9pPr indent="-323850" lvl="8" marL="4114800">
-              <a:spcBef>
-                <a:spcPts val="2000"/>
-              </a:spcBef>
-              <a:spcAft>
-                <a:spcPts val="2000"/>
-              </a:spcAft>
-              <a:buSzPts val="1500"/>
-              <a:buChar char="■"/>
-              <a:defRPr sz="1500"/>
-            </a:lvl9pPr>
-          </a:lstStyle>
-          <a:p/>
-        </p:txBody>
-      </p:sp>
-      <p:sp>
-        <p:nvSpPr>
-          <p:cNvPr id="23" name="Google Shape;23;p5"/>
-          <p:cNvSpPr txBox="1"/>
-          <p:nvPr>
-            <p:ph idx="2" type="body"/>
-          </p:nvPr>
-        </p:nvSpPr>
-        <p:spPr>
-          <a:xfrm>
-            <a:off x="5650483" y="1693927"/>
-            <a:ext cx="4677000" cy="5021400"/>
-          </a:xfrm>
-          <a:prstGeom prst="rect">
-            <a:avLst/>
-          </a:prstGeom>
-        </p:spPr>
-        <p:txBody>
-          <a:bodyPr anchorCtr="0" anchor="t" bIns="116050" lIns="116050" spcFirstLastPara="1" rIns="116050" wrap="square" tIns="116050">
-            <a:noAutofit/>
-          </a:bodyPr>
-          <a:lstStyle>
-            <a:lvl1pPr indent="-342900" lvl="0" marL="457200">
-              <a:spcBef>
-                <a:spcPts val="0"/>
-              </a:spcBef>
-              <a:spcAft>
-                <a:spcPts val="0"/>
-              </a:spcAft>
-              <a:buSzPts val="1800"/>
-              <a:buChar char="●"/>
-              <a:defRPr sz="1800"/>
-            </a:lvl1pPr>
-            <a:lvl2pPr indent="-323850" lvl="1" marL="914400">
-              <a:spcBef>
-                <a:spcPts val="2000"/>
-              </a:spcBef>
-              <a:spcAft>
-                <a:spcPts val="0"/>
-              </a:spcAft>
-              <a:buSzPts val="1500"/>
-              <a:buChar char="○"/>
-              <a:defRPr sz="1500"/>
-            </a:lvl2pPr>
-            <a:lvl3pPr indent="-323850" lvl="2" marL="1371600">
-              <a:spcBef>
-                <a:spcPts val="2000"/>
-              </a:spcBef>
-              <a:spcAft>
-                <a:spcPts val="0"/>
-              </a:spcAft>
-              <a:buSzPts val="1500"/>
-              <a:buChar char="■"/>
-              <a:defRPr sz="1500"/>
-            </a:lvl3pPr>
-            <a:lvl4pPr indent="-323850" lvl="3" marL="1828800">
-              <a:spcBef>
-                <a:spcPts val="2000"/>
-              </a:spcBef>
-              <a:spcAft>
-                <a:spcPts val="0"/>
-              </a:spcAft>
-              <a:buSzPts val="1500"/>
-              <a:buChar char="●"/>
-              <a:defRPr sz="1500"/>
-            </a:lvl4pPr>
-            <a:lvl5pPr indent="-323850" lvl="4" marL="2286000">
-              <a:spcBef>
-                <a:spcPts val="2000"/>
-              </a:spcBef>
-              <a:spcAft>
-                <a:spcPts val="0"/>
-              </a:spcAft>
-              <a:buSzPts val="1500"/>
-              <a:buChar char="○"/>
-              <a:defRPr sz="1500"/>
-            </a:lvl5pPr>
-            <a:lvl6pPr indent="-323850" lvl="5" marL="2743200">
-              <a:spcBef>
-                <a:spcPts val="2000"/>
-              </a:spcBef>
-              <a:spcAft>
-                <a:spcPts val="0"/>
-              </a:spcAft>
-              <a:buSzPts val="1500"/>
-              <a:buChar char="■"/>
-              <a:defRPr sz="1500"/>
-            </a:lvl6pPr>
-            <a:lvl7pPr indent="-323850" lvl="6" marL="3200400">
-              <a:spcBef>
-                <a:spcPts val="2000"/>
-              </a:spcBef>
-              <a:spcAft>
-                <a:spcPts val="0"/>
-              </a:spcAft>
-              <a:buSzPts val="1500"/>
-              <a:buChar char="●"/>
-              <a:defRPr sz="1500"/>
-            </a:lvl7pPr>
-            <a:lvl8pPr indent="-323850" lvl="7" marL="3657600">
-              <a:spcBef>
-                <a:spcPts val="2000"/>
-              </a:spcBef>
-              <a:spcAft>
-                <a:spcPts val="0"/>
-              </a:spcAft>
-              <a:buSzPts val="1500"/>
-              <a:buChar char="○"/>
-              <a:defRPr sz="1500"/>
-            </a:lvl8pPr>
-            <a:lvl9pPr indent="-323850" lvl="8" marL="4114800">
-              <a:spcBef>
-                <a:spcPts val="2000"/>
-              </a:spcBef>
-              <a:spcAft>
-                <a:spcPts val="2000"/>
-              </a:spcAft>
-              <a:buSzPts val="1500"/>
-              <a:buChar char="■"/>
-              <a:defRPr sz="1500"/>
-            </a:lvl9pPr>
-          </a:lstStyle>
-          <a:p/>
-        </p:txBody>
-      </p:sp>
-      <p:sp>
-        <p:nvSpPr>
-          <p:cNvPr id="24" name="Google Shape;24;p5"/>
-          <p:cNvSpPr txBox="1"/>
-          <p:nvPr>
-            <p:ph idx="12" type="sldNum"/>
-          </p:nvPr>
-        </p:nvSpPr>
-        <p:spPr>
-          <a:xfrm>
-            <a:off x="9906772" y="6854072"/>
-            <a:ext cx="641700" cy="578400"/>
-          </a:xfrm>
-          <a:prstGeom prst="rect">
-            <a:avLst/>
-          </a:prstGeom>
-        </p:spPr>
-        <p:txBody>
-          <a:bodyPr anchorCtr="0" anchor="ctr" bIns="116050" lIns="116050" spcFirstLastPara="1" rIns="116050" wrap="square" tIns="116050">
-            <a:noAutofit/>
-          </a:bodyPr>
-          <a:lstStyle>
-            <a:lvl1pPr lvl="0">
-              <a:buNone/>
-              <a:defRPr/>
-            </a:lvl1pPr>
-            <a:lvl2pPr lvl="1">
-              <a:buNone/>
-              <a:defRPr/>
-            </a:lvl2pPr>
-            <a:lvl3pPr lvl="2">
-              <a:buNone/>
-              <a:defRPr/>
-            </a:lvl3pPr>
-            <a:lvl4pPr lvl="3">
-              <a:buNone/>
-              <a:defRPr/>
-            </a:lvl4pPr>
-            <a:lvl5pPr lvl="4">
-              <a:buNone/>
-              <a:defRPr/>
-            </a:lvl5pPr>
-            <a:lvl6pPr lvl="5">
-              <a:buNone/>
-              <a:defRPr/>
-            </a:lvl6pPr>
-            <a:lvl7pPr lvl="6">
-              <a:buNone/>
-              <a:defRPr/>
-            </a:lvl7pPr>
-            <a:lvl8pPr lvl="7">
-              <a:buNone/>
-              <a:defRPr/>
-            </a:lvl8pPr>
-            <a:lvl9pPr lvl="8">
-              <a:buNone/>
-              <a:defRPr/>
-            </a:lvl9pPr>
-          </a:lstStyle>
-          <a:p>
-            <a:pPr indent="0" lvl="0" marL="0" rtl="0" algn="r">
-              <a:spcBef>
-                <a:spcPts val="0"/>
-              </a:spcBef>
-              <a:spcAft>
-                <a:spcPts val="0"/>
-              </a:spcAft>
-              <a:buNone/>
-            </a:pPr>
-            <a:fld id="{00000000-1234-1234-1234-123412341234}" type="slidenum">
-              <a:rPr lang="en"/>
-              <a:t>‹#›</a:t>
-            </a:fld>
-            <a:endParaRPr/>
-          </a:p>
-        </p:txBody>
-      </p:sp>
-    </p:spTree>
-  </p:cSld>
-  <p:clrMapOvr>
-    <a:masterClrMapping/>
-  </p:clrMapOvr>
-</p:sldLayout>
-</file>
-
-<file path=ppt/slideLayouts/slideLayout5.xml><?xml version="1.0" encoding="utf-8"?>
-<p:sldLayout xmlns:a="http://schemas.openxmlformats.org/drawingml/2006/main" xmlns:r="http://schemas.openxmlformats.org/officeDocument/2006/relationships" xmlns:mc="http://schemas.openxmlformats.org/markup-compatibility/2006" xmlns:mv="urn:schemas-microsoft-com:mac:vml" xmlns:p="http://schemas.openxmlformats.org/presentationml/2006/main" xmlns:c="http://schemas.openxmlformats.org/drawingml/2006/chart" xmlns:dgm="http://schemas.openxmlformats.org/drawingml/2006/diagram" xmlns:o="urn:schemas-microsoft-com:office:office" xmlns:v="urn:schemas-microsoft-com:vml" xmlns:pvml="urn:schemas-microsoft-com:office:powerpoint" xmlns:com="http://schemas.openxmlformats.org/drawingml/2006/compatibility" xmlns:p14="http://schemas.microsoft.com/office/powerpoint/2010/main" xmlns:p15="http://schemas.microsoft.com/office/powerpoint/2012/main" matchingName="Title only" type="titleOnly">
-  <p:cSld name="TITLE_ONLY">
-    <p:spTree>
-      <p:nvGrpSpPr>
-        <p:cNvPr id="25" name="Shape 25"/>
-        <p:cNvGrpSpPr/>
-        <p:nvPr/>
-      </p:nvGrpSpPr>
-      <p:grpSpPr>
-        <a:xfrm>
-          <a:off x="0" y="0"/>
-          <a:ext cx="0" cy="0"/>
-          <a:chOff x="0" y="0"/>
-          <a:chExt cx="0" cy="0"/>
-        </a:xfrm>
-      </p:grpSpPr>
-      <p:sp>
-        <p:nvSpPr>
-          <p:cNvPr id="26" name="Google Shape;26;p6"/>
-          <p:cNvSpPr txBox="1"/>
-          <p:nvPr>
-            <p:ph type="title"/>
-          </p:nvPr>
-        </p:nvSpPr>
-        <p:spPr>
-          <a:xfrm>
-            <a:off x="364468" y="654105"/>
-            <a:ext cx="9963000" cy="841800"/>
-          </a:xfrm>
-          <a:prstGeom prst="rect">
-            <a:avLst/>
-          </a:prstGeom>
-        </p:spPr>
-        <p:txBody>
-          <a:bodyPr anchorCtr="0" anchor="t" bIns="116050" lIns="116050" spcFirstLastPara="1" rIns="116050" wrap="square" tIns="116050">
-            <a:noAutofit/>
-          </a:bodyPr>
-          <a:lstStyle>
-            <a:lvl1pPr lvl="0">
-              <a:spcBef>
-                <a:spcPts val="0"/>
-              </a:spcBef>
-              <a:spcAft>
-                <a:spcPts val="0"/>
-              </a:spcAft>
-              <a:buSzPts val="3600"/>
-              <a:buNone/>
-              <a:defRPr/>
-            </a:lvl1pPr>
-            <a:lvl2pPr lvl="1">
-              <a:spcBef>
-                <a:spcPts val="0"/>
-              </a:spcBef>
-              <a:spcAft>
-                <a:spcPts val="0"/>
-              </a:spcAft>
-              <a:buSzPts val="3600"/>
-              <a:buNone/>
-              <a:defRPr/>
-            </a:lvl2pPr>
-            <a:lvl3pPr lvl="2">
-              <a:spcBef>
-                <a:spcPts val="0"/>
-              </a:spcBef>
-              <a:spcAft>
-                <a:spcPts val="0"/>
-              </a:spcAft>
-              <a:buSzPts val="3600"/>
-              <a:buNone/>
-              <a:defRPr/>
-            </a:lvl3pPr>
-            <a:lvl4pPr lvl="3">
-              <a:spcBef>
-                <a:spcPts val="0"/>
-              </a:spcBef>
-              <a:spcAft>
-                <a:spcPts val="0"/>
-              </a:spcAft>
-              <a:buSzPts val="3600"/>
-              <a:buNone/>
-              <a:defRPr/>
-            </a:lvl4pPr>
-            <a:lvl5pPr lvl="4">
-              <a:spcBef>
-                <a:spcPts val="0"/>
-              </a:spcBef>
-              <a:spcAft>
-                <a:spcPts val="0"/>
-              </a:spcAft>
-              <a:buSzPts val="3600"/>
-              <a:buNone/>
-              <a:defRPr/>
-            </a:lvl5pPr>
-            <a:lvl6pPr lvl="5">
-              <a:spcBef>
-                <a:spcPts val="0"/>
-              </a:spcBef>
-              <a:spcAft>
-                <a:spcPts val="0"/>
-              </a:spcAft>
-              <a:buSzPts val="3600"/>
-              <a:buNone/>
-              <a:defRPr/>
-            </a:lvl6pPr>
-            <a:lvl7pPr lvl="6">
-              <a:spcBef>
-                <a:spcPts val="0"/>
-              </a:spcBef>
-              <a:spcAft>
-                <a:spcPts val="0"/>
-              </a:spcAft>
-              <a:buSzPts val="3600"/>
-              <a:buNone/>
-              <a:defRPr/>
-            </a:lvl7pPr>
-            <a:lvl8pPr lvl="7">
-              <a:spcBef>
-                <a:spcPts val="0"/>
-              </a:spcBef>
-              <a:spcAft>
-                <a:spcPts val="0"/>
-              </a:spcAft>
-              <a:buSzPts val="3600"/>
-              <a:buNone/>
-              <a:defRPr/>
-            </a:lvl8pPr>
-            <a:lvl9pPr lvl="8">
-              <a:spcBef>
-                <a:spcPts val="0"/>
-              </a:spcBef>
-              <a:spcAft>
-                <a:spcPts val="0"/>
-              </a:spcAft>
-              <a:buSzPts val="3600"/>
-              <a:buNone/>
-              <a:defRPr/>
-            </a:lvl9pPr>
-          </a:lstStyle>
-          <a:p/>
-        </p:txBody>
-      </p:sp>
-      <p:sp>
-        <p:nvSpPr>
-          <p:cNvPr id="27" name="Google Shape;27;p6"/>
-          <p:cNvSpPr txBox="1"/>
-          <p:nvPr>
-            <p:ph idx="12" type="sldNum"/>
-          </p:nvPr>
-        </p:nvSpPr>
-        <p:spPr>
-          <a:xfrm>
-            <a:off x="9906772" y="6854072"/>
-            <a:ext cx="641700" cy="578400"/>
-          </a:xfrm>
-          <a:prstGeom prst="rect">
-            <a:avLst/>
-          </a:prstGeom>
-        </p:spPr>
-        <p:txBody>
-          <a:bodyPr anchorCtr="0" anchor="ctr" bIns="116050" lIns="116050" spcFirstLastPara="1" rIns="116050" wrap="square" tIns="116050">
-            <a:noAutofit/>
-          </a:bodyPr>
-          <a:lstStyle>
-            <a:lvl1pPr lvl="0">
-              <a:buNone/>
-              <a:defRPr/>
-            </a:lvl1pPr>
-            <a:lvl2pPr lvl="1">
-              <a:buNone/>
-              <a:defRPr/>
-            </a:lvl2pPr>
-            <a:lvl3pPr lvl="2">
-              <a:buNone/>
-              <a:defRPr/>
-            </a:lvl3pPr>
-            <a:lvl4pPr lvl="3">
-              <a:buNone/>
-              <a:defRPr/>
-            </a:lvl4pPr>
-            <a:lvl5pPr lvl="4">
-              <a:buNone/>
-              <a:defRPr/>
-            </a:lvl5pPr>
-            <a:lvl6pPr lvl="5">
-              <a:buNone/>
-              <a:defRPr/>
-            </a:lvl6pPr>
-            <a:lvl7pPr lvl="6">
-              <a:buNone/>
-              <a:defRPr/>
-            </a:lvl7pPr>
-            <a:lvl8pPr lvl="7">
-              <a:buNone/>
-              <a:defRPr/>
-            </a:lvl8pPr>
-            <a:lvl9pPr lvl="8">
-              <a:buNone/>
-              <a:defRPr/>
-            </a:lvl9pPr>
-          </a:lstStyle>
-          <a:p>
-            <a:pPr indent="0" lvl="0" marL="0" rtl="0" algn="r">
-              <a:spcBef>
-                <a:spcPts val="0"/>
-              </a:spcBef>
-              <a:spcAft>
-                <a:spcPts val="0"/>
-              </a:spcAft>
-              <a:buNone/>
-            </a:pPr>
-            <a:fld id="{00000000-1234-1234-1234-123412341234}" type="slidenum">
-              <a:rPr lang="en"/>
-              <a:t>‹#›</a:t>
-            </a:fld>
-            <a:endParaRPr/>
-          </a:p>
-        </p:txBody>
-      </p:sp>
-    </p:spTree>
-  </p:cSld>
-  <p:clrMapOvr>
-    <a:masterClrMapping/>
-  </p:clrMapOvr>
-</p:sldLayout>
-</file>
-
-<file path=ppt/slideLayouts/slideLayout6.xml><?xml version="1.0" encoding="utf-8"?>
-<p:sldLayout xmlns:a="http://schemas.openxmlformats.org/drawingml/2006/main" xmlns:r="http://schemas.openxmlformats.org/officeDocument/2006/relationships" xmlns:mc="http://schemas.openxmlformats.org/markup-compatibility/2006" xmlns:mv="urn:schemas-microsoft-com:mac:vml" xmlns:p="http://schemas.openxmlformats.org/presentationml/2006/main" xmlns:c="http://schemas.openxmlformats.org/drawingml/2006/chart" xmlns:dgm="http://schemas.openxmlformats.org/drawingml/2006/diagram" xmlns:o="urn:schemas-microsoft-com:office:office" xmlns:v="urn:schemas-microsoft-com:vml" xmlns:pvml="urn:schemas-microsoft-com:office:powerpoint" xmlns:com="http://schemas.openxmlformats.org/drawingml/2006/compatibility" xmlns:p14="http://schemas.microsoft.com/office/powerpoint/2010/main" xmlns:p15="http://schemas.microsoft.com/office/powerpoint/2012/main" matchingName="One column text">
-  <p:cSld name="ONE_COLUMN_TEXT">
-    <p:spTree>
-      <p:nvGrpSpPr>
-        <p:cNvPr id="28" name="Shape 28"/>
-        <p:cNvGrpSpPr/>
-        <p:nvPr/>
-      </p:nvGrpSpPr>
-      <p:grpSpPr>
-        <a:xfrm>
-          <a:off x="0" y="0"/>
-          <a:ext cx="0" cy="0"/>
-          <a:chOff x="0" y="0"/>
-          <a:chExt cx="0" cy="0"/>
-        </a:xfrm>
-      </p:grpSpPr>
-      <p:sp>
-        <p:nvSpPr>
-          <p:cNvPr id="29" name="Google Shape;29;p7"/>
+          <p:cNvPr id="9" name="Google Shape;9;p2"/>
           <p:cNvSpPr txBox="1"/>
           <p:nvPr>
             <p:ph type="title"/>
@@ -3510,7 +1390,7 @@
             <a:noAutofit/>
           </a:bodyPr>
           <a:lstStyle>
-            <a:lvl1pPr lvl="0">
+            <a:lvl1pPr lvl="0" rtl="0">
               <a:spcBef>
                 <a:spcPts val="0"/>
               </a:spcBef>
@@ -3521,7 +1401,7 @@
               <a:buNone/>
               <a:defRPr sz="3000"/>
             </a:lvl1pPr>
-            <a:lvl2pPr lvl="1">
+            <a:lvl2pPr lvl="1" rtl="0">
               <a:spcBef>
                 <a:spcPts val="0"/>
               </a:spcBef>
@@ -3532,7 +1412,7 @@
               <a:buNone/>
               <a:defRPr sz="3000"/>
             </a:lvl2pPr>
-            <a:lvl3pPr lvl="2">
+            <a:lvl3pPr lvl="2" rtl="0">
               <a:spcBef>
                 <a:spcPts val="0"/>
               </a:spcBef>
@@ -3543,7 +1423,7 @@
               <a:buNone/>
               <a:defRPr sz="3000"/>
             </a:lvl3pPr>
-            <a:lvl4pPr lvl="3">
+            <a:lvl4pPr lvl="3" rtl="0">
               <a:spcBef>
                 <a:spcPts val="0"/>
               </a:spcBef>
@@ -3554,7 +1434,7 @@
               <a:buNone/>
               <a:defRPr sz="3000"/>
             </a:lvl4pPr>
-            <a:lvl5pPr lvl="4">
+            <a:lvl5pPr lvl="4" rtl="0">
               <a:spcBef>
                 <a:spcPts val="0"/>
               </a:spcBef>
@@ -3565,7 +1445,7 @@
               <a:buNone/>
               <a:defRPr sz="3000"/>
             </a:lvl5pPr>
-            <a:lvl6pPr lvl="5">
+            <a:lvl6pPr lvl="5" rtl="0">
               <a:spcBef>
                 <a:spcPts val="0"/>
               </a:spcBef>
@@ -3576,7 +1456,7 @@
               <a:buNone/>
               <a:defRPr sz="3000"/>
             </a:lvl6pPr>
-            <a:lvl7pPr lvl="6">
+            <a:lvl7pPr lvl="6" rtl="0">
               <a:spcBef>
                 <a:spcPts val="0"/>
               </a:spcBef>
@@ -3587,7 +1467,7 @@
               <a:buNone/>
               <a:defRPr sz="3000"/>
             </a:lvl7pPr>
-            <a:lvl8pPr lvl="7">
+            <a:lvl8pPr lvl="7" rtl="0">
               <a:spcBef>
                 <a:spcPts val="0"/>
               </a:spcBef>
@@ -3598,7 +1478,7 @@
               <a:buNone/>
               <a:defRPr sz="3000"/>
             </a:lvl8pPr>
-            <a:lvl9pPr lvl="8">
+            <a:lvl9pPr lvl="8" rtl="0">
               <a:spcBef>
                 <a:spcPts val="0"/>
               </a:spcBef>
@@ -3611,1124 +1491,6 @@
             </a:lvl9pPr>
           </a:lstStyle>
           <a:p/>
-        </p:txBody>
-      </p:sp>
-      <p:sp>
-        <p:nvSpPr>
-          <p:cNvPr id="30" name="Google Shape;30;p7"/>
-          <p:cNvSpPr txBox="1"/>
-          <p:nvPr>
-            <p:ph idx="1" type="body"/>
-          </p:nvPr>
-        </p:nvSpPr>
-        <p:spPr>
-          <a:xfrm>
-            <a:off x="364468" y="2042457"/>
-            <a:ext cx="3283500" cy="4673100"/>
-          </a:xfrm>
-          <a:prstGeom prst="rect">
-            <a:avLst/>
-          </a:prstGeom>
-        </p:spPr>
-        <p:txBody>
-          <a:bodyPr anchorCtr="0" anchor="t" bIns="116050" lIns="116050" spcFirstLastPara="1" rIns="116050" wrap="square" tIns="116050">
-            <a:noAutofit/>
-          </a:bodyPr>
-          <a:lstStyle>
-            <a:lvl1pPr indent="-323850" lvl="0" marL="457200">
-              <a:spcBef>
-                <a:spcPts val="0"/>
-              </a:spcBef>
-              <a:spcAft>
-                <a:spcPts val="0"/>
-              </a:spcAft>
-              <a:buSzPts val="1500"/>
-              <a:buChar char="●"/>
-              <a:defRPr sz="1500"/>
-            </a:lvl1pPr>
-            <a:lvl2pPr indent="-323850" lvl="1" marL="914400">
-              <a:spcBef>
-                <a:spcPts val="2000"/>
-              </a:spcBef>
-              <a:spcAft>
-                <a:spcPts val="0"/>
-              </a:spcAft>
-              <a:buSzPts val="1500"/>
-              <a:buChar char="○"/>
-              <a:defRPr sz="1500"/>
-            </a:lvl2pPr>
-            <a:lvl3pPr indent="-323850" lvl="2" marL="1371600">
-              <a:spcBef>
-                <a:spcPts val="2000"/>
-              </a:spcBef>
-              <a:spcAft>
-                <a:spcPts val="0"/>
-              </a:spcAft>
-              <a:buSzPts val="1500"/>
-              <a:buChar char="■"/>
-              <a:defRPr sz="1500"/>
-            </a:lvl3pPr>
-            <a:lvl4pPr indent="-323850" lvl="3" marL="1828800">
-              <a:spcBef>
-                <a:spcPts val="2000"/>
-              </a:spcBef>
-              <a:spcAft>
-                <a:spcPts val="0"/>
-              </a:spcAft>
-              <a:buSzPts val="1500"/>
-              <a:buChar char="●"/>
-              <a:defRPr sz="1500"/>
-            </a:lvl4pPr>
-            <a:lvl5pPr indent="-323850" lvl="4" marL="2286000">
-              <a:spcBef>
-                <a:spcPts val="2000"/>
-              </a:spcBef>
-              <a:spcAft>
-                <a:spcPts val="0"/>
-              </a:spcAft>
-              <a:buSzPts val="1500"/>
-              <a:buChar char="○"/>
-              <a:defRPr sz="1500"/>
-            </a:lvl5pPr>
-            <a:lvl6pPr indent="-323850" lvl="5" marL="2743200">
-              <a:spcBef>
-                <a:spcPts val="2000"/>
-              </a:spcBef>
-              <a:spcAft>
-                <a:spcPts val="0"/>
-              </a:spcAft>
-              <a:buSzPts val="1500"/>
-              <a:buChar char="■"/>
-              <a:defRPr sz="1500"/>
-            </a:lvl6pPr>
-            <a:lvl7pPr indent="-323850" lvl="6" marL="3200400">
-              <a:spcBef>
-                <a:spcPts val="2000"/>
-              </a:spcBef>
-              <a:spcAft>
-                <a:spcPts val="0"/>
-              </a:spcAft>
-              <a:buSzPts val="1500"/>
-              <a:buChar char="●"/>
-              <a:defRPr sz="1500"/>
-            </a:lvl7pPr>
-            <a:lvl8pPr indent="-323850" lvl="7" marL="3657600">
-              <a:spcBef>
-                <a:spcPts val="2000"/>
-              </a:spcBef>
-              <a:spcAft>
-                <a:spcPts val="0"/>
-              </a:spcAft>
-              <a:buSzPts val="1500"/>
-              <a:buChar char="○"/>
-              <a:defRPr sz="1500"/>
-            </a:lvl8pPr>
-            <a:lvl9pPr indent="-323850" lvl="8" marL="4114800">
-              <a:spcBef>
-                <a:spcPts val="2000"/>
-              </a:spcBef>
-              <a:spcAft>
-                <a:spcPts val="2000"/>
-              </a:spcAft>
-              <a:buSzPts val="1500"/>
-              <a:buChar char="■"/>
-              <a:defRPr sz="1500"/>
-            </a:lvl9pPr>
-          </a:lstStyle>
-          <a:p/>
-        </p:txBody>
-      </p:sp>
-      <p:sp>
-        <p:nvSpPr>
-          <p:cNvPr id="31" name="Google Shape;31;p7"/>
-          <p:cNvSpPr txBox="1"/>
-          <p:nvPr>
-            <p:ph idx="12" type="sldNum"/>
-          </p:nvPr>
-        </p:nvSpPr>
-        <p:spPr>
-          <a:xfrm>
-            <a:off x="9906772" y="6854072"/>
-            <a:ext cx="641700" cy="578400"/>
-          </a:xfrm>
-          <a:prstGeom prst="rect">
-            <a:avLst/>
-          </a:prstGeom>
-        </p:spPr>
-        <p:txBody>
-          <a:bodyPr anchorCtr="0" anchor="ctr" bIns="116050" lIns="116050" spcFirstLastPara="1" rIns="116050" wrap="square" tIns="116050">
-            <a:noAutofit/>
-          </a:bodyPr>
-          <a:lstStyle>
-            <a:lvl1pPr lvl="0">
-              <a:buNone/>
-              <a:defRPr/>
-            </a:lvl1pPr>
-            <a:lvl2pPr lvl="1">
-              <a:buNone/>
-              <a:defRPr/>
-            </a:lvl2pPr>
-            <a:lvl3pPr lvl="2">
-              <a:buNone/>
-              <a:defRPr/>
-            </a:lvl3pPr>
-            <a:lvl4pPr lvl="3">
-              <a:buNone/>
-              <a:defRPr/>
-            </a:lvl4pPr>
-            <a:lvl5pPr lvl="4">
-              <a:buNone/>
-              <a:defRPr/>
-            </a:lvl5pPr>
-            <a:lvl6pPr lvl="5">
-              <a:buNone/>
-              <a:defRPr/>
-            </a:lvl6pPr>
-            <a:lvl7pPr lvl="6">
-              <a:buNone/>
-              <a:defRPr/>
-            </a:lvl7pPr>
-            <a:lvl8pPr lvl="7">
-              <a:buNone/>
-              <a:defRPr/>
-            </a:lvl8pPr>
-            <a:lvl9pPr lvl="8">
-              <a:buNone/>
-              <a:defRPr/>
-            </a:lvl9pPr>
-          </a:lstStyle>
-          <a:p>
-            <a:pPr indent="0" lvl="0" marL="0" rtl="0" algn="r">
-              <a:spcBef>
-                <a:spcPts val="0"/>
-              </a:spcBef>
-              <a:spcAft>
-                <a:spcPts val="0"/>
-              </a:spcAft>
-              <a:buNone/>
-            </a:pPr>
-            <a:fld id="{00000000-1234-1234-1234-123412341234}" type="slidenum">
-              <a:rPr lang="en"/>
-              <a:t>‹#›</a:t>
-            </a:fld>
-            <a:endParaRPr/>
-          </a:p>
-        </p:txBody>
-      </p:sp>
-    </p:spTree>
-  </p:cSld>
-  <p:clrMapOvr>
-    <a:masterClrMapping/>
-  </p:clrMapOvr>
-</p:sldLayout>
-</file>
-
-<file path=ppt/slideLayouts/slideLayout7.xml><?xml version="1.0" encoding="utf-8"?>
-<p:sldLayout xmlns:a="http://schemas.openxmlformats.org/drawingml/2006/main" xmlns:r="http://schemas.openxmlformats.org/officeDocument/2006/relationships" xmlns:mc="http://schemas.openxmlformats.org/markup-compatibility/2006" xmlns:mv="urn:schemas-microsoft-com:mac:vml" xmlns:p="http://schemas.openxmlformats.org/presentationml/2006/main" xmlns:c="http://schemas.openxmlformats.org/drawingml/2006/chart" xmlns:dgm="http://schemas.openxmlformats.org/drawingml/2006/diagram" xmlns:o="urn:schemas-microsoft-com:office:office" xmlns:v="urn:schemas-microsoft-com:vml" xmlns:pvml="urn:schemas-microsoft-com:office:powerpoint" xmlns:com="http://schemas.openxmlformats.org/drawingml/2006/compatibility" xmlns:p14="http://schemas.microsoft.com/office/powerpoint/2010/main" xmlns:p15="http://schemas.microsoft.com/office/powerpoint/2012/main" matchingName="Main point">
-  <p:cSld name="MAIN_POINT">
-    <p:spTree>
-      <p:nvGrpSpPr>
-        <p:cNvPr id="32" name="Shape 32"/>
-        <p:cNvGrpSpPr/>
-        <p:nvPr/>
-      </p:nvGrpSpPr>
-      <p:grpSpPr>
-        <a:xfrm>
-          <a:off x="0" y="0"/>
-          <a:ext cx="0" cy="0"/>
-          <a:chOff x="0" y="0"/>
-          <a:chExt cx="0" cy="0"/>
-        </a:xfrm>
-      </p:grpSpPr>
-      <p:sp>
-        <p:nvSpPr>
-          <p:cNvPr id="33" name="Google Shape;33;p8"/>
-          <p:cNvSpPr txBox="1"/>
-          <p:nvPr>
-            <p:ph type="title"/>
-          </p:nvPr>
-        </p:nvSpPr>
-        <p:spPr>
-          <a:xfrm>
-            <a:off x="573245" y="661638"/>
-            <a:ext cx="7445700" cy="6012600"/>
-          </a:xfrm>
-          <a:prstGeom prst="rect">
-            <a:avLst/>
-          </a:prstGeom>
-        </p:spPr>
-        <p:txBody>
-          <a:bodyPr anchorCtr="0" anchor="ctr" bIns="116050" lIns="116050" spcFirstLastPara="1" rIns="116050" wrap="square" tIns="116050">
-            <a:noAutofit/>
-          </a:bodyPr>
-          <a:lstStyle>
-            <a:lvl1pPr lvl="0">
-              <a:spcBef>
-                <a:spcPts val="0"/>
-              </a:spcBef>
-              <a:spcAft>
-                <a:spcPts val="0"/>
-              </a:spcAft>
-              <a:buSzPts val="6100"/>
-              <a:buNone/>
-              <a:defRPr sz="6100"/>
-            </a:lvl1pPr>
-            <a:lvl2pPr lvl="1">
-              <a:spcBef>
-                <a:spcPts val="0"/>
-              </a:spcBef>
-              <a:spcAft>
-                <a:spcPts val="0"/>
-              </a:spcAft>
-              <a:buSzPts val="6100"/>
-              <a:buNone/>
-              <a:defRPr sz="6100"/>
-            </a:lvl2pPr>
-            <a:lvl3pPr lvl="2">
-              <a:spcBef>
-                <a:spcPts val="0"/>
-              </a:spcBef>
-              <a:spcAft>
-                <a:spcPts val="0"/>
-              </a:spcAft>
-              <a:buSzPts val="6100"/>
-              <a:buNone/>
-              <a:defRPr sz="6100"/>
-            </a:lvl3pPr>
-            <a:lvl4pPr lvl="3">
-              <a:spcBef>
-                <a:spcPts val="0"/>
-              </a:spcBef>
-              <a:spcAft>
-                <a:spcPts val="0"/>
-              </a:spcAft>
-              <a:buSzPts val="6100"/>
-              <a:buNone/>
-              <a:defRPr sz="6100"/>
-            </a:lvl4pPr>
-            <a:lvl5pPr lvl="4">
-              <a:spcBef>
-                <a:spcPts val="0"/>
-              </a:spcBef>
-              <a:spcAft>
-                <a:spcPts val="0"/>
-              </a:spcAft>
-              <a:buSzPts val="6100"/>
-              <a:buNone/>
-              <a:defRPr sz="6100"/>
-            </a:lvl5pPr>
-            <a:lvl6pPr lvl="5">
-              <a:spcBef>
-                <a:spcPts val="0"/>
-              </a:spcBef>
-              <a:spcAft>
-                <a:spcPts val="0"/>
-              </a:spcAft>
-              <a:buSzPts val="6100"/>
-              <a:buNone/>
-              <a:defRPr sz="6100"/>
-            </a:lvl6pPr>
-            <a:lvl7pPr lvl="6">
-              <a:spcBef>
-                <a:spcPts val="0"/>
-              </a:spcBef>
-              <a:spcAft>
-                <a:spcPts val="0"/>
-              </a:spcAft>
-              <a:buSzPts val="6100"/>
-              <a:buNone/>
-              <a:defRPr sz="6100"/>
-            </a:lvl7pPr>
-            <a:lvl8pPr lvl="7">
-              <a:spcBef>
-                <a:spcPts val="0"/>
-              </a:spcBef>
-              <a:spcAft>
-                <a:spcPts val="0"/>
-              </a:spcAft>
-              <a:buSzPts val="6100"/>
-              <a:buNone/>
-              <a:defRPr sz="6100"/>
-            </a:lvl8pPr>
-            <a:lvl9pPr lvl="8">
-              <a:spcBef>
-                <a:spcPts val="0"/>
-              </a:spcBef>
-              <a:spcAft>
-                <a:spcPts val="0"/>
-              </a:spcAft>
-              <a:buSzPts val="6100"/>
-              <a:buNone/>
-              <a:defRPr sz="6100"/>
-            </a:lvl9pPr>
-          </a:lstStyle>
-          <a:p/>
-        </p:txBody>
-      </p:sp>
-      <p:sp>
-        <p:nvSpPr>
-          <p:cNvPr id="34" name="Google Shape;34;p8"/>
-          <p:cNvSpPr txBox="1"/>
-          <p:nvPr>
-            <p:ph idx="12" type="sldNum"/>
-          </p:nvPr>
-        </p:nvSpPr>
-        <p:spPr>
-          <a:xfrm>
-            <a:off x="9906772" y="6854072"/>
-            <a:ext cx="641700" cy="578400"/>
-          </a:xfrm>
-          <a:prstGeom prst="rect">
-            <a:avLst/>
-          </a:prstGeom>
-        </p:spPr>
-        <p:txBody>
-          <a:bodyPr anchorCtr="0" anchor="ctr" bIns="116050" lIns="116050" spcFirstLastPara="1" rIns="116050" wrap="square" tIns="116050">
-            <a:noAutofit/>
-          </a:bodyPr>
-          <a:lstStyle>
-            <a:lvl1pPr lvl="0">
-              <a:buNone/>
-              <a:defRPr/>
-            </a:lvl1pPr>
-            <a:lvl2pPr lvl="1">
-              <a:buNone/>
-              <a:defRPr/>
-            </a:lvl2pPr>
-            <a:lvl3pPr lvl="2">
-              <a:buNone/>
-              <a:defRPr/>
-            </a:lvl3pPr>
-            <a:lvl4pPr lvl="3">
-              <a:buNone/>
-              <a:defRPr/>
-            </a:lvl4pPr>
-            <a:lvl5pPr lvl="4">
-              <a:buNone/>
-              <a:defRPr/>
-            </a:lvl5pPr>
-            <a:lvl6pPr lvl="5">
-              <a:buNone/>
-              <a:defRPr/>
-            </a:lvl6pPr>
-            <a:lvl7pPr lvl="6">
-              <a:buNone/>
-              <a:defRPr/>
-            </a:lvl7pPr>
-            <a:lvl8pPr lvl="7">
-              <a:buNone/>
-              <a:defRPr/>
-            </a:lvl8pPr>
-            <a:lvl9pPr lvl="8">
-              <a:buNone/>
-              <a:defRPr/>
-            </a:lvl9pPr>
-          </a:lstStyle>
-          <a:p>
-            <a:pPr indent="0" lvl="0" marL="0" rtl="0" algn="r">
-              <a:spcBef>
-                <a:spcPts val="0"/>
-              </a:spcBef>
-              <a:spcAft>
-                <a:spcPts val="0"/>
-              </a:spcAft>
-              <a:buNone/>
-            </a:pPr>
-            <a:fld id="{00000000-1234-1234-1234-123412341234}" type="slidenum">
-              <a:rPr lang="en"/>
-              <a:t>‹#›</a:t>
-            </a:fld>
-            <a:endParaRPr/>
-          </a:p>
-        </p:txBody>
-      </p:sp>
-    </p:spTree>
-  </p:cSld>
-  <p:clrMapOvr>
-    <a:masterClrMapping/>
-  </p:clrMapOvr>
-</p:sldLayout>
-</file>
-
-<file path=ppt/slideLayouts/slideLayout8.xml><?xml version="1.0" encoding="utf-8"?>
-<p:sldLayout xmlns:a="http://schemas.openxmlformats.org/drawingml/2006/main" xmlns:r="http://schemas.openxmlformats.org/officeDocument/2006/relationships" xmlns:mc="http://schemas.openxmlformats.org/markup-compatibility/2006" xmlns:mv="urn:schemas-microsoft-com:mac:vml" xmlns:p="http://schemas.openxmlformats.org/presentationml/2006/main" xmlns:c="http://schemas.openxmlformats.org/drawingml/2006/chart" xmlns:dgm="http://schemas.openxmlformats.org/drawingml/2006/diagram" xmlns:o="urn:schemas-microsoft-com:office:office" xmlns:v="urn:schemas-microsoft-com:vml" xmlns:pvml="urn:schemas-microsoft-com:office:powerpoint" xmlns:com="http://schemas.openxmlformats.org/drawingml/2006/compatibility" xmlns:p14="http://schemas.microsoft.com/office/powerpoint/2010/main" xmlns:p15="http://schemas.microsoft.com/office/powerpoint/2012/main" matchingName="Section title and description">
-  <p:cSld name="SECTION_TITLE_AND_DESCRIPTION">
-    <p:spTree>
-      <p:nvGrpSpPr>
-        <p:cNvPr id="35" name="Shape 35"/>
-        <p:cNvGrpSpPr/>
-        <p:nvPr/>
-      </p:nvGrpSpPr>
-      <p:grpSpPr>
-        <a:xfrm>
-          <a:off x="0" y="0"/>
-          <a:ext cx="0" cy="0"/>
-          <a:chOff x="0" y="0"/>
-          <a:chExt cx="0" cy="0"/>
-        </a:xfrm>
-      </p:grpSpPr>
-      <p:sp>
-        <p:nvSpPr>
-          <p:cNvPr id="36" name="Google Shape;36;p9"/>
-          <p:cNvSpPr/>
-          <p:nvPr/>
-        </p:nvSpPr>
-        <p:spPr>
-          <a:xfrm>
-            <a:off x="5346000" y="-184"/>
-            <a:ext cx="5346000" cy="7560000"/>
-          </a:xfrm>
-          <a:prstGeom prst="rect">
-            <a:avLst/>
-          </a:prstGeom>
-          <a:solidFill>
-            <a:schemeClr val="lt2"/>
-          </a:solidFill>
-          <a:ln>
-            <a:noFill/>
-          </a:ln>
-        </p:spPr>
-        <p:txBody>
-          <a:bodyPr anchorCtr="0" anchor="ctr" bIns="116050" lIns="116050" spcFirstLastPara="1" rIns="116050" wrap="square" tIns="116050">
-            <a:noAutofit/>
-          </a:bodyPr>
-          <a:lstStyle/>
-          <a:p>
-            <a:pPr indent="0" lvl="0" marL="0" rtl="0" algn="l">
-              <a:spcBef>
-                <a:spcPts val="0"/>
-              </a:spcBef>
-              <a:spcAft>
-                <a:spcPts val="0"/>
-              </a:spcAft>
-              <a:buNone/>
-            </a:pPr>
-            <a:r>
-              <a:t/>
-            </a:r>
-            <a:endParaRPr/>
-          </a:p>
-        </p:txBody>
-      </p:sp>
-      <p:sp>
-        <p:nvSpPr>
-          <p:cNvPr id="37" name="Google Shape;37;p9"/>
-          <p:cNvSpPr txBox="1"/>
-          <p:nvPr>
-            <p:ph type="title"/>
-          </p:nvPr>
-        </p:nvSpPr>
-        <p:spPr>
-          <a:xfrm>
-            <a:off x="310447" y="1812541"/>
-            <a:ext cx="4730100" cy="2178600"/>
-          </a:xfrm>
-          <a:prstGeom prst="rect">
-            <a:avLst/>
-          </a:prstGeom>
-        </p:spPr>
-        <p:txBody>
-          <a:bodyPr anchorCtr="0" anchor="b" bIns="116050" lIns="116050" spcFirstLastPara="1" rIns="116050" wrap="square" tIns="116050">
-            <a:noAutofit/>
-          </a:bodyPr>
-          <a:lstStyle>
-            <a:lvl1pPr lvl="0" algn="ctr">
-              <a:spcBef>
-                <a:spcPts val="0"/>
-              </a:spcBef>
-              <a:spcAft>
-                <a:spcPts val="0"/>
-              </a:spcAft>
-              <a:buSzPts val="5300"/>
-              <a:buNone/>
-              <a:defRPr sz="5300"/>
-            </a:lvl1pPr>
-            <a:lvl2pPr lvl="1" algn="ctr">
-              <a:spcBef>
-                <a:spcPts val="0"/>
-              </a:spcBef>
-              <a:spcAft>
-                <a:spcPts val="0"/>
-              </a:spcAft>
-              <a:buSzPts val="5300"/>
-              <a:buNone/>
-              <a:defRPr sz="5300"/>
-            </a:lvl2pPr>
-            <a:lvl3pPr lvl="2" algn="ctr">
-              <a:spcBef>
-                <a:spcPts val="0"/>
-              </a:spcBef>
-              <a:spcAft>
-                <a:spcPts val="0"/>
-              </a:spcAft>
-              <a:buSzPts val="5300"/>
-              <a:buNone/>
-              <a:defRPr sz="5300"/>
-            </a:lvl3pPr>
-            <a:lvl4pPr lvl="3" algn="ctr">
-              <a:spcBef>
-                <a:spcPts val="0"/>
-              </a:spcBef>
-              <a:spcAft>
-                <a:spcPts val="0"/>
-              </a:spcAft>
-              <a:buSzPts val="5300"/>
-              <a:buNone/>
-              <a:defRPr sz="5300"/>
-            </a:lvl4pPr>
-            <a:lvl5pPr lvl="4" algn="ctr">
-              <a:spcBef>
-                <a:spcPts val="0"/>
-              </a:spcBef>
-              <a:spcAft>
-                <a:spcPts val="0"/>
-              </a:spcAft>
-              <a:buSzPts val="5300"/>
-              <a:buNone/>
-              <a:defRPr sz="5300"/>
-            </a:lvl5pPr>
-            <a:lvl6pPr lvl="5" algn="ctr">
-              <a:spcBef>
-                <a:spcPts val="0"/>
-              </a:spcBef>
-              <a:spcAft>
-                <a:spcPts val="0"/>
-              </a:spcAft>
-              <a:buSzPts val="5300"/>
-              <a:buNone/>
-              <a:defRPr sz="5300"/>
-            </a:lvl6pPr>
-            <a:lvl7pPr lvl="6" algn="ctr">
-              <a:spcBef>
-                <a:spcPts val="0"/>
-              </a:spcBef>
-              <a:spcAft>
-                <a:spcPts val="0"/>
-              </a:spcAft>
-              <a:buSzPts val="5300"/>
-              <a:buNone/>
-              <a:defRPr sz="5300"/>
-            </a:lvl7pPr>
-            <a:lvl8pPr lvl="7" algn="ctr">
-              <a:spcBef>
-                <a:spcPts val="0"/>
-              </a:spcBef>
-              <a:spcAft>
-                <a:spcPts val="0"/>
-              </a:spcAft>
-              <a:buSzPts val="5300"/>
-              <a:buNone/>
-              <a:defRPr sz="5300"/>
-            </a:lvl8pPr>
-            <a:lvl9pPr lvl="8" algn="ctr">
-              <a:spcBef>
-                <a:spcPts val="0"/>
-              </a:spcBef>
-              <a:spcAft>
-                <a:spcPts val="0"/>
-              </a:spcAft>
-              <a:buSzPts val="5300"/>
-              <a:buNone/>
-              <a:defRPr sz="5300"/>
-            </a:lvl9pPr>
-          </a:lstStyle>
-          <a:p/>
-        </p:txBody>
-      </p:sp>
-      <p:sp>
-        <p:nvSpPr>
-          <p:cNvPr id="38" name="Google Shape;38;p9"/>
-          <p:cNvSpPr txBox="1"/>
-          <p:nvPr>
-            <p:ph idx="1" type="subTitle"/>
-          </p:nvPr>
-        </p:nvSpPr>
-        <p:spPr>
-          <a:xfrm>
-            <a:off x="310447" y="4120005"/>
-            <a:ext cx="4730100" cy="1815300"/>
-          </a:xfrm>
-          <a:prstGeom prst="rect">
-            <a:avLst/>
-          </a:prstGeom>
-        </p:spPr>
-        <p:txBody>
-          <a:bodyPr anchorCtr="0" anchor="t" bIns="116050" lIns="116050" spcFirstLastPara="1" rIns="116050" wrap="square" tIns="116050">
-            <a:noAutofit/>
-          </a:bodyPr>
-          <a:lstStyle>
-            <a:lvl1pPr lvl="0" algn="ctr">
-              <a:lnSpc>
-                <a:spcPct val="100000"/>
-              </a:lnSpc>
-              <a:spcBef>
-                <a:spcPts val="0"/>
-              </a:spcBef>
-              <a:spcAft>
-                <a:spcPts val="0"/>
-              </a:spcAft>
-              <a:buSzPts val="2700"/>
-              <a:buNone/>
-              <a:defRPr sz="2700"/>
-            </a:lvl1pPr>
-            <a:lvl2pPr lvl="1" algn="ctr">
-              <a:lnSpc>
-                <a:spcPct val="100000"/>
-              </a:lnSpc>
-              <a:spcBef>
-                <a:spcPts val="0"/>
-              </a:spcBef>
-              <a:spcAft>
-                <a:spcPts val="0"/>
-              </a:spcAft>
-              <a:buSzPts val="2700"/>
-              <a:buNone/>
-              <a:defRPr sz="2700"/>
-            </a:lvl2pPr>
-            <a:lvl3pPr lvl="2" algn="ctr">
-              <a:lnSpc>
-                <a:spcPct val="100000"/>
-              </a:lnSpc>
-              <a:spcBef>
-                <a:spcPts val="0"/>
-              </a:spcBef>
-              <a:spcAft>
-                <a:spcPts val="0"/>
-              </a:spcAft>
-              <a:buSzPts val="2700"/>
-              <a:buNone/>
-              <a:defRPr sz="2700"/>
-            </a:lvl3pPr>
-            <a:lvl4pPr lvl="3" algn="ctr">
-              <a:lnSpc>
-                <a:spcPct val="100000"/>
-              </a:lnSpc>
-              <a:spcBef>
-                <a:spcPts val="0"/>
-              </a:spcBef>
-              <a:spcAft>
-                <a:spcPts val="0"/>
-              </a:spcAft>
-              <a:buSzPts val="2700"/>
-              <a:buNone/>
-              <a:defRPr sz="2700"/>
-            </a:lvl4pPr>
-            <a:lvl5pPr lvl="4" algn="ctr">
-              <a:lnSpc>
-                <a:spcPct val="100000"/>
-              </a:lnSpc>
-              <a:spcBef>
-                <a:spcPts val="0"/>
-              </a:spcBef>
-              <a:spcAft>
-                <a:spcPts val="0"/>
-              </a:spcAft>
-              <a:buSzPts val="2700"/>
-              <a:buNone/>
-              <a:defRPr sz="2700"/>
-            </a:lvl5pPr>
-            <a:lvl6pPr lvl="5" algn="ctr">
-              <a:lnSpc>
-                <a:spcPct val="100000"/>
-              </a:lnSpc>
-              <a:spcBef>
-                <a:spcPts val="0"/>
-              </a:spcBef>
-              <a:spcAft>
-                <a:spcPts val="0"/>
-              </a:spcAft>
-              <a:buSzPts val="2700"/>
-              <a:buNone/>
-              <a:defRPr sz="2700"/>
-            </a:lvl6pPr>
-            <a:lvl7pPr lvl="6" algn="ctr">
-              <a:lnSpc>
-                <a:spcPct val="100000"/>
-              </a:lnSpc>
-              <a:spcBef>
-                <a:spcPts val="0"/>
-              </a:spcBef>
-              <a:spcAft>
-                <a:spcPts val="0"/>
-              </a:spcAft>
-              <a:buSzPts val="2700"/>
-              <a:buNone/>
-              <a:defRPr sz="2700"/>
-            </a:lvl7pPr>
-            <a:lvl8pPr lvl="7" algn="ctr">
-              <a:lnSpc>
-                <a:spcPct val="100000"/>
-              </a:lnSpc>
-              <a:spcBef>
-                <a:spcPts val="0"/>
-              </a:spcBef>
-              <a:spcAft>
-                <a:spcPts val="0"/>
-              </a:spcAft>
-              <a:buSzPts val="2700"/>
-              <a:buNone/>
-              <a:defRPr sz="2700"/>
-            </a:lvl8pPr>
-            <a:lvl9pPr lvl="8" algn="ctr">
-              <a:lnSpc>
-                <a:spcPct val="100000"/>
-              </a:lnSpc>
-              <a:spcBef>
-                <a:spcPts val="0"/>
-              </a:spcBef>
-              <a:spcAft>
-                <a:spcPts val="0"/>
-              </a:spcAft>
-              <a:buSzPts val="2700"/>
-              <a:buNone/>
-              <a:defRPr sz="2700"/>
-            </a:lvl9pPr>
-          </a:lstStyle>
-          <a:p/>
-        </p:txBody>
-      </p:sp>
-      <p:sp>
-        <p:nvSpPr>
-          <p:cNvPr id="39" name="Google Shape;39;p9"/>
-          <p:cNvSpPr txBox="1"/>
-          <p:nvPr>
-            <p:ph idx="2" type="body"/>
-          </p:nvPr>
-        </p:nvSpPr>
-        <p:spPr>
-          <a:xfrm>
-            <a:off x="5775715" y="1064257"/>
-            <a:ext cx="4486500" cy="5431200"/>
-          </a:xfrm>
-          <a:prstGeom prst="rect">
-            <a:avLst/>
-          </a:prstGeom>
-        </p:spPr>
-        <p:txBody>
-          <a:bodyPr anchorCtr="0" anchor="ctr" bIns="116050" lIns="116050" spcFirstLastPara="1" rIns="116050" wrap="square" tIns="116050">
-            <a:noAutofit/>
-          </a:bodyPr>
-          <a:lstStyle>
-            <a:lvl1pPr indent="-374650" lvl="0" marL="457200">
-              <a:spcBef>
-                <a:spcPts val="0"/>
-              </a:spcBef>
-              <a:spcAft>
-                <a:spcPts val="0"/>
-              </a:spcAft>
-              <a:buSzPts val="2300"/>
-              <a:buChar char="●"/>
-              <a:defRPr/>
-            </a:lvl1pPr>
-            <a:lvl2pPr indent="-342900" lvl="1" marL="914400">
-              <a:spcBef>
-                <a:spcPts val="2000"/>
-              </a:spcBef>
-              <a:spcAft>
-                <a:spcPts val="0"/>
-              </a:spcAft>
-              <a:buSzPts val="1800"/>
-              <a:buChar char="○"/>
-              <a:defRPr/>
-            </a:lvl2pPr>
-            <a:lvl3pPr indent="-342900" lvl="2" marL="1371600">
-              <a:spcBef>
-                <a:spcPts val="2000"/>
-              </a:spcBef>
-              <a:spcAft>
-                <a:spcPts val="0"/>
-              </a:spcAft>
-              <a:buSzPts val="1800"/>
-              <a:buChar char="■"/>
-              <a:defRPr/>
-            </a:lvl3pPr>
-            <a:lvl4pPr indent="-342900" lvl="3" marL="1828800">
-              <a:spcBef>
-                <a:spcPts val="2000"/>
-              </a:spcBef>
-              <a:spcAft>
-                <a:spcPts val="0"/>
-              </a:spcAft>
-              <a:buSzPts val="1800"/>
-              <a:buChar char="●"/>
-              <a:defRPr/>
-            </a:lvl4pPr>
-            <a:lvl5pPr indent="-342900" lvl="4" marL="2286000">
-              <a:spcBef>
-                <a:spcPts val="2000"/>
-              </a:spcBef>
-              <a:spcAft>
-                <a:spcPts val="0"/>
-              </a:spcAft>
-              <a:buSzPts val="1800"/>
-              <a:buChar char="○"/>
-              <a:defRPr/>
-            </a:lvl5pPr>
-            <a:lvl6pPr indent="-342900" lvl="5" marL="2743200">
-              <a:spcBef>
-                <a:spcPts val="2000"/>
-              </a:spcBef>
-              <a:spcAft>
-                <a:spcPts val="0"/>
-              </a:spcAft>
-              <a:buSzPts val="1800"/>
-              <a:buChar char="■"/>
-              <a:defRPr/>
-            </a:lvl6pPr>
-            <a:lvl7pPr indent="-342900" lvl="6" marL="3200400">
-              <a:spcBef>
-                <a:spcPts val="2000"/>
-              </a:spcBef>
-              <a:spcAft>
-                <a:spcPts val="0"/>
-              </a:spcAft>
-              <a:buSzPts val="1800"/>
-              <a:buChar char="●"/>
-              <a:defRPr/>
-            </a:lvl7pPr>
-            <a:lvl8pPr indent="-342900" lvl="7" marL="3657600">
-              <a:spcBef>
-                <a:spcPts val="2000"/>
-              </a:spcBef>
-              <a:spcAft>
-                <a:spcPts val="0"/>
-              </a:spcAft>
-              <a:buSzPts val="1800"/>
-              <a:buChar char="○"/>
-              <a:defRPr/>
-            </a:lvl8pPr>
-            <a:lvl9pPr indent="-342900" lvl="8" marL="4114800">
-              <a:spcBef>
-                <a:spcPts val="2000"/>
-              </a:spcBef>
-              <a:spcAft>
-                <a:spcPts val="2000"/>
-              </a:spcAft>
-              <a:buSzPts val="1800"/>
-              <a:buChar char="■"/>
-              <a:defRPr/>
-            </a:lvl9pPr>
-          </a:lstStyle>
-          <a:p/>
-        </p:txBody>
-      </p:sp>
-      <p:sp>
-        <p:nvSpPr>
-          <p:cNvPr id="40" name="Google Shape;40;p9"/>
-          <p:cNvSpPr txBox="1"/>
-          <p:nvPr>
-            <p:ph idx="12" type="sldNum"/>
-          </p:nvPr>
-        </p:nvSpPr>
-        <p:spPr>
-          <a:xfrm>
-            <a:off x="9906772" y="6854072"/>
-            <a:ext cx="641700" cy="578400"/>
-          </a:xfrm>
-          <a:prstGeom prst="rect">
-            <a:avLst/>
-          </a:prstGeom>
-        </p:spPr>
-        <p:txBody>
-          <a:bodyPr anchorCtr="0" anchor="ctr" bIns="116050" lIns="116050" spcFirstLastPara="1" rIns="116050" wrap="square" tIns="116050">
-            <a:noAutofit/>
-          </a:bodyPr>
-          <a:lstStyle>
-            <a:lvl1pPr lvl="0">
-              <a:buNone/>
-              <a:defRPr/>
-            </a:lvl1pPr>
-            <a:lvl2pPr lvl="1">
-              <a:buNone/>
-              <a:defRPr/>
-            </a:lvl2pPr>
-            <a:lvl3pPr lvl="2">
-              <a:buNone/>
-              <a:defRPr/>
-            </a:lvl3pPr>
-            <a:lvl4pPr lvl="3">
-              <a:buNone/>
-              <a:defRPr/>
-            </a:lvl4pPr>
-            <a:lvl5pPr lvl="4">
-              <a:buNone/>
-              <a:defRPr/>
-            </a:lvl5pPr>
-            <a:lvl6pPr lvl="5">
-              <a:buNone/>
-              <a:defRPr/>
-            </a:lvl6pPr>
-            <a:lvl7pPr lvl="6">
-              <a:buNone/>
-              <a:defRPr/>
-            </a:lvl7pPr>
-            <a:lvl8pPr lvl="7">
-              <a:buNone/>
-              <a:defRPr/>
-            </a:lvl8pPr>
-            <a:lvl9pPr lvl="8">
-              <a:buNone/>
-              <a:defRPr/>
-            </a:lvl9pPr>
-          </a:lstStyle>
-          <a:p>
-            <a:pPr indent="0" lvl="0" marL="0" rtl="0" algn="r">
-              <a:spcBef>
-                <a:spcPts val="0"/>
-              </a:spcBef>
-              <a:spcAft>
-                <a:spcPts val="0"/>
-              </a:spcAft>
-              <a:buNone/>
-            </a:pPr>
-            <a:fld id="{00000000-1234-1234-1234-123412341234}" type="slidenum">
-              <a:rPr lang="en"/>
-              <a:t>‹#›</a:t>
-            </a:fld>
-            <a:endParaRPr/>
-          </a:p>
-        </p:txBody>
-      </p:sp>
-    </p:spTree>
-  </p:cSld>
-  <p:clrMapOvr>
-    <a:masterClrMapping/>
-  </p:clrMapOvr>
-</p:sldLayout>
-</file>
-
-<file path=ppt/slideLayouts/slideLayout9.xml><?xml version="1.0" encoding="utf-8"?>
-<p:sldLayout xmlns:a="http://schemas.openxmlformats.org/drawingml/2006/main" xmlns:r="http://schemas.openxmlformats.org/officeDocument/2006/relationships" xmlns:mc="http://schemas.openxmlformats.org/markup-compatibility/2006" xmlns:mv="urn:schemas-microsoft-com:mac:vml" xmlns:p="http://schemas.openxmlformats.org/presentationml/2006/main" xmlns:c="http://schemas.openxmlformats.org/drawingml/2006/chart" xmlns:dgm="http://schemas.openxmlformats.org/drawingml/2006/diagram" xmlns:o="urn:schemas-microsoft-com:office:office" xmlns:v="urn:schemas-microsoft-com:vml" xmlns:pvml="urn:schemas-microsoft-com:office:powerpoint" xmlns:com="http://schemas.openxmlformats.org/drawingml/2006/compatibility" xmlns:p14="http://schemas.microsoft.com/office/powerpoint/2010/main" xmlns:p15="http://schemas.microsoft.com/office/powerpoint/2012/main" matchingName="Caption">
-  <p:cSld name="CAPTION_ONLY">
-    <p:spTree>
-      <p:nvGrpSpPr>
-        <p:cNvPr id="41" name="Shape 41"/>
-        <p:cNvGrpSpPr/>
-        <p:nvPr/>
-      </p:nvGrpSpPr>
-      <p:grpSpPr>
-        <a:xfrm>
-          <a:off x="0" y="0"/>
-          <a:ext cx="0" cy="0"/>
-          <a:chOff x="0" y="0"/>
-          <a:chExt cx="0" cy="0"/>
-        </a:xfrm>
-      </p:grpSpPr>
-      <p:sp>
-        <p:nvSpPr>
-          <p:cNvPr id="42" name="Google Shape;42;p10"/>
-          <p:cNvSpPr txBox="1"/>
-          <p:nvPr>
-            <p:ph idx="1" type="body"/>
-          </p:nvPr>
-        </p:nvSpPr>
-        <p:spPr>
-          <a:xfrm>
-            <a:off x="364468" y="6218168"/>
-            <a:ext cx="7014300" cy="889500"/>
-          </a:xfrm>
-          <a:prstGeom prst="rect">
-            <a:avLst/>
-          </a:prstGeom>
-        </p:spPr>
-        <p:txBody>
-          <a:bodyPr anchorCtr="0" anchor="ctr" bIns="116050" lIns="116050" spcFirstLastPara="1" rIns="116050" wrap="square" tIns="116050">
-            <a:noAutofit/>
-          </a:bodyPr>
-          <a:lstStyle>
-            <a:lvl1pPr indent="-228600" lvl="0" marL="457200">
-              <a:lnSpc>
-                <a:spcPct val="100000"/>
-              </a:lnSpc>
-              <a:spcBef>
-                <a:spcPts val="0"/>
-              </a:spcBef>
-              <a:spcAft>
-                <a:spcPts val="0"/>
-              </a:spcAft>
-              <a:buSzPts val="2300"/>
-              <a:buNone/>
-              <a:defRPr/>
-            </a:lvl1pPr>
-          </a:lstStyle>
-          <a:p/>
-        </p:txBody>
-      </p:sp>
-      <p:sp>
-        <p:nvSpPr>
-          <p:cNvPr id="43" name="Google Shape;43;p10"/>
-          <p:cNvSpPr txBox="1"/>
-          <p:nvPr>
-            <p:ph idx="12" type="sldNum"/>
-          </p:nvPr>
-        </p:nvSpPr>
-        <p:spPr>
-          <a:xfrm>
-            <a:off x="9906772" y="6854072"/>
-            <a:ext cx="641700" cy="578400"/>
-          </a:xfrm>
-          <a:prstGeom prst="rect">
-            <a:avLst/>
-          </a:prstGeom>
-        </p:spPr>
-        <p:txBody>
-          <a:bodyPr anchorCtr="0" anchor="ctr" bIns="116050" lIns="116050" spcFirstLastPara="1" rIns="116050" wrap="square" tIns="116050">
-            <a:noAutofit/>
-          </a:bodyPr>
-          <a:lstStyle>
-            <a:lvl1pPr lvl="0">
-              <a:buNone/>
-              <a:defRPr/>
-            </a:lvl1pPr>
-            <a:lvl2pPr lvl="1">
-              <a:buNone/>
-              <a:defRPr/>
-            </a:lvl2pPr>
-            <a:lvl3pPr lvl="2">
-              <a:buNone/>
-              <a:defRPr/>
-            </a:lvl3pPr>
-            <a:lvl4pPr lvl="3">
-              <a:buNone/>
-              <a:defRPr/>
-            </a:lvl4pPr>
-            <a:lvl5pPr lvl="4">
-              <a:buNone/>
-              <a:defRPr/>
-            </a:lvl5pPr>
-            <a:lvl6pPr lvl="5">
-              <a:buNone/>
-              <a:defRPr/>
-            </a:lvl6pPr>
-            <a:lvl7pPr lvl="6">
-              <a:buNone/>
-              <a:defRPr/>
-            </a:lvl7pPr>
-            <a:lvl8pPr lvl="7">
-              <a:buNone/>
-              <a:defRPr/>
-            </a:lvl8pPr>
-            <a:lvl9pPr lvl="8">
-              <a:buNone/>
-              <a:defRPr/>
-            </a:lvl9pPr>
-          </a:lstStyle>
-          <a:p>
-            <a:pPr indent="0" lvl="0" marL="0" rtl="0" algn="r">
-              <a:spcBef>
-                <a:spcPts val="0"/>
-              </a:spcBef>
-              <a:spcAft>
-                <a:spcPts val="0"/>
-              </a:spcAft>
-              <a:buNone/>
-            </a:pPr>
-            <a:fld id="{00000000-1234-1234-1234-123412341234}" type="slidenum">
-              <a:rPr lang="en"/>
-              <a:t>‹#›</a:t>
-            </a:fld>
-            <a:endParaRPr/>
-          </a:p>
         </p:txBody>
       </p:sp>
     </p:spTree>
@@ -5174,138 +1936,11 @@
           <a:p/>
         </p:txBody>
       </p:sp>
-      <p:sp>
-        <p:nvSpPr>
-          <p:cNvPr id="8" name="Google Shape;8;p1"/>
-          <p:cNvSpPr txBox="1"/>
-          <p:nvPr>
-            <p:ph idx="12" type="sldNum"/>
-          </p:nvPr>
-        </p:nvSpPr>
-        <p:spPr>
-          <a:xfrm>
-            <a:off x="9906772" y="6854072"/>
-            <a:ext cx="641700" cy="578400"/>
-          </a:xfrm>
-          <a:prstGeom prst="rect">
-            <a:avLst/>
-          </a:prstGeom>
-          <a:noFill/>
-          <a:ln>
-            <a:noFill/>
-          </a:ln>
-        </p:spPr>
-        <p:txBody>
-          <a:bodyPr anchorCtr="0" anchor="ctr" bIns="116050" lIns="116050" spcFirstLastPara="1" rIns="116050" wrap="square" tIns="116050">
-            <a:noAutofit/>
-          </a:bodyPr>
-          <a:lstStyle>
-            <a:lvl1pPr lvl="0" algn="r">
-              <a:buNone/>
-              <a:defRPr sz="1300">
-                <a:solidFill>
-                  <a:schemeClr val="dk2"/>
-                </a:solidFill>
-              </a:defRPr>
-            </a:lvl1pPr>
-            <a:lvl2pPr lvl="1" algn="r">
-              <a:buNone/>
-              <a:defRPr sz="1300">
-                <a:solidFill>
-                  <a:schemeClr val="dk2"/>
-                </a:solidFill>
-              </a:defRPr>
-            </a:lvl2pPr>
-            <a:lvl3pPr lvl="2" algn="r">
-              <a:buNone/>
-              <a:defRPr sz="1300">
-                <a:solidFill>
-                  <a:schemeClr val="dk2"/>
-                </a:solidFill>
-              </a:defRPr>
-            </a:lvl3pPr>
-            <a:lvl4pPr lvl="3" algn="r">
-              <a:buNone/>
-              <a:defRPr sz="1300">
-                <a:solidFill>
-                  <a:schemeClr val="dk2"/>
-                </a:solidFill>
-              </a:defRPr>
-            </a:lvl4pPr>
-            <a:lvl5pPr lvl="4" algn="r">
-              <a:buNone/>
-              <a:defRPr sz="1300">
-                <a:solidFill>
-                  <a:schemeClr val="dk2"/>
-                </a:solidFill>
-              </a:defRPr>
-            </a:lvl5pPr>
-            <a:lvl6pPr lvl="5" algn="r">
-              <a:buNone/>
-              <a:defRPr sz="1300">
-                <a:solidFill>
-                  <a:schemeClr val="dk2"/>
-                </a:solidFill>
-              </a:defRPr>
-            </a:lvl6pPr>
-            <a:lvl7pPr lvl="6" algn="r">
-              <a:buNone/>
-              <a:defRPr sz="1300">
-                <a:solidFill>
-                  <a:schemeClr val="dk2"/>
-                </a:solidFill>
-              </a:defRPr>
-            </a:lvl7pPr>
-            <a:lvl8pPr lvl="7" algn="r">
-              <a:buNone/>
-              <a:defRPr sz="1300">
-                <a:solidFill>
-                  <a:schemeClr val="dk2"/>
-                </a:solidFill>
-              </a:defRPr>
-            </a:lvl8pPr>
-            <a:lvl9pPr lvl="8" algn="r">
-              <a:buNone/>
-              <a:defRPr sz="1300">
-                <a:solidFill>
-                  <a:schemeClr val="dk2"/>
-                </a:solidFill>
-              </a:defRPr>
-            </a:lvl9pPr>
-          </a:lstStyle>
-          <a:p>
-            <a:pPr indent="0" lvl="0" marL="0" rtl="0" algn="r">
-              <a:spcBef>
-                <a:spcPts val="0"/>
-              </a:spcBef>
-              <a:spcAft>
-                <a:spcPts val="0"/>
-              </a:spcAft>
-              <a:buNone/>
-            </a:pPr>
-            <a:fld id="{00000000-1234-1234-1234-123412341234}" type="slidenum">
-              <a:rPr lang="en"/>
-              <a:t>‹#›</a:t>
-            </a:fld>
-            <a:endParaRPr/>
-          </a:p>
-        </p:txBody>
-      </p:sp>
     </p:spTree>
   </p:cSld>
   <p:clrMap accent1="accent1" accent2="accent2" accent3="accent3" accent4="accent4" accent5="accent5" accent6="accent6" bg1="lt1" bg2="dk2" tx1="dk1" tx2="lt2" folHlink="folHlink" hlink="hlink"/>
   <p:sldLayoutIdLst>
     <p:sldLayoutId id="2147483648" r:id="rId1"/>
-    <p:sldLayoutId id="2147483649" r:id="rId2"/>
-    <p:sldLayoutId id="2147483650" r:id="rId3"/>
-    <p:sldLayoutId id="2147483651" r:id="rId4"/>
-    <p:sldLayoutId id="2147483652" r:id="rId5"/>
-    <p:sldLayoutId id="2147483653" r:id="rId6"/>
-    <p:sldLayoutId id="2147483654" r:id="rId7"/>
-    <p:sldLayoutId id="2147483655" r:id="rId8"/>
-    <p:sldLayoutId id="2147483656" r:id="rId9"/>
-    <p:sldLayoutId id="2147483657" r:id="rId10"/>
-    <p:sldLayoutId id="2147483658" r:id="rId11"/>
   </p:sldLayoutIdLst>
   <p:hf dt="0" ftr="0" hdr="0" sldNum="0"/>
   <p:txStyles>
@@ -6005,7 +2640,7 @@
   <p:cSld>
     <p:spTree>
       <p:nvGrpSpPr>
-        <p:cNvPr id="53" name="Shape 53"/>
+        <p:cNvPr id="13" name="Shape 13"/>
         <p:cNvGrpSpPr/>
         <p:nvPr/>
       </p:nvGrpSpPr>
@@ -6019,7 +2654,7 @@
       </p:grpSpPr>
       <p:sp>
         <p:nvSpPr>
-          <p:cNvPr id="54" name="Google Shape;54;p13"/>
+          <p:cNvPr id="14" name="Google Shape;14;p3"/>
           <p:cNvSpPr/>
           <p:nvPr/>
         </p:nvSpPr>
@@ -6070,10 +2705,10 @@
       </p:sp>
       <p:sp>
         <p:nvSpPr>
-          <p:cNvPr id="55" name="Google Shape;55;p13"/>
+          <p:cNvPr id="15" name="Google Shape;15;p3"/>
           <p:cNvSpPr txBox="1"/>
           <p:nvPr>
-            <p:ph idx="1" type="body"/>
+            <p:ph idx="4294967295" type="body"/>
           </p:nvPr>
         </p:nvSpPr>
         <p:spPr>
@@ -6676,7 +3311,7 @@
       </p:sp>
       <p:sp>
         <p:nvSpPr>
-          <p:cNvPr id="56" name="Google Shape;56;p13"/>
+          <p:cNvPr id="16" name="Google Shape;16;p3"/>
           <p:cNvSpPr txBox="1"/>
           <p:nvPr>
             <p:ph type="title"/>
@@ -6825,7 +3460,7 @@
       </p:sp>
       <p:sp>
         <p:nvSpPr>
-          <p:cNvPr id="57" name="Google Shape;57;p13"/>
+          <p:cNvPr id="17" name="Google Shape;17;p3"/>
           <p:cNvSpPr txBox="1"/>
           <p:nvPr/>
         </p:nvSpPr>
@@ -6875,7 +3510,7 @@
       </p:sp>
       <p:sp>
         <p:nvSpPr>
-          <p:cNvPr id="58" name="Google Shape;58;p13"/>
+          <p:cNvPr id="18" name="Google Shape;18;p3"/>
           <p:cNvSpPr txBox="1"/>
           <p:nvPr/>
         </p:nvSpPr>
@@ -7034,7 +3669,7 @@
       </p:sp>
       <p:sp>
         <p:nvSpPr>
-          <p:cNvPr id="59" name="Google Shape;59;p13"/>
+          <p:cNvPr id="19" name="Google Shape;19;p3"/>
           <p:cNvSpPr/>
           <p:nvPr/>
         </p:nvSpPr>
@@ -7094,7 +3729,7 @@
       </p:sp>
       <p:sp>
         <p:nvSpPr>
-          <p:cNvPr id="60" name="Google Shape;60;p13"/>
+          <p:cNvPr id="20" name="Google Shape;20;p3"/>
           <p:cNvSpPr txBox="1"/>
           <p:nvPr/>
         </p:nvSpPr>
@@ -7194,7 +3829,7 @@
       </p:sp>
       <p:sp>
         <p:nvSpPr>
-          <p:cNvPr id="61" name="Google Shape;61;p13"/>
+          <p:cNvPr id="21" name="Google Shape;21;p3"/>
           <p:cNvSpPr/>
           <p:nvPr/>
         </p:nvSpPr>
@@ -7254,7 +3889,7 @@
       </p:sp>
       <p:sp>
         <p:nvSpPr>
-          <p:cNvPr id="62" name="Google Shape;62;p13"/>
+          <p:cNvPr id="22" name="Google Shape;22;p3"/>
           <p:cNvSpPr txBox="1"/>
           <p:nvPr/>
         </p:nvSpPr>
@@ -7366,7 +4001,7 @@
       </p:sp>
       <p:sp>
         <p:nvSpPr>
-          <p:cNvPr id="63" name="Google Shape;63;p13"/>
+          <p:cNvPr id="23" name="Google Shape;23;p3"/>
           <p:cNvSpPr/>
           <p:nvPr/>
         </p:nvSpPr>
@@ -7426,7 +4061,7 @@
       </p:sp>
       <p:sp>
         <p:nvSpPr>
-          <p:cNvPr id="64" name="Google Shape;64;p13"/>
+          <p:cNvPr id="24" name="Google Shape;24;p3"/>
           <p:cNvSpPr txBox="1"/>
           <p:nvPr/>
         </p:nvSpPr>
@@ -7561,7 +4196,7 @@
       </p:sp>
       <p:sp>
         <p:nvSpPr>
-          <p:cNvPr id="65" name="Google Shape;65;p13"/>
+          <p:cNvPr id="25" name="Google Shape;25;p3"/>
           <p:cNvSpPr/>
           <p:nvPr/>
         </p:nvSpPr>
@@ -7621,7 +4256,7 @@
       </p:sp>
       <p:sp>
         <p:nvSpPr>
-          <p:cNvPr id="66" name="Google Shape;66;p13"/>
+          <p:cNvPr id="26" name="Google Shape;26;p3"/>
           <p:cNvSpPr txBox="1"/>
           <p:nvPr/>
         </p:nvSpPr>
@@ -7733,7 +4368,7 @@
       </p:sp>
       <p:sp>
         <p:nvSpPr>
-          <p:cNvPr id="67" name="Google Shape;67;p13"/>
+          <p:cNvPr id="27" name="Google Shape;27;p3"/>
           <p:cNvSpPr/>
           <p:nvPr/>
         </p:nvSpPr>
@@ -7793,7 +4428,7 @@
       </p:sp>
       <p:sp>
         <p:nvSpPr>
-          <p:cNvPr id="68" name="Google Shape;68;p13"/>
+          <p:cNvPr id="28" name="Google Shape;28;p3"/>
           <p:cNvSpPr txBox="1"/>
           <p:nvPr/>
         </p:nvSpPr>
@@ -7865,7 +4500,7 @@
       </p:sp>
       <p:sp>
         <p:nvSpPr>
-          <p:cNvPr id="69" name="Google Shape;69;p13"/>
+          <p:cNvPr id="29" name="Google Shape;29;p3"/>
           <p:cNvSpPr/>
           <p:nvPr/>
         </p:nvSpPr>
@@ -7925,7 +4560,7 @@
       </p:sp>
       <p:sp>
         <p:nvSpPr>
-          <p:cNvPr id="70" name="Google Shape;70;p13"/>
+          <p:cNvPr id="30" name="Google Shape;30;p3"/>
           <p:cNvSpPr txBox="1"/>
           <p:nvPr/>
         </p:nvSpPr>
@@ -7984,7 +4619,7 @@
       </p:sp>
       <p:sp>
         <p:nvSpPr>
-          <p:cNvPr id="71" name="Google Shape;71;p13"/>
+          <p:cNvPr id="31" name="Google Shape;31;p3"/>
           <p:cNvSpPr/>
           <p:nvPr/>
         </p:nvSpPr>
@@ -8044,7 +4679,7 @@
       </p:sp>
       <p:sp>
         <p:nvSpPr>
-          <p:cNvPr id="72" name="Google Shape;72;p13"/>
+          <p:cNvPr id="32" name="Google Shape;32;p3"/>
           <p:cNvSpPr txBox="1"/>
           <p:nvPr/>
         </p:nvSpPr>
@@ -8149,7 +4784,7 @@
       </p:sp>
       <p:sp>
         <p:nvSpPr>
-          <p:cNvPr id="73" name="Google Shape;73;p13"/>
+          <p:cNvPr id="33" name="Google Shape;33;p3"/>
           <p:cNvSpPr/>
           <p:nvPr/>
         </p:nvSpPr>
@@ -8209,7 +4844,7 @@
       </p:sp>
       <p:sp>
         <p:nvSpPr>
-          <p:cNvPr id="74" name="Google Shape;74;p13"/>
+          <p:cNvPr id="34" name="Google Shape;34;p3"/>
           <p:cNvSpPr txBox="1"/>
           <p:nvPr/>
         </p:nvSpPr>
@@ -8314,7 +4949,7 @@
       </p:sp>
       <p:sp>
         <p:nvSpPr>
-          <p:cNvPr id="75" name="Google Shape;75;p13"/>
+          <p:cNvPr id="35" name="Google Shape;35;p3"/>
           <p:cNvSpPr txBox="1"/>
           <p:nvPr/>
         </p:nvSpPr>
@@ -8567,7 +5202,7 @@
       </p:sp>
       <p:sp>
         <p:nvSpPr>
-          <p:cNvPr id="76" name="Google Shape;76;p13"/>
+          <p:cNvPr id="36" name="Google Shape;36;p3"/>
           <p:cNvSpPr txBox="1"/>
           <p:nvPr>
             <p:ph type="title"/>
@@ -8738,301 +5373,9 @@
           </a:p>
         </p:txBody>
       </p:sp>
-      <p:grpSp>
-        <p:nvGrpSpPr>
-          <p:cNvPr id="77" name="Google Shape;77;p13"/>
-          <p:cNvGrpSpPr/>
-          <p:nvPr/>
-        </p:nvGrpSpPr>
-        <p:grpSpPr>
-          <a:xfrm>
-            <a:off x="0" y="7094781"/>
-            <a:ext cx="10692000" cy="465069"/>
-            <a:chOff x="0" y="7094781"/>
-            <a:chExt cx="10692000" cy="465069"/>
-          </a:xfrm>
-        </p:grpSpPr>
-        <p:sp>
-          <p:nvSpPr>
-            <p:cNvPr id="78" name="Google Shape;78;p13"/>
-            <p:cNvSpPr/>
-            <p:nvPr/>
-          </p:nvSpPr>
-          <p:spPr>
-            <a:xfrm>
-              <a:off x="0" y="7094850"/>
-              <a:ext cx="10692000" cy="465000"/>
-            </a:xfrm>
-            <a:prstGeom prst="rect">
-              <a:avLst/>
-            </a:prstGeom>
-            <a:solidFill>
-              <a:srgbClr val="FFFFFF"/>
-            </a:solidFill>
-            <a:ln>
-              <a:noFill/>
-            </a:ln>
-          </p:spPr>
-          <p:txBody>
-            <a:bodyPr anchorCtr="0" anchor="ctr" bIns="91425" lIns="91425" spcFirstLastPara="1" rIns="91425" wrap="square" tIns="91425">
-              <a:noAutofit/>
-            </a:bodyPr>
-            <a:lstStyle/>
-            <a:p>
-              <a:pPr indent="0" lvl="0" marL="0" rtl="0" algn="l">
-                <a:spcBef>
-                  <a:spcPts val="0"/>
-                </a:spcBef>
-                <a:spcAft>
-                  <a:spcPts val="0"/>
-                </a:spcAft>
-                <a:buNone/>
-              </a:pPr>
-              <a:r>
-                <a:t/>
-              </a:r>
-              <a:endParaRPr/>
-            </a:p>
-          </p:txBody>
-        </p:sp>
-        <p:sp>
-          <p:nvSpPr>
-            <p:cNvPr id="79" name="Google Shape;79;p13"/>
-            <p:cNvSpPr txBox="1"/>
-            <p:nvPr/>
-          </p:nvSpPr>
-          <p:spPr>
-            <a:xfrm>
-              <a:off x="514889" y="7198197"/>
-              <a:ext cx="4216500" cy="266400"/>
-            </a:xfrm>
-            <a:prstGeom prst="rect">
-              <a:avLst/>
-            </a:prstGeom>
-            <a:noFill/>
-            <a:ln>
-              <a:noFill/>
-            </a:ln>
-          </p:spPr>
-          <p:txBody>
-            <a:bodyPr anchorCtr="0" anchor="b" bIns="92475" lIns="92475" spcFirstLastPara="1" rIns="92475" wrap="square" tIns="92475">
-              <a:noAutofit/>
-            </a:bodyPr>
-            <a:lstStyle/>
-            <a:p>
-              <a:pPr indent="0" lvl="0" marL="0" rtl="0" algn="l">
-                <a:spcBef>
-                  <a:spcPts val="0"/>
-                </a:spcBef>
-                <a:spcAft>
-                  <a:spcPts val="0"/>
-                </a:spcAft>
-                <a:buNone/>
-              </a:pPr>
-              <a:r>
-                <a:t/>
-              </a:r>
-              <a:endParaRPr b="1" sz="600">
-                <a:solidFill>
-                  <a:srgbClr val="000000"/>
-                </a:solidFill>
-                <a:latin typeface="IBM Plex Sans"/>
-                <a:ea typeface="IBM Plex Sans"/>
-                <a:cs typeface="IBM Plex Sans"/>
-                <a:sym typeface="IBM Plex Sans"/>
-              </a:endParaRPr>
-            </a:p>
-            <a:p>
-              <a:pPr indent="0" lvl="0" marL="0" rtl="0" algn="l">
-                <a:spcBef>
-                  <a:spcPts val="0"/>
-                </a:spcBef>
-                <a:spcAft>
-                  <a:spcPts val="0"/>
-                </a:spcAft>
-                <a:buNone/>
-              </a:pPr>
-              <a:r>
-                <a:t/>
-              </a:r>
-              <a:endParaRPr b="1" sz="600">
-                <a:solidFill>
-                  <a:srgbClr val="000000"/>
-                </a:solidFill>
-                <a:latin typeface="IBM Plex Sans"/>
-                <a:ea typeface="IBM Plex Sans"/>
-                <a:cs typeface="IBM Plex Sans"/>
-                <a:sym typeface="IBM Plex Sans"/>
-              </a:endParaRPr>
-            </a:p>
-            <a:p>
-              <a:pPr indent="0" lvl="0" marL="0" rtl="0" algn="l">
-                <a:spcBef>
-                  <a:spcPts val="0"/>
-                </a:spcBef>
-                <a:spcAft>
-                  <a:spcPts val="0"/>
-                </a:spcAft>
-                <a:buNone/>
-              </a:pPr>
-              <a:r>
-                <a:t/>
-              </a:r>
-              <a:endParaRPr b="1" sz="600">
-                <a:solidFill>
-                  <a:srgbClr val="000000"/>
-                </a:solidFill>
-                <a:latin typeface="IBM Plex Sans"/>
-                <a:ea typeface="IBM Plex Sans"/>
-                <a:cs typeface="IBM Plex Sans"/>
-                <a:sym typeface="IBM Plex Sans"/>
-              </a:endParaRPr>
-            </a:p>
-            <a:p>
-              <a:pPr indent="0" lvl="0" marL="0" rtl="0" algn="l">
-                <a:spcBef>
-                  <a:spcPts val="0"/>
-                </a:spcBef>
-                <a:spcAft>
-                  <a:spcPts val="0"/>
-                </a:spcAft>
-                <a:buNone/>
-              </a:pPr>
-              <a:r>
-                <a:rPr b="1" lang="en" sz="600">
-                  <a:latin typeface="IBM Plex Sans"/>
-                  <a:ea typeface="IBM Plex Sans"/>
-                  <a:cs typeface="IBM Plex Sans"/>
-                  <a:sym typeface="IBM Plex Sans"/>
-                </a:rPr>
-                <a:t>FINANCIAL INNOVATION LAB</a:t>
-              </a:r>
-              <a:r>
-                <a:rPr b="1" lang="en" sz="600">
-                  <a:solidFill>
-                    <a:srgbClr val="3C78D8"/>
-                  </a:solidFill>
-                  <a:latin typeface="IBM Plex Sans"/>
-                  <a:ea typeface="IBM Plex Sans"/>
-                  <a:cs typeface="IBM Plex Sans"/>
-                  <a:sym typeface="IBM Plex Sans"/>
-                </a:rPr>
-                <a:t> | BOOTCAMP ONE </a:t>
-              </a:r>
-              <a:endParaRPr b="1" sz="600">
-                <a:solidFill>
-                  <a:srgbClr val="3C78D8"/>
-                </a:solidFill>
-                <a:latin typeface="IBM Plex Sans"/>
-                <a:ea typeface="IBM Plex Sans"/>
-                <a:cs typeface="IBM Plex Sans"/>
-                <a:sym typeface="IBM Plex Sans"/>
-              </a:endParaRPr>
-            </a:p>
-          </p:txBody>
-        </p:sp>
-        <p:grpSp>
-          <p:nvGrpSpPr>
-            <p:cNvPr id="80" name="Google Shape;80;p13"/>
-            <p:cNvGrpSpPr/>
-            <p:nvPr/>
-          </p:nvGrpSpPr>
-          <p:grpSpPr>
-            <a:xfrm>
-              <a:off x="7712143" y="7094781"/>
-              <a:ext cx="2412328" cy="430321"/>
-              <a:chOff x="5831433" y="6857683"/>
-              <a:chExt cx="4631966" cy="815774"/>
-            </a:xfrm>
-          </p:grpSpPr>
-          <p:pic>
-            <p:nvPicPr>
-              <p:cNvPr id="81" name="Google Shape;81;p13"/>
-              <p:cNvPicPr preferRelativeResize="0"/>
-              <p:nvPr/>
-            </p:nvPicPr>
-            <p:blipFill>
-              <a:blip r:embed="rId3">
-                <a:alphaModFix/>
-              </a:blip>
-              <a:stretch>
-                <a:fillRect/>
-              </a:stretch>
-            </p:blipFill>
-            <p:spPr>
-              <a:xfrm>
-                <a:off x="9513825" y="6857683"/>
-                <a:ext cx="949574" cy="815774"/>
-              </a:xfrm>
-              <a:prstGeom prst="rect">
-                <a:avLst/>
-              </a:prstGeom>
-              <a:noFill/>
-              <a:ln>
-                <a:noFill/>
-              </a:ln>
-            </p:spPr>
-          </p:pic>
-          <p:pic>
-            <p:nvPicPr>
-              <p:cNvPr id="82" name="Google Shape;82;p13"/>
-              <p:cNvPicPr preferRelativeResize="0"/>
-              <p:nvPr/>
-            </p:nvPicPr>
-            <p:blipFill>
-              <a:blip r:embed="rId4">
-                <a:alphaModFix/>
-              </a:blip>
-              <a:stretch>
-                <a:fillRect/>
-              </a:stretch>
-            </p:blipFill>
-            <p:spPr>
-              <a:xfrm>
-                <a:off x="5831433" y="7117645"/>
-                <a:ext cx="1933325" cy="446407"/>
-              </a:xfrm>
-              <a:prstGeom prst="rect">
-                <a:avLst/>
-              </a:prstGeom>
-              <a:noFill/>
-              <a:ln>
-                <a:noFill/>
-              </a:ln>
-            </p:spPr>
-          </p:pic>
-          <p:pic>
-            <p:nvPicPr>
-              <p:cNvPr id="83" name="Google Shape;83;p13"/>
-              <p:cNvPicPr preferRelativeResize="0"/>
-              <p:nvPr/>
-            </p:nvPicPr>
-            <p:blipFill rotWithShape="1">
-              <a:blip r:embed="rId5">
-                <a:alphaModFix/>
-              </a:blip>
-              <a:srcRect b="23935" l="18913" r="10250" t="28704"/>
-              <a:stretch/>
-            </p:blipFill>
-            <p:spPr>
-              <a:xfrm>
-                <a:off x="8144179" y="7097827"/>
-                <a:ext cx="990224" cy="393901"/>
-              </a:xfrm>
-              <a:prstGeom prst="rect">
-                <a:avLst/>
-              </a:prstGeom>
-              <a:noFill/>
-              <a:ln>
-                <a:noFill/>
-              </a:ln>
-            </p:spPr>
-          </p:pic>
-        </p:grpSp>
-      </p:grpSp>
       <p:sp>
         <p:nvSpPr>
-          <p:cNvPr id="84" name="Google Shape;84;p13"/>
+          <p:cNvPr id="37" name="Google Shape;37;p3"/>
           <p:cNvSpPr/>
           <p:nvPr/>
         </p:nvSpPr>
@@ -9073,6 +5416,259 @@
           </a:p>
         </p:txBody>
       </p:sp>
+      <p:grpSp>
+        <p:nvGrpSpPr>
+          <p:cNvPr id="38" name="Google Shape;38;p3"/>
+          <p:cNvGrpSpPr/>
+          <p:nvPr/>
+        </p:nvGrpSpPr>
+        <p:grpSpPr>
+          <a:xfrm>
+            <a:off x="0" y="7094781"/>
+            <a:ext cx="10692000" cy="465069"/>
+            <a:chOff x="0" y="7094781"/>
+            <a:chExt cx="10692000" cy="465069"/>
+          </a:xfrm>
+        </p:grpSpPr>
+        <p:grpSp>
+          <p:nvGrpSpPr>
+            <p:cNvPr id="39" name="Google Shape;39;p3"/>
+            <p:cNvGrpSpPr/>
+            <p:nvPr/>
+          </p:nvGrpSpPr>
+          <p:grpSpPr>
+            <a:xfrm>
+              <a:off x="0" y="7094781"/>
+              <a:ext cx="10692000" cy="465069"/>
+              <a:chOff x="0" y="7094781"/>
+              <a:chExt cx="10692000" cy="465069"/>
+            </a:xfrm>
+          </p:grpSpPr>
+          <p:sp>
+            <p:nvSpPr>
+              <p:cNvPr id="40" name="Google Shape;40;p3"/>
+              <p:cNvSpPr/>
+              <p:nvPr/>
+            </p:nvSpPr>
+            <p:spPr>
+              <a:xfrm>
+                <a:off x="0" y="7094850"/>
+                <a:ext cx="10692000" cy="465000"/>
+              </a:xfrm>
+              <a:prstGeom prst="rect">
+                <a:avLst/>
+              </a:prstGeom>
+              <a:solidFill>
+                <a:srgbClr val="FFFFFF"/>
+              </a:solidFill>
+              <a:ln>
+                <a:noFill/>
+              </a:ln>
+            </p:spPr>
+            <p:txBody>
+              <a:bodyPr anchorCtr="0" anchor="ctr" bIns="91425" lIns="91425" spcFirstLastPara="1" rIns="91425" wrap="square" tIns="91425">
+                <a:noAutofit/>
+              </a:bodyPr>
+              <a:lstStyle/>
+              <a:p>
+                <a:pPr indent="0" lvl="0" marL="0" rtl="0" algn="l">
+                  <a:spcBef>
+                    <a:spcPts val="0"/>
+                  </a:spcBef>
+                  <a:spcAft>
+                    <a:spcPts val="0"/>
+                  </a:spcAft>
+                  <a:buNone/>
+                </a:pPr>
+                <a:r>
+                  <a:t/>
+                </a:r>
+                <a:endParaRPr/>
+              </a:p>
+            </p:txBody>
+          </p:sp>
+          <p:sp>
+            <p:nvSpPr>
+              <p:cNvPr id="41" name="Google Shape;41;p3"/>
+              <p:cNvSpPr txBox="1"/>
+              <p:nvPr/>
+            </p:nvSpPr>
+            <p:spPr>
+              <a:xfrm>
+                <a:off x="514889" y="7198197"/>
+                <a:ext cx="4216500" cy="266400"/>
+              </a:xfrm>
+              <a:prstGeom prst="rect">
+                <a:avLst/>
+              </a:prstGeom>
+              <a:noFill/>
+              <a:ln>
+                <a:noFill/>
+              </a:ln>
+            </p:spPr>
+            <p:txBody>
+              <a:bodyPr anchorCtr="0" anchor="b" bIns="92475" lIns="92475" spcFirstLastPara="1" rIns="92475" wrap="square" tIns="92475">
+                <a:noAutofit/>
+              </a:bodyPr>
+              <a:lstStyle/>
+              <a:p>
+                <a:pPr indent="0" lvl="0" marL="0" rtl="0" algn="l">
+                  <a:spcBef>
+                    <a:spcPts val="0"/>
+                  </a:spcBef>
+                  <a:spcAft>
+                    <a:spcPts val="0"/>
+                  </a:spcAft>
+                  <a:buNone/>
+                </a:pPr>
+                <a:r>
+                  <a:t/>
+                </a:r>
+                <a:endParaRPr b="1" sz="600">
+                  <a:solidFill>
+                    <a:srgbClr val="000000"/>
+                  </a:solidFill>
+                  <a:latin typeface="IBM Plex Sans"/>
+                  <a:ea typeface="IBM Plex Sans"/>
+                  <a:cs typeface="IBM Plex Sans"/>
+                  <a:sym typeface="IBM Plex Sans"/>
+                </a:endParaRPr>
+              </a:p>
+              <a:p>
+                <a:pPr indent="0" lvl="0" marL="0" rtl="0" algn="l">
+                  <a:spcBef>
+                    <a:spcPts val="0"/>
+                  </a:spcBef>
+                  <a:spcAft>
+                    <a:spcPts val="0"/>
+                  </a:spcAft>
+                  <a:buNone/>
+                </a:pPr>
+                <a:r>
+                  <a:t/>
+                </a:r>
+                <a:endParaRPr b="1" sz="600">
+                  <a:solidFill>
+                    <a:srgbClr val="000000"/>
+                  </a:solidFill>
+                  <a:latin typeface="IBM Plex Sans"/>
+                  <a:ea typeface="IBM Plex Sans"/>
+                  <a:cs typeface="IBM Plex Sans"/>
+                  <a:sym typeface="IBM Plex Sans"/>
+                </a:endParaRPr>
+              </a:p>
+              <a:p>
+                <a:pPr indent="0" lvl="0" marL="0" rtl="0" algn="l">
+                  <a:spcBef>
+                    <a:spcPts val="0"/>
+                  </a:spcBef>
+                  <a:spcAft>
+                    <a:spcPts val="0"/>
+                  </a:spcAft>
+                  <a:buNone/>
+                </a:pPr>
+                <a:r>
+                  <a:t/>
+                </a:r>
+                <a:endParaRPr b="1" sz="600">
+                  <a:solidFill>
+                    <a:srgbClr val="000000"/>
+                  </a:solidFill>
+                  <a:latin typeface="IBM Plex Sans"/>
+                  <a:ea typeface="IBM Plex Sans"/>
+                  <a:cs typeface="IBM Plex Sans"/>
+                  <a:sym typeface="IBM Plex Sans"/>
+                </a:endParaRPr>
+              </a:p>
+              <a:p>
+                <a:pPr indent="0" lvl="0" marL="0" rtl="0" algn="l">
+                  <a:spcBef>
+                    <a:spcPts val="0"/>
+                  </a:spcBef>
+                  <a:spcAft>
+                    <a:spcPts val="0"/>
+                  </a:spcAft>
+                  <a:buNone/>
+                </a:pPr>
+                <a:r>
+                  <a:rPr b="1" lang="en" sz="600">
+                    <a:latin typeface="IBM Plex Sans"/>
+                    <a:ea typeface="IBM Plex Sans"/>
+                    <a:cs typeface="IBM Plex Sans"/>
+                    <a:sym typeface="IBM Plex Sans"/>
+                  </a:rPr>
+                  <a:t>THE FINLAB TOOLKIT</a:t>
+                </a:r>
+                <a:endParaRPr b="1" sz="600">
+                  <a:solidFill>
+                    <a:srgbClr val="3C78D8"/>
+                  </a:solidFill>
+                  <a:latin typeface="IBM Plex Sans"/>
+                  <a:ea typeface="IBM Plex Sans"/>
+                  <a:cs typeface="IBM Plex Sans"/>
+                  <a:sym typeface="IBM Plex Sans"/>
+                </a:endParaRPr>
+              </a:p>
+            </p:txBody>
+          </p:sp>
+          <p:pic>
+            <p:nvPicPr>
+              <p:cNvPr id="42" name="Google Shape;42;p3"/>
+              <p:cNvPicPr preferRelativeResize="0"/>
+              <p:nvPr/>
+            </p:nvPicPr>
+            <p:blipFill>
+              <a:blip r:embed="rId3">
+                <a:alphaModFix/>
+              </a:blip>
+              <a:stretch>
+                <a:fillRect/>
+              </a:stretch>
+            </p:blipFill>
+            <p:spPr>
+              <a:xfrm>
+                <a:off x="9629932" y="7094781"/>
+                <a:ext cx="494539" cy="430321"/>
+              </a:xfrm>
+              <a:prstGeom prst="rect">
+                <a:avLst/>
+              </a:prstGeom>
+              <a:noFill/>
+              <a:ln>
+                <a:noFill/>
+              </a:ln>
+            </p:spPr>
+          </p:pic>
+        </p:grpSp>
+        <p:pic>
+          <p:nvPicPr>
+            <p:cNvPr id="43" name="Google Shape;43;p3"/>
+            <p:cNvPicPr preferRelativeResize="0"/>
+            <p:nvPr/>
+          </p:nvPicPr>
+          <p:blipFill>
+            <a:blip r:embed="rId4">
+              <a:alphaModFix/>
+            </a:blip>
+            <a:stretch>
+              <a:fillRect/>
+            </a:stretch>
+          </p:blipFill>
+          <p:spPr>
+            <a:xfrm>
+              <a:off x="8553150" y="7165073"/>
+              <a:ext cx="1013800" cy="354000"/>
+            </a:xfrm>
+            <a:prstGeom prst="rect">
+              <a:avLst/>
+            </a:prstGeom>
+            <a:noFill/>
+            <a:ln>
+              <a:noFill/>
+            </a:ln>
+          </p:spPr>
+        </p:pic>
+      </p:grpSp>
     </p:spTree>
   </p:cSld>
   <p:clrMapOvr>
@@ -9086,7 +5682,7 @@
   <p:cSld>
     <p:spTree>
       <p:nvGrpSpPr>
-        <p:cNvPr id="88" name="Shape 88"/>
+        <p:cNvPr id="47" name="Shape 47"/>
         <p:cNvGrpSpPr/>
         <p:nvPr/>
       </p:nvGrpSpPr>
@@ -9100,7 +5696,7 @@
       </p:grpSpPr>
       <p:sp>
         <p:nvSpPr>
-          <p:cNvPr id="89" name="Google Shape;89;p14"/>
+          <p:cNvPr id="48" name="Google Shape;48;p4"/>
           <p:cNvSpPr/>
           <p:nvPr/>
         </p:nvSpPr>
@@ -9151,7 +5747,7 @@
       </p:sp>
       <p:sp>
         <p:nvSpPr>
-          <p:cNvPr id="90" name="Google Shape;90;p14"/>
+          <p:cNvPr id="49" name="Google Shape;49;p4"/>
           <p:cNvSpPr txBox="1"/>
           <p:nvPr/>
         </p:nvSpPr>
@@ -9210,7 +5806,7 @@
       </p:sp>
       <p:sp>
         <p:nvSpPr>
-          <p:cNvPr id="91" name="Google Shape;91;p14"/>
+          <p:cNvPr id="50" name="Google Shape;50;p4"/>
           <p:cNvSpPr txBox="1"/>
           <p:nvPr/>
         </p:nvSpPr>
@@ -9539,7 +6135,7 @@
       </p:sp>
       <p:sp>
         <p:nvSpPr>
-          <p:cNvPr id="92" name="Google Shape;92;p14"/>
+          <p:cNvPr id="51" name="Google Shape;51;p4"/>
           <p:cNvSpPr/>
           <p:nvPr/>
         </p:nvSpPr>
@@ -9599,7 +6195,7 @@
       </p:sp>
       <p:sp>
         <p:nvSpPr>
-          <p:cNvPr id="93" name="Google Shape;93;p14"/>
+          <p:cNvPr id="52" name="Google Shape;52;p4"/>
           <p:cNvSpPr txBox="1"/>
           <p:nvPr/>
         </p:nvSpPr>
@@ -9704,7 +6300,7 @@
       </p:sp>
       <p:sp>
         <p:nvSpPr>
-          <p:cNvPr id="94" name="Google Shape;94;p14"/>
+          <p:cNvPr id="53" name="Google Shape;53;p4"/>
           <p:cNvSpPr/>
           <p:nvPr/>
         </p:nvSpPr>
@@ -9764,7 +6360,7 @@
       </p:sp>
       <p:sp>
         <p:nvSpPr>
-          <p:cNvPr id="95" name="Google Shape;95;p14"/>
+          <p:cNvPr id="54" name="Google Shape;54;p4"/>
           <p:cNvSpPr txBox="1"/>
           <p:nvPr/>
         </p:nvSpPr>
@@ -9869,7 +6465,7 @@
       </p:sp>
       <p:sp>
         <p:nvSpPr>
-          <p:cNvPr id="96" name="Google Shape;96;p14"/>
+          <p:cNvPr id="55" name="Google Shape;55;p4"/>
           <p:cNvSpPr txBox="1"/>
           <p:nvPr/>
         </p:nvSpPr>
@@ -9928,7 +6524,7 @@
       </p:sp>
       <p:sp>
         <p:nvSpPr>
-          <p:cNvPr id="97" name="Google Shape;97;p14"/>
+          <p:cNvPr id="56" name="Google Shape;56;p4"/>
           <p:cNvSpPr txBox="1"/>
           <p:nvPr/>
         </p:nvSpPr>
@@ -10361,7 +6957,7 @@
       </p:sp>
       <p:sp>
         <p:nvSpPr>
-          <p:cNvPr id="98" name="Google Shape;98;p14"/>
+          <p:cNvPr id="57" name="Google Shape;57;p4"/>
           <p:cNvSpPr/>
           <p:nvPr/>
         </p:nvSpPr>
@@ -10421,7 +7017,7 @@
       </p:sp>
       <p:sp>
         <p:nvSpPr>
-          <p:cNvPr id="99" name="Google Shape;99;p14"/>
+          <p:cNvPr id="58" name="Google Shape;58;p4"/>
           <p:cNvSpPr txBox="1"/>
           <p:nvPr/>
         </p:nvSpPr>
@@ -10556,7 +7152,7 @@
       </p:sp>
       <p:sp>
         <p:nvSpPr>
-          <p:cNvPr id="100" name="Google Shape;100;p14"/>
+          <p:cNvPr id="59" name="Google Shape;59;p4"/>
           <p:cNvSpPr/>
           <p:nvPr/>
         </p:nvSpPr>
@@ -10616,7 +7212,7 @@
       </p:sp>
       <p:sp>
         <p:nvSpPr>
-          <p:cNvPr id="101" name="Google Shape;101;p14"/>
+          <p:cNvPr id="60" name="Google Shape;60;p4"/>
           <p:cNvSpPr txBox="1"/>
           <p:nvPr/>
         </p:nvSpPr>
@@ -10723,7 +7319,7 @@
       </p:sp>
       <p:sp>
         <p:nvSpPr>
-          <p:cNvPr id="102" name="Google Shape;102;p14"/>
+          <p:cNvPr id="61" name="Google Shape;61;p4"/>
           <p:cNvSpPr txBox="1"/>
           <p:nvPr>
             <p:ph type="title"/>
@@ -10878,7 +7474,7 @@
       </p:sp>
       <p:sp>
         <p:nvSpPr>
-          <p:cNvPr id="103" name="Google Shape;103;p14"/>
+          <p:cNvPr id="62" name="Google Shape;62;p4"/>
           <p:cNvSpPr txBox="1"/>
           <p:nvPr>
             <p:ph type="title"/>
@@ -11027,7 +7623,7 @@
       </p:sp>
       <p:grpSp>
         <p:nvGrpSpPr>
-          <p:cNvPr id="104" name="Google Shape;104;p14"/>
+          <p:cNvPr id="63" name="Google Shape;63;p4"/>
           <p:cNvGrpSpPr/>
           <p:nvPr/>
         </p:nvGrpSpPr>
@@ -11041,7 +7637,7 @@
         </p:grpSpPr>
         <p:sp>
           <p:nvSpPr>
-            <p:cNvPr id="105" name="Google Shape;105;p14"/>
+            <p:cNvPr id="64" name="Google Shape;64;p4"/>
             <p:cNvSpPr/>
             <p:nvPr/>
           </p:nvSpPr>
@@ -11090,7 +7686,7 @@
         </p:sp>
         <p:grpSp>
           <p:nvGrpSpPr>
-            <p:cNvPr id="106" name="Google Shape;106;p14"/>
+            <p:cNvPr id="65" name="Google Shape;65;p4"/>
             <p:cNvGrpSpPr/>
             <p:nvPr/>
           </p:nvGrpSpPr>
@@ -11104,7 +7700,7 @@
           </p:grpSpPr>
           <p:sp>
             <p:nvSpPr>
-              <p:cNvPr id="107" name="Google Shape;107;p14"/>
+              <p:cNvPr id="66" name="Google Shape;66;p4"/>
               <p:cNvSpPr/>
               <p:nvPr/>
             </p:nvSpPr>
@@ -11153,7 +7749,7 @@
           </p:sp>
           <p:sp>
             <p:nvSpPr>
-              <p:cNvPr id="108" name="Google Shape;108;p14"/>
+              <p:cNvPr id="67" name="Google Shape;67;p4"/>
               <p:cNvSpPr/>
               <p:nvPr/>
             </p:nvSpPr>
@@ -11202,7 +7798,7 @@
           </p:sp>
           <p:sp>
             <p:nvSpPr>
-              <p:cNvPr id="109" name="Google Shape;109;p14"/>
+              <p:cNvPr id="68" name="Google Shape;68;p4"/>
               <p:cNvSpPr/>
               <p:nvPr/>
             </p:nvSpPr>
@@ -11251,7 +7847,7 @@
           </p:sp>
           <p:sp>
             <p:nvSpPr>
-              <p:cNvPr id="110" name="Google Shape;110;p14"/>
+              <p:cNvPr id="69" name="Google Shape;69;p4"/>
               <p:cNvSpPr/>
               <p:nvPr/>
             </p:nvSpPr>
@@ -11300,7 +7896,7 @@
           </p:sp>
           <p:sp>
             <p:nvSpPr>
-              <p:cNvPr id="111" name="Google Shape;111;p14"/>
+              <p:cNvPr id="70" name="Google Shape;70;p4"/>
               <p:cNvSpPr/>
               <p:nvPr/>
             </p:nvSpPr>
@@ -11349,7 +7945,7 @@
           </p:sp>
           <p:sp>
             <p:nvSpPr>
-              <p:cNvPr id="112" name="Google Shape;112;p14"/>
+              <p:cNvPr id="71" name="Google Shape;71;p4"/>
               <p:cNvSpPr/>
               <p:nvPr/>
             </p:nvSpPr>
@@ -11398,7 +7994,7 @@
           </p:sp>
           <p:sp>
             <p:nvSpPr>
-              <p:cNvPr id="113" name="Google Shape;113;p14"/>
+              <p:cNvPr id="72" name="Google Shape;72;p4"/>
               <p:cNvSpPr/>
               <p:nvPr/>
             </p:nvSpPr>
@@ -11447,7 +8043,7 @@
           </p:sp>
           <p:sp>
             <p:nvSpPr>
-              <p:cNvPr id="114" name="Google Shape;114;p14"/>
+              <p:cNvPr id="73" name="Google Shape;73;p4"/>
               <p:cNvSpPr/>
               <p:nvPr/>
             </p:nvSpPr>
@@ -11496,7 +8092,7 @@
           </p:sp>
           <p:sp>
             <p:nvSpPr>
-              <p:cNvPr id="115" name="Google Shape;115;p14"/>
+              <p:cNvPr id="74" name="Google Shape;74;p4"/>
               <p:cNvSpPr/>
               <p:nvPr/>
             </p:nvSpPr>
@@ -11545,7 +8141,7 @@
           </p:sp>
           <p:sp>
             <p:nvSpPr>
-              <p:cNvPr id="116" name="Google Shape;116;p14"/>
+              <p:cNvPr id="75" name="Google Shape;75;p4"/>
               <p:cNvSpPr/>
               <p:nvPr/>
             </p:nvSpPr>
@@ -11594,7 +8190,7 @@
           </p:sp>
           <p:sp>
             <p:nvSpPr>
-              <p:cNvPr id="117" name="Google Shape;117;p14"/>
+              <p:cNvPr id="76" name="Google Shape;76;p4"/>
               <p:cNvSpPr/>
               <p:nvPr/>
             </p:nvSpPr>
@@ -11643,7 +8239,7 @@
           </p:sp>
           <p:sp>
             <p:nvSpPr>
-              <p:cNvPr id="118" name="Google Shape;118;p14"/>
+              <p:cNvPr id="77" name="Google Shape;77;p4"/>
               <p:cNvSpPr/>
               <p:nvPr/>
             </p:nvSpPr>
@@ -11694,7 +8290,7 @@
       </p:grpSp>
       <p:sp>
         <p:nvSpPr>
-          <p:cNvPr id="119" name="Google Shape;119;p14"/>
+          <p:cNvPr id="78" name="Google Shape;78;p4"/>
           <p:cNvSpPr txBox="1"/>
           <p:nvPr/>
         </p:nvSpPr>
@@ -11753,7 +8349,7 @@
       </p:sp>
       <p:sp>
         <p:nvSpPr>
-          <p:cNvPr id="120" name="Google Shape;120;p14"/>
+          <p:cNvPr id="79" name="Google Shape;79;p4"/>
           <p:cNvSpPr/>
           <p:nvPr/>
         </p:nvSpPr>
@@ -11813,7 +8409,7 @@
       </p:sp>
       <p:sp>
         <p:nvSpPr>
-          <p:cNvPr id="121" name="Google Shape;121;p14"/>
+          <p:cNvPr id="80" name="Google Shape;80;p4"/>
           <p:cNvSpPr txBox="1"/>
           <p:nvPr/>
         </p:nvSpPr>
@@ -11941,7 +8537,7 @@
       </p:sp>
       <p:sp>
         <p:nvSpPr>
-          <p:cNvPr id="122" name="Google Shape;122;p14"/>
+          <p:cNvPr id="81" name="Google Shape;81;p4"/>
           <p:cNvSpPr/>
           <p:nvPr/>
         </p:nvSpPr>
@@ -12001,7 +8597,7 @@
       </p:sp>
       <p:sp>
         <p:nvSpPr>
-          <p:cNvPr id="123" name="Google Shape;123;p14"/>
+          <p:cNvPr id="82" name="Google Shape;82;p4"/>
           <p:cNvSpPr txBox="1"/>
           <p:nvPr/>
         </p:nvSpPr>
@@ -12104,301 +8700,9 @@
           </a:p>
         </p:txBody>
       </p:sp>
-      <p:grpSp>
-        <p:nvGrpSpPr>
-          <p:cNvPr id="124" name="Google Shape;124;p14"/>
-          <p:cNvGrpSpPr/>
-          <p:nvPr/>
-        </p:nvGrpSpPr>
-        <p:grpSpPr>
-          <a:xfrm>
-            <a:off x="0" y="7094781"/>
-            <a:ext cx="10692000" cy="465069"/>
-            <a:chOff x="0" y="7094781"/>
-            <a:chExt cx="10692000" cy="465069"/>
-          </a:xfrm>
-        </p:grpSpPr>
-        <p:sp>
-          <p:nvSpPr>
-            <p:cNvPr id="125" name="Google Shape;125;p14"/>
-            <p:cNvSpPr/>
-            <p:nvPr/>
-          </p:nvSpPr>
-          <p:spPr>
-            <a:xfrm>
-              <a:off x="0" y="7094850"/>
-              <a:ext cx="10692000" cy="465000"/>
-            </a:xfrm>
-            <a:prstGeom prst="rect">
-              <a:avLst/>
-            </a:prstGeom>
-            <a:solidFill>
-              <a:srgbClr val="FFFFFF"/>
-            </a:solidFill>
-            <a:ln>
-              <a:noFill/>
-            </a:ln>
-          </p:spPr>
-          <p:txBody>
-            <a:bodyPr anchorCtr="0" anchor="ctr" bIns="91425" lIns="91425" spcFirstLastPara="1" rIns="91425" wrap="square" tIns="91425">
-              <a:noAutofit/>
-            </a:bodyPr>
-            <a:lstStyle/>
-            <a:p>
-              <a:pPr indent="0" lvl="0" marL="0" rtl="0" algn="l">
-                <a:spcBef>
-                  <a:spcPts val="0"/>
-                </a:spcBef>
-                <a:spcAft>
-                  <a:spcPts val="0"/>
-                </a:spcAft>
-                <a:buNone/>
-              </a:pPr>
-              <a:r>
-                <a:t/>
-              </a:r>
-              <a:endParaRPr/>
-            </a:p>
-          </p:txBody>
-        </p:sp>
-        <p:sp>
-          <p:nvSpPr>
-            <p:cNvPr id="126" name="Google Shape;126;p14"/>
-            <p:cNvSpPr txBox="1"/>
-            <p:nvPr/>
-          </p:nvSpPr>
-          <p:spPr>
-            <a:xfrm>
-              <a:off x="514889" y="7198197"/>
-              <a:ext cx="4216500" cy="266400"/>
-            </a:xfrm>
-            <a:prstGeom prst="rect">
-              <a:avLst/>
-            </a:prstGeom>
-            <a:noFill/>
-            <a:ln>
-              <a:noFill/>
-            </a:ln>
-          </p:spPr>
-          <p:txBody>
-            <a:bodyPr anchorCtr="0" anchor="b" bIns="92475" lIns="92475" spcFirstLastPara="1" rIns="92475" wrap="square" tIns="92475">
-              <a:noAutofit/>
-            </a:bodyPr>
-            <a:lstStyle/>
-            <a:p>
-              <a:pPr indent="0" lvl="0" marL="0" rtl="0" algn="l">
-                <a:spcBef>
-                  <a:spcPts val="0"/>
-                </a:spcBef>
-                <a:spcAft>
-                  <a:spcPts val="0"/>
-                </a:spcAft>
-                <a:buNone/>
-              </a:pPr>
-              <a:r>
-                <a:t/>
-              </a:r>
-              <a:endParaRPr b="1" sz="600">
-                <a:solidFill>
-                  <a:srgbClr val="000000"/>
-                </a:solidFill>
-                <a:latin typeface="IBM Plex Sans"/>
-                <a:ea typeface="IBM Plex Sans"/>
-                <a:cs typeface="IBM Plex Sans"/>
-                <a:sym typeface="IBM Plex Sans"/>
-              </a:endParaRPr>
-            </a:p>
-            <a:p>
-              <a:pPr indent="0" lvl="0" marL="0" rtl="0" algn="l">
-                <a:spcBef>
-                  <a:spcPts val="0"/>
-                </a:spcBef>
-                <a:spcAft>
-                  <a:spcPts val="0"/>
-                </a:spcAft>
-                <a:buNone/>
-              </a:pPr>
-              <a:r>
-                <a:t/>
-              </a:r>
-              <a:endParaRPr b="1" sz="600">
-                <a:solidFill>
-                  <a:srgbClr val="000000"/>
-                </a:solidFill>
-                <a:latin typeface="IBM Plex Sans"/>
-                <a:ea typeface="IBM Plex Sans"/>
-                <a:cs typeface="IBM Plex Sans"/>
-                <a:sym typeface="IBM Plex Sans"/>
-              </a:endParaRPr>
-            </a:p>
-            <a:p>
-              <a:pPr indent="0" lvl="0" marL="0" rtl="0" algn="l">
-                <a:spcBef>
-                  <a:spcPts val="0"/>
-                </a:spcBef>
-                <a:spcAft>
-                  <a:spcPts val="0"/>
-                </a:spcAft>
-                <a:buNone/>
-              </a:pPr>
-              <a:r>
-                <a:t/>
-              </a:r>
-              <a:endParaRPr b="1" sz="600">
-                <a:solidFill>
-                  <a:srgbClr val="000000"/>
-                </a:solidFill>
-                <a:latin typeface="IBM Plex Sans"/>
-                <a:ea typeface="IBM Plex Sans"/>
-                <a:cs typeface="IBM Plex Sans"/>
-                <a:sym typeface="IBM Plex Sans"/>
-              </a:endParaRPr>
-            </a:p>
-            <a:p>
-              <a:pPr indent="0" lvl="0" marL="0" rtl="0" algn="l">
-                <a:spcBef>
-                  <a:spcPts val="0"/>
-                </a:spcBef>
-                <a:spcAft>
-                  <a:spcPts val="0"/>
-                </a:spcAft>
-                <a:buNone/>
-              </a:pPr>
-              <a:r>
-                <a:rPr b="1" lang="en" sz="600">
-                  <a:latin typeface="IBM Plex Sans"/>
-                  <a:ea typeface="IBM Plex Sans"/>
-                  <a:cs typeface="IBM Plex Sans"/>
-                  <a:sym typeface="IBM Plex Sans"/>
-                </a:rPr>
-                <a:t>FINANCIAL INNOVATION LAB</a:t>
-              </a:r>
-              <a:r>
-                <a:rPr b="1" lang="en" sz="600">
-                  <a:solidFill>
-                    <a:srgbClr val="3C78D8"/>
-                  </a:solidFill>
-                  <a:latin typeface="IBM Plex Sans"/>
-                  <a:ea typeface="IBM Plex Sans"/>
-                  <a:cs typeface="IBM Plex Sans"/>
-                  <a:sym typeface="IBM Plex Sans"/>
-                </a:rPr>
-                <a:t> | BOOTCAMP ONE </a:t>
-              </a:r>
-              <a:endParaRPr b="1" sz="600">
-                <a:solidFill>
-                  <a:srgbClr val="3C78D8"/>
-                </a:solidFill>
-                <a:latin typeface="IBM Plex Sans"/>
-                <a:ea typeface="IBM Plex Sans"/>
-                <a:cs typeface="IBM Plex Sans"/>
-                <a:sym typeface="IBM Plex Sans"/>
-              </a:endParaRPr>
-            </a:p>
-          </p:txBody>
-        </p:sp>
-        <p:grpSp>
-          <p:nvGrpSpPr>
-            <p:cNvPr id="127" name="Google Shape;127;p14"/>
-            <p:cNvGrpSpPr/>
-            <p:nvPr/>
-          </p:nvGrpSpPr>
-          <p:grpSpPr>
-            <a:xfrm>
-              <a:off x="7712143" y="7094781"/>
-              <a:ext cx="2412328" cy="430321"/>
-              <a:chOff x="5831433" y="6857683"/>
-              <a:chExt cx="4631966" cy="815774"/>
-            </a:xfrm>
-          </p:grpSpPr>
-          <p:pic>
-            <p:nvPicPr>
-              <p:cNvPr id="128" name="Google Shape;128;p14"/>
-              <p:cNvPicPr preferRelativeResize="0"/>
-              <p:nvPr/>
-            </p:nvPicPr>
-            <p:blipFill>
-              <a:blip r:embed="rId3">
-                <a:alphaModFix/>
-              </a:blip>
-              <a:stretch>
-                <a:fillRect/>
-              </a:stretch>
-            </p:blipFill>
-            <p:spPr>
-              <a:xfrm>
-                <a:off x="9513825" y="6857683"/>
-                <a:ext cx="949574" cy="815774"/>
-              </a:xfrm>
-              <a:prstGeom prst="rect">
-                <a:avLst/>
-              </a:prstGeom>
-              <a:noFill/>
-              <a:ln>
-                <a:noFill/>
-              </a:ln>
-            </p:spPr>
-          </p:pic>
-          <p:pic>
-            <p:nvPicPr>
-              <p:cNvPr id="129" name="Google Shape;129;p14"/>
-              <p:cNvPicPr preferRelativeResize="0"/>
-              <p:nvPr/>
-            </p:nvPicPr>
-            <p:blipFill>
-              <a:blip r:embed="rId4">
-                <a:alphaModFix/>
-              </a:blip>
-              <a:stretch>
-                <a:fillRect/>
-              </a:stretch>
-            </p:blipFill>
-            <p:spPr>
-              <a:xfrm>
-                <a:off x="5831433" y="7117645"/>
-                <a:ext cx="1933325" cy="446407"/>
-              </a:xfrm>
-              <a:prstGeom prst="rect">
-                <a:avLst/>
-              </a:prstGeom>
-              <a:noFill/>
-              <a:ln>
-                <a:noFill/>
-              </a:ln>
-            </p:spPr>
-          </p:pic>
-          <p:pic>
-            <p:nvPicPr>
-              <p:cNvPr id="130" name="Google Shape;130;p14"/>
-              <p:cNvPicPr preferRelativeResize="0"/>
-              <p:nvPr/>
-            </p:nvPicPr>
-            <p:blipFill rotWithShape="1">
-              <a:blip r:embed="rId5">
-                <a:alphaModFix/>
-              </a:blip>
-              <a:srcRect b="23935" l="18913" r="10250" t="28704"/>
-              <a:stretch/>
-            </p:blipFill>
-            <p:spPr>
-              <a:xfrm>
-                <a:off x="8144179" y="7097827"/>
-                <a:ext cx="990224" cy="393901"/>
-              </a:xfrm>
-              <a:prstGeom prst="rect">
-                <a:avLst/>
-              </a:prstGeom>
-              <a:noFill/>
-              <a:ln>
-                <a:noFill/>
-              </a:ln>
-            </p:spPr>
-          </p:pic>
-        </p:grpSp>
-      </p:grpSp>
       <p:sp>
         <p:nvSpPr>
-          <p:cNvPr id="131" name="Google Shape;131;p14"/>
+          <p:cNvPr id="83" name="Google Shape;83;p4"/>
           <p:cNvSpPr/>
           <p:nvPr/>
         </p:nvSpPr>
@@ -12439,6 +8743,259 @@
           </a:p>
         </p:txBody>
       </p:sp>
+      <p:grpSp>
+        <p:nvGrpSpPr>
+          <p:cNvPr id="84" name="Google Shape;84;p4"/>
+          <p:cNvGrpSpPr/>
+          <p:nvPr/>
+        </p:nvGrpSpPr>
+        <p:grpSpPr>
+          <a:xfrm>
+            <a:off x="0" y="7094781"/>
+            <a:ext cx="10692000" cy="465069"/>
+            <a:chOff x="0" y="7094781"/>
+            <a:chExt cx="10692000" cy="465069"/>
+          </a:xfrm>
+        </p:grpSpPr>
+        <p:grpSp>
+          <p:nvGrpSpPr>
+            <p:cNvPr id="85" name="Google Shape;85;p4"/>
+            <p:cNvGrpSpPr/>
+            <p:nvPr/>
+          </p:nvGrpSpPr>
+          <p:grpSpPr>
+            <a:xfrm>
+              <a:off x="0" y="7094781"/>
+              <a:ext cx="10692000" cy="465069"/>
+              <a:chOff x="0" y="7094781"/>
+              <a:chExt cx="10692000" cy="465069"/>
+            </a:xfrm>
+          </p:grpSpPr>
+          <p:sp>
+            <p:nvSpPr>
+              <p:cNvPr id="86" name="Google Shape;86;p4"/>
+              <p:cNvSpPr/>
+              <p:nvPr/>
+            </p:nvSpPr>
+            <p:spPr>
+              <a:xfrm>
+                <a:off x="0" y="7094850"/>
+                <a:ext cx="10692000" cy="465000"/>
+              </a:xfrm>
+              <a:prstGeom prst="rect">
+                <a:avLst/>
+              </a:prstGeom>
+              <a:solidFill>
+                <a:srgbClr val="FFFFFF"/>
+              </a:solidFill>
+              <a:ln>
+                <a:noFill/>
+              </a:ln>
+            </p:spPr>
+            <p:txBody>
+              <a:bodyPr anchorCtr="0" anchor="ctr" bIns="91425" lIns="91425" spcFirstLastPara="1" rIns="91425" wrap="square" tIns="91425">
+                <a:noAutofit/>
+              </a:bodyPr>
+              <a:lstStyle/>
+              <a:p>
+                <a:pPr indent="0" lvl="0" marL="0" rtl="0" algn="l">
+                  <a:spcBef>
+                    <a:spcPts val="0"/>
+                  </a:spcBef>
+                  <a:spcAft>
+                    <a:spcPts val="0"/>
+                  </a:spcAft>
+                  <a:buNone/>
+                </a:pPr>
+                <a:r>
+                  <a:t/>
+                </a:r>
+                <a:endParaRPr/>
+              </a:p>
+            </p:txBody>
+          </p:sp>
+          <p:sp>
+            <p:nvSpPr>
+              <p:cNvPr id="87" name="Google Shape;87;p4"/>
+              <p:cNvSpPr txBox="1"/>
+              <p:nvPr/>
+            </p:nvSpPr>
+            <p:spPr>
+              <a:xfrm>
+                <a:off x="514889" y="7198197"/>
+                <a:ext cx="4216500" cy="266400"/>
+              </a:xfrm>
+              <a:prstGeom prst="rect">
+                <a:avLst/>
+              </a:prstGeom>
+              <a:noFill/>
+              <a:ln>
+                <a:noFill/>
+              </a:ln>
+            </p:spPr>
+            <p:txBody>
+              <a:bodyPr anchorCtr="0" anchor="b" bIns="92475" lIns="92475" spcFirstLastPara="1" rIns="92475" wrap="square" tIns="92475">
+                <a:noAutofit/>
+              </a:bodyPr>
+              <a:lstStyle/>
+              <a:p>
+                <a:pPr indent="0" lvl="0" marL="0" rtl="0" algn="l">
+                  <a:spcBef>
+                    <a:spcPts val="0"/>
+                  </a:spcBef>
+                  <a:spcAft>
+                    <a:spcPts val="0"/>
+                  </a:spcAft>
+                  <a:buNone/>
+                </a:pPr>
+                <a:r>
+                  <a:t/>
+                </a:r>
+                <a:endParaRPr b="1" sz="600">
+                  <a:solidFill>
+                    <a:srgbClr val="000000"/>
+                  </a:solidFill>
+                  <a:latin typeface="IBM Plex Sans"/>
+                  <a:ea typeface="IBM Plex Sans"/>
+                  <a:cs typeface="IBM Plex Sans"/>
+                  <a:sym typeface="IBM Plex Sans"/>
+                </a:endParaRPr>
+              </a:p>
+              <a:p>
+                <a:pPr indent="0" lvl="0" marL="0" rtl="0" algn="l">
+                  <a:spcBef>
+                    <a:spcPts val="0"/>
+                  </a:spcBef>
+                  <a:spcAft>
+                    <a:spcPts val="0"/>
+                  </a:spcAft>
+                  <a:buNone/>
+                </a:pPr>
+                <a:r>
+                  <a:t/>
+                </a:r>
+                <a:endParaRPr b="1" sz="600">
+                  <a:solidFill>
+                    <a:srgbClr val="000000"/>
+                  </a:solidFill>
+                  <a:latin typeface="IBM Plex Sans"/>
+                  <a:ea typeface="IBM Plex Sans"/>
+                  <a:cs typeface="IBM Plex Sans"/>
+                  <a:sym typeface="IBM Plex Sans"/>
+                </a:endParaRPr>
+              </a:p>
+              <a:p>
+                <a:pPr indent="0" lvl="0" marL="0" rtl="0" algn="l">
+                  <a:spcBef>
+                    <a:spcPts val="0"/>
+                  </a:spcBef>
+                  <a:spcAft>
+                    <a:spcPts val="0"/>
+                  </a:spcAft>
+                  <a:buNone/>
+                </a:pPr>
+                <a:r>
+                  <a:t/>
+                </a:r>
+                <a:endParaRPr b="1" sz="600">
+                  <a:solidFill>
+                    <a:srgbClr val="000000"/>
+                  </a:solidFill>
+                  <a:latin typeface="IBM Plex Sans"/>
+                  <a:ea typeface="IBM Plex Sans"/>
+                  <a:cs typeface="IBM Plex Sans"/>
+                  <a:sym typeface="IBM Plex Sans"/>
+                </a:endParaRPr>
+              </a:p>
+              <a:p>
+                <a:pPr indent="0" lvl="0" marL="0" rtl="0" algn="l">
+                  <a:spcBef>
+                    <a:spcPts val="0"/>
+                  </a:spcBef>
+                  <a:spcAft>
+                    <a:spcPts val="0"/>
+                  </a:spcAft>
+                  <a:buNone/>
+                </a:pPr>
+                <a:r>
+                  <a:rPr b="1" lang="en" sz="600">
+                    <a:latin typeface="IBM Plex Sans"/>
+                    <a:ea typeface="IBM Plex Sans"/>
+                    <a:cs typeface="IBM Plex Sans"/>
+                    <a:sym typeface="IBM Plex Sans"/>
+                  </a:rPr>
+                  <a:t>THE FINLAB TOOLKIT</a:t>
+                </a:r>
+                <a:endParaRPr b="1" sz="600">
+                  <a:solidFill>
+                    <a:srgbClr val="3C78D8"/>
+                  </a:solidFill>
+                  <a:latin typeface="IBM Plex Sans"/>
+                  <a:ea typeface="IBM Plex Sans"/>
+                  <a:cs typeface="IBM Plex Sans"/>
+                  <a:sym typeface="IBM Plex Sans"/>
+                </a:endParaRPr>
+              </a:p>
+            </p:txBody>
+          </p:sp>
+          <p:pic>
+            <p:nvPicPr>
+              <p:cNvPr id="88" name="Google Shape;88;p4"/>
+              <p:cNvPicPr preferRelativeResize="0"/>
+              <p:nvPr/>
+            </p:nvPicPr>
+            <p:blipFill>
+              <a:blip r:embed="rId3">
+                <a:alphaModFix/>
+              </a:blip>
+              <a:stretch>
+                <a:fillRect/>
+              </a:stretch>
+            </p:blipFill>
+            <p:spPr>
+              <a:xfrm>
+                <a:off x="9629932" y="7094781"/>
+                <a:ext cx="494539" cy="430321"/>
+              </a:xfrm>
+              <a:prstGeom prst="rect">
+                <a:avLst/>
+              </a:prstGeom>
+              <a:noFill/>
+              <a:ln>
+                <a:noFill/>
+              </a:ln>
+            </p:spPr>
+          </p:pic>
+        </p:grpSp>
+        <p:pic>
+          <p:nvPicPr>
+            <p:cNvPr id="89" name="Google Shape;89;p4"/>
+            <p:cNvPicPr preferRelativeResize="0"/>
+            <p:nvPr/>
+          </p:nvPicPr>
+          <p:blipFill>
+            <a:blip r:embed="rId4">
+              <a:alphaModFix/>
+            </a:blip>
+            <a:stretch>
+              <a:fillRect/>
+            </a:stretch>
+          </p:blipFill>
+          <p:spPr>
+            <a:xfrm>
+              <a:off x="8553150" y="7165073"/>
+              <a:ext cx="1013800" cy="354000"/>
+            </a:xfrm>
+            <a:prstGeom prst="rect">
+              <a:avLst/>
+            </a:prstGeom>
+            <a:noFill/>
+            <a:ln>
+              <a:noFill/>
+            </a:ln>
+          </p:spPr>
+        </p:pic>
+      </p:grpSp>
     </p:spTree>
   </p:cSld>
   <p:clrMapOvr>
@@ -12452,7 +9009,7 @@
   <p:cSld>
     <p:spTree>
       <p:nvGrpSpPr>
-        <p:cNvPr id="135" name="Shape 135"/>
+        <p:cNvPr id="93" name="Shape 93"/>
         <p:cNvGrpSpPr/>
         <p:nvPr/>
       </p:nvGrpSpPr>
@@ -12466,7 +9023,7 @@
       </p:grpSpPr>
       <p:sp>
         <p:nvSpPr>
-          <p:cNvPr id="136" name="Google Shape;136;p15"/>
+          <p:cNvPr id="94" name="Google Shape;94;p5"/>
           <p:cNvSpPr/>
           <p:nvPr/>
         </p:nvSpPr>
@@ -12517,10 +9074,10 @@
       </p:sp>
       <p:sp>
         <p:nvSpPr>
-          <p:cNvPr id="137" name="Google Shape;137;p15"/>
+          <p:cNvPr id="95" name="Google Shape;95;p5"/>
           <p:cNvSpPr txBox="1"/>
           <p:nvPr>
-            <p:ph idx="1" type="body"/>
+            <p:ph idx="4294967295" type="body"/>
           </p:nvPr>
         </p:nvSpPr>
         <p:spPr>
@@ -13410,7 +9967,7 @@
       </p:sp>
       <p:sp>
         <p:nvSpPr>
-          <p:cNvPr id="138" name="Google Shape;138;p15"/>
+          <p:cNvPr id="96" name="Google Shape;96;p5"/>
           <p:cNvSpPr txBox="1"/>
           <p:nvPr/>
         </p:nvSpPr>
@@ -13468,7 +10025,7 @@
       </p:sp>
       <p:sp>
         <p:nvSpPr>
-          <p:cNvPr id="139" name="Google Shape;139;p15"/>
+          <p:cNvPr id="97" name="Google Shape;97;p5"/>
           <p:cNvSpPr txBox="1"/>
           <p:nvPr/>
         </p:nvSpPr>
@@ -13755,10 +10312,10 @@
       </p:sp>
       <p:sp>
         <p:nvSpPr>
-          <p:cNvPr id="140" name="Google Shape;140;p15"/>
+          <p:cNvPr id="98" name="Google Shape;98;p5"/>
           <p:cNvSpPr txBox="1"/>
           <p:nvPr>
-            <p:ph idx="1" type="body"/>
+            <p:ph idx="4294967295" type="body"/>
           </p:nvPr>
         </p:nvSpPr>
         <p:spPr>
@@ -14213,7 +10770,7 @@
       </p:sp>
       <p:sp>
         <p:nvSpPr>
-          <p:cNvPr id="141" name="Google Shape;141;p15"/>
+          <p:cNvPr id="99" name="Google Shape;99;p5"/>
           <p:cNvSpPr txBox="1"/>
           <p:nvPr>
             <p:ph type="title"/>
@@ -14374,301 +10931,9 @@
           </a:p>
         </p:txBody>
       </p:sp>
-      <p:grpSp>
-        <p:nvGrpSpPr>
-          <p:cNvPr id="142" name="Google Shape;142;p15"/>
-          <p:cNvGrpSpPr/>
-          <p:nvPr/>
-        </p:nvGrpSpPr>
-        <p:grpSpPr>
-          <a:xfrm>
-            <a:off x="0" y="7094781"/>
-            <a:ext cx="10692000" cy="465069"/>
-            <a:chOff x="0" y="7094781"/>
-            <a:chExt cx="10692000" cy="465069"/>
-          </a:xfrm>
-        </p:grpSpPr>
-        <p:sp>
-          <p:nvSpPr>
-            <p:cNvPr id="143" name="Google Shape;143;p15"/>
-            <p:cNvSpPr/>
-            <p:nvPr/>
-          </p:nvSpPr>
-          <p:spPr>
-            <a:xfrm>
-              <a:off x="0" y="7094850"/>
-              <a:ext cx="10692000" cy="465000"/>
-            </a:xfrm>
-            <a:prstGeom prst="rect">
-              <a:avLst/>
-            </a:prstGeom>
-            <a:solidFill>
-              <a:srgbClr val="FFFFFF"/>
-            </a:solidFill>
-            <a:ln>
-              <a:noFill/>
-            </a:ln>
-          </p:spPr>
-          <p:txBody>
-            <a:bodyPr anchorCtr="0" anchor="ctr" bIns="91425" lIns="91425" spcFirstLastPara="1" rIns="91425" wrap="square" tIns="91425">
-              <a:noAutofit/>
-            </a:bodyPr>
-            <a:lstStyle/>
-            <a:p>
-              <a:pPr indent="0" lvl="0" marL="0" rtl="0" algn="l">
-                <a:spcBef>
-                  <a:spcPts val="0"/>
-                </a:spcBef>
-                <a:spcAft>
-                  <a:spcPts val="0"/>
-                </a:spcAft>
-                <a:buNone/>
-              </a:pPr>
-              <a:r>
-                <a:t/>
-              </a:r>
-              <a:endParaRPr/>
-            </a:p>
-          </p:txBody>
-        </p:sp>
-        <p:sp>
-          <p:nvSpPr>
-            <p:cNvPr id="144" name="Google Shape;144;p15"/>
-            <p:cNvSpPr txBox="1"/>
-            <p:nvPr/>
-          </p:nvSpPr>
-          <p:spPr>
-            <a:xfrm>
-              <a:off x="514889" y="7198197"/>
-              <a:ext cx="4216500" cy="266400"/>
-            </a:xfrm>
-            <a:prstGeom prst="rect">
-              <a:avLst/>
-            </a:prstGeom>
-            <a:noFill/>
-            <a:ln>
-              <a:noFill/>
-            </a:ln>
-          </p:spPr>
-          <p:txBody>
-            <a:bodyPr anchorCtr="0" anchor="b" bIns="92475" lIns="92475" spcFirstLastPara="1" rIns="92475" wrap="square" tIns="92475">
-              <a:noAutofit/>
-            </a:bodyPr>
-            <a:lstStyle/>
-            <a:p>
-              <a:pPr indent="0" lvl="0" marL="0" rtl="0" algn="l">
-                <a:spcBef>
-                  <a:spcPts val="0"/>
-                </a:spcBef>
-                <a:spcAft>
-                  <a:spcPts val="0"/>
-                </a:spcAft>
-                <a:buNone/>
-              </a:pPr>
-              <a:r>
-                <a:t/>
-              </a:r>
-              <a:endParaRPr b="1" sz="600">
-                <a:solidFill>
-                  <a:srgbClr val="000000"/>
-                </a:solidFill>
-                <a:latin typeface="IBM Plex Sans"/>
-                <a:ea typeface="IBM Plex Sans"/>
-                <a:cs typeface="IBM Plex Sans"/>
-                <a:sym typeface="IBM Plex Sans"/>
-              </a:endParaRPr>
-            </a:p>
-            <a:p>
-              <a:pPr indent="0" lvl="0" marL="0" rtl="0" algn="l">
-                <a:spcBef>
-                  <a:spcPts val="0"/>
-                </a:spcBef>
-                <a:spcAft>
-                  <a:spcPts val="0"/>
-                </a:spcAft>
-                <a:buNone/>
-              </a:pPr>
-              <a:r>
-                <a:t/>
-              </a:r>
-              <a:endParaRPr b="1" sz="600">
-                <a:solidFill>
-                  <a:srgbClr val="000000"/>
-                </a:solidFill>
-                <a:latin typeface="IBM Plex Sans"/>
-                <a:ea typeface="IBM Plex Sans"/>
-                <a:cs typeface="IBM Plex Sans"/>
-                <a:sym typeface="IBM Plex Sans"/>
-              </a:endParaRPr>
-            </a:p>
-            <a:p>
-              <a:pPr indent="0" lvl="0" marL="0" rtl="0" algn="l">
-                <a:spcBef>
-                  <a:spcPts val="0"/>
-                </a:spcBef>
-                <a:spcAft>
-                  <a:spcPts val="0"/>
-                </a:spcAft>
-                <a:buNone/>
-              </a:pPr>
-              <a:r>
-                <a:t/>
-              </a:r>
-              <a:endParaRPr b="1" sz="600">
-                <a:solidFill>
-                  <a:srgbClr val="000000"/>
-                </a:solidFill>
-                <a:latin typeface="IBM Plex Sans"/>
-                <a:ea typeface="IBM Plex Sans"/>
-                <a:cs typeface="IBM Plex Sans"/>
-                <a:sym typeface="IBM Plex Sans"/>
-              </a:endParaRPr>
-            </a:p>
-            <a:p>
-              <a:pPr indent="0" lvl="0" marL="0" rtl="0" algn="l">
-                <a:spcBef>
-                  <a:spcPts val="0"/>
-                </a:spcBef>
-                <a:spcAft>
-                  <a:spcPts val="0"/>
-                </a:spcAft>
-                <a:buNone/>
-              </a:pPr>
-              <a:r>
-                <a:rPr b="1" lang="en" sz="600">
-                  <a:latin typeface="IBM Plex Sans"/>
-                  <a:ea typeface="IBM Plex Sans"/>
-                  <a:cs typeface="IBM Plex Sans"/>
-                  <a:sym typeface="IBM Plex Sans"/>
-                </a:rPr>
-                <a:t>FINANCIAL INNOVATION LAB</a:t>
-              </a:r>
-              <a:r>
-                <a:rPr b="1" lang="en" sz="600">
-                  <a:solidFill>
-                    <a:srgbClr val="3C78D8"/>
-                  </a:solidFill>
-                  <a:latin typeface="IBM Plex Sans"/>
-                  <a:ea typeface="IBM Plex Sans"/>
-                  <a:cs typeface="IBM Plex Sans"/>
-                  <a:sym typeface="IBM Plex Sans"/>
-                </a:rPr>
-                <a:t> | BOOTCAMP ONE </a:t>
-              </a:r>
-              <a:endParaRPr b="1" sz="600">
-                <a:solidFill>
-                  <a:srgbClr val="3C78D8"/>
-                </a:solidFill>
-                <a:latin typeface="IBM Plex Sans"/>
-                <a:ea typeface="IBM Plex Sans"/>
-                <a:cs typeface="IBM Plex Sans"/>
-                <a:sym typeface="IBM Plex Sans"/>
-              </a:endParaRPr>
-            </a:p>
-          </p:txBody>
-        </p:sp>
-        <p:grpSp>
-          <p:nvGrpSpPr>
-            <p:cNvPr id="145" name="Google Shape;145;p15"/>
-            <p:cNvGrpSpPr/>
-            <p:nvPr/>
-          </p:nvGrpSpPr>
-          <p:grpSpPr>
-            <a:xfrm>
-              <a:off x="7712143" y="7094781"/>
-              <a:ext cx="2412328" cy="430321"/>
-              <a:chOff x="5831433" y="6857683"/>
-              <a:chExt cx="4631966" cy="815774"/>
-            </a:xfrm>
-          </p:grpSpPr>
-          <p:pic>
-            <p:nvPicPr>
-              <p:cNvPr id="146" name="Google Shape;146;p15"/>
-              <p:cNvPicPr preferRelativeResize="0"/>
-              <p:nvPr/>
-            </p:nvPicPr>
-            <p:blipFill>
-              <a:blip r:embed="rId3">
-                <a:alphaModFix/>
-              </a:blip>
-              <a:stretch>
-                <a:fillRect/>
-              </a:stretch>
-            </p:blipFill>
-            <p:spPr>
-              <a:xfrm>
-                <a:off x="9513825" y="6857683"/>
-                <a:ext cx="949574" cy="815774"/>
-              </a:xfrm>
-              <a:prstGeom prst="rect">
-                <a:avLst/>
-              </a:prstGeom>
-              <a:noFill/>
-              <a:ln>
-                <a:noFill/>
-              </a:ln>
-            </p:spPr>
-          </p:pic>
-          <p:pic>
-            <p:nvPicPr>
-              <p:cNvPr id="147" name="Google Shape;147;p15"/>
-              <p:cNvPicPr preferRelativeResize="0"/>
-              <p:nvPr/>
-            </p:nvPicPr>
-            <p:blipFill>
-              <a:blip r:embed="rId4">
-                <a:alphaModFix/>
-              </a:blip>
-              <a:stretch>
-                <a:fillRect/>
-              </a:stretch>
-            </p:blipFill>
-            <p:spPr>
-              <a:xfrm>
-                <a:off x="5831433" y="7117645"/>
-                <a:ext cx="1933325" cy="446407"/>
-              </a:xfrm>
-              <a:prstGeom prst="rect">
-                <a:avLst/>
-              </a:prstGeom>
-              <a:noFill/>
-              <a:ln>
-                <a:noFill/>
-              </a:ln>
-            </p:spPr>
-          </p:pic>
-          <p:pic>
-            <p:nvPicPr>
-              <p:cNvPr id="148" name="Google Shape;148;p15"/>
-              <p:cNvPicPr preferRelativeResize="0"/>
-              <p:nvPr/>
-            </p:nvPicPr>
-            <p:blipFill rotWithShape="1">
-              <a:blip r:embed="rId5">
-                <a:alphaModFix/>
-              </a:blip>
-              <a:srcRect b="23935" l="18913" r="10250" t="28704"/>
-              <a:stretch/>
-            </p:blipFill>
-            <p:spPr>
-              <a:xfrm>
-                <a:off x="8144179" y="7097827"/>
-                <a:ext cx="990224" cy="393901"/>
-              </a:xfrm>
-              <a:prstGeom prst="rect">
-                <a:avLst/>
-              </a:prstGeom>
-              <a:noFill/>
-              <a:ln>
-                <a:noFill/>
-              </a:ln>
-            </p:spPr>
-          </p:pic>
-        </p:grpSp>
-      </p:grpSp>
       <p:sp>
         <p:nvSpPr>
-          <p:cNvPr id="149" name="Google Shape;149;p15"/>
+          <p:cNvPr id="100" name="Google Shape;100;p5"/>
           <p:cNvSpPr/>
           <p:nvPr/>
         </p:nvSpPr>
@@ -14713,6 +10978,259 @@
           </a:p>
         </p:txBody>
       </p:sp>
+      <p:grpSp>
+        <p:nvGrpSpPr>
+          <p:cNvPr id="101" name="Google Shape;101;p5"/>
+          <p:cNvGrpSpPr/>
+          <p:nvPr/>
+        </p:nvGrpSpPr>
+        <p:grpSpPr>
+          <a:xfrm>
+            <a:off x="0" y="7094781"/>
+            <a:ext cx="10692000" cy="465069"/>
+            <a:chOff x="0" y="7094781"/>
+            <a:chExt cx="10692000" cy="465069"/>
+          </a:xfrm>
+        </p:grpSpPr>
+        <p:grpSp>
+          <p:nvGrpSpPr>
+            <p:cNvPr id="102" name="Google Shape;102;p5"/>
+            <p:cNvGrpSpPr/>
+            <p:nvPr/>
+          </p:nvGrpSpPr>
+          <p:grpSpPr>
+            <a:xfrm>
+              <a:off x="0" y="7094781"/>
+              <a:ext cx="10692000" cy="465069"/>
+              <a:chOff x="0" y="7094781"/>
+              <a:chExt cx="10692000" cy="465069"/>
+            </a:xfrm>
+          </p:grpSpPr>
+          <p:sp>
+            <p:nvSpPr>
+              <p:cNvPr id="103" name="Google Shape;103;p5"/>
+              <p:cNvSpPr/>
+              <p:nvPr/>
+            </p:nvSpPr>
+            <p:spPr>
+              <a:xfrm>
+                <a:off x="0" y="7094850"/>
+                <a:ext cx="10692000" cy="465000"/>
+              </a:xfrm>
+              <a:prstGeom prst="rect">
+                <a:avLst/>
+              </a:prstGeom>
+              <a:solidFill>
+                <a:srgbClr val="FFFFFF"/>
+              </a:solidFill>
+              <a:ln>
+                <a:noFill/>
+              </a:ln>
+            </p:spPr>
+            <p:txBody>
+              <a:bodyPr anchorCtr="0" anchor="ctr" bIns="91425" lIns="91425" spcFirstLastPara="1" rIns="91425" wrap="square" tIns="91425">
+                <a:noAutofit/>
+              </a:bodyPr>
+              <a:lstStyle/>
+              <a:p>
+                <a:pPr indent="0" lvl="0" marL="0" rtl="0" algn="l">
+                  <a:spcBef>
+                    <a:spcPts val="0"/>
+                  </a:spcBef>
+                  <a:spcAft>
+                    <a:spcPts val="0"/>
+                  </a:spcAft>
+                  <a:buNone/>
+                </a:pPr>
+                <a:r>
+                  <a:t/>
+                </a:r>
+                <a:endParaRPr/>
+              </a:p>
+            </p:txBody>
+          </p:sp>
+          <p:sp>
+            <p:nvSpPr>
+              <p:cNvPr id="104" name="Google Shape;104;p5"/>
+              <p:cNvSpPr txBox="1"/>
+              <p:nvPr/>
+            </p:nvSpPr>
+            <p:spPr>
+              <a:xfrm>
+                <a:off x="514889" y="7198197"/>
+                <a:ext cx="4216500" cy="266400"/>
+              </a:xfrm>
+              <a:prstGeom prst="rect">
+                <a:avLst/>
+              </a:prstGeom>
+              <a:noFill/>
+              <a:ln>
+                <a:noFill/>
+              </a:ln>
+            </p:spPr>
+            <p:txBody>
+              <a:bodyPr anchorCtr="0" anchor="b" bIns="92475" lIns="92475" spcFirstLastPara="1" rIns="92475" wrap="square" tIns="92475">
+                <a:noAutofit/>
+              </a:bodyPr>
+              <a:lstStyle/>
+              <a:p>
+                <a:pPr indent="0" lvl="0" marL="0" rtl="0" algn="l">
+                  <a:spcBef>
+                    <a:spcPts val="0"/>
+                  </a:spcBef>
+                  <a:spcAft>
+                    <a:spcPts val="0"/>
+                  </a:spcAft>
+                  <a:buNone/>
+                </a:pPr>
+                <a:r>
+                  <a:t/>
+                </a:r>
+                <a:endParaRPr b="1" sz="600">
+                  <a:solidFill>
+                    <a:srgbClr val="000000"/>
+                  </a:solidFill>
+                  <a:latin typeface="IBM Plex Sans"/>
+                  <a:ea typeface="IBM Plex Sans"/>
+                  <a:cs typeface="IBM Plex Sans"/>
+                  <a:sym typeface="IBM Plex Sans"/>
+                </a:endParaRPr>
+              </a:p>
+              <a:p>
+                <a:pPr indent="0" lvl="0" marL="0" rtl="0" algn="l">
+                  <a:spcBef>
+                    <a:spcPts val="0"/>
+                  </a:spcBef>
+                  <a:spcAft>
+                    <a:spcPts val="0"/>
+                  </a:spcAft>
+                  <a:buNone/>
+                </a:pPr>
+                <a:r>
+                  <a:t/>
+                </a:r>
+                <a:endParaRPr b="1" sz="600">
+                  <a:solidFill>
+                    <a:srgbClr val="000000"/>
+                  </a:solidFill>
+                  <a:latin typeface="IBM Plex Sans"/>
+                  <a:ea typeface="IBM Plex Sans"/>
+                  <a:cs typeface="IBM Plex Sans"/>
+                  <a:sym typeface="IBM Plex Sans"/>
+                </a:endParaRPr>
+              </a:p>
+              <a:p>
+                <a:pPr indent="0" lvl="0" marL="0" rtl="0" algn="l">
+                  <a:spcBef>
+                    <a:spcPts val="0"/>
+                  </a:spcBef>
+                  <a:spcAft>
+                    <a:spcPts val="0"/>
+                  </a:spcAft>
+                  <a:buNone/>
+                </a:pPr>
+                <a:r>
+                  <a:t/>
+                </a:r>
+                <a:endParaRPr b="1" sz="600">
+                  <a:solidFill>
+                    <a:srgbClr val="000000"/>
+                  </a:solidFill>
+                  <a:latin typeface="IBM Plex Sans"/>
+                  <a:ea typeface="IBM Plex Sans"/>
+                  <a:cs typeface="IBM Plex Sans"/>
+                  <a:sym typeface="IBM Plex Sans"/>
+                </a:endParaRPr>
+              </a:p>
+              <a:p>
+                <a:pPr indent="0" lvl="0" marL="0" rtl="0" algn="l">
+                  <a:spcBef>
+                    <a:spcPts val="0"/>
+                  </a:spcBef>
+                  <a:spcAft>
+                    <a:spcPts val="0"/>
+                  </a:spcAft>
+                  <a:buNone/>
+                </a:pPr>
+                <a:r>
+                  <a:rPr b="1" lang="en" sz="600">
+                    <a:latin typeface="IBM Plex Sans"/>
+                    <a:ea typeface="IBM Plex Sans"/>
+                    <a:cs typeface="IBM Plex Sans"/>
+                    <a:sym typeface="IBM Plex Sans"/>
+                  </a:rPr>
+                  <a:t>THE FINLAB TOOLKIT</a:t>
+                </a:r>
+                <a:endParaRPr b="1" sz="600">
+                  <a:solidFill>
+                    <a:srgbClr val="3C78D8"/>
+                  </a:solidFill>
+                  <a:latin typeface="IBM Plex Sans"/>
+                  <a:ea typeface="IBM Plex Sans"/>
+                  <a:cs typeface="IBM Plex Sans"/>
+                  <a:sym typeface="IBM Plex Sans"/>
+                </a:endParaRPr>
+              </a:p>
+            </p:txBody>
+          </p:sp>
+          <p:pic>
+            <p:nvPicPr>
+              <p:cNvPr id="105" name="Google Shape;105;p5"/>
+              <p:cNvPicPr preferRelativeResize="0"/>
+              <p:nvPr/>
+            </p:nvPicPr>
+            <p:blipFill>
+              <a:blip r:embed="rId3">
+                <a:alphaModFix/>
+              </a:blip>
+              <a:stretch>
+                <a:fillRect/>
+              </a:stretch>
+            </p:blipFill>
+            <p:spPr>
+              <a:xfrm>
+                <a:off x="9629932" y="7094781"/>
+                <a:ext cx="494539" cy="430321"/>
+              </a:xfrm>
+              <a:prstGeom prst="rect">
+                <a:avLst/>
+              </a:prstGeom>
+              <a:noFill/>
+              <a:ln>
+                <a:noFill/>
+              </a:ln>
+            </p:spPr>
+          </p:pic>
+        </p:grpSp>
+        <p:pic>
+          <p:nvPicPr>
+            <p:cNvPr id="106" name="Google Shape;106;p5"/>
+            <p:cNvPicPr preferRelativeResize="0"/>
+            <p:nvPr/>
+          </p:nvPicPr>
+          <p:blipFill>
+            <a:blip r:embed="rId4">
+              <a:alphaModFix/>
+            </a:blip>
+            <a:stretch>
+              <a:fillRect/>
+            </a:stretch>
+          </p:blipFill>
+          <p:spPr>
+            <a:xfrm>
+              <a:off x="8553150" y="7165073"/>
+              <a:ext cx="1013800" cy="354000"/>
+            </a:xfrm>
+            <a:prstGeom prst="rect">
+              <a:avLst/>
+            </a:prstGeom>
+            <a:noFill/>
+            <a:ln>
+              <a:noFill/>
+            </a:ln>
+          </p:spPr>
+        </p:pic>
+      </p:grpSp>
     </p:spTree>
   </p:cSld>
   <p:clrMapOvr>
@@ -14726,7 +11244,7 @@
   <p:cSld>
     <p:spTree>
       <p:nvGrpSpPr>
-        <p:cNvPr id="153" name="Shape 153"/>
+        <p:cNvPr id="110" name="Shape 110"/>
         <p:cNvGrpSpPr/>
         <p:nvPr/>
       </p:nvGrpSpPr>
@@ -14740,7 +11258,7 @@
       </p:grpSpPr>
       <p:sp>
         <p:nvSpPr>
-          <p:cNvPr id="154" name="Google Shape;154;p16"/>
+          <p:cNvPr id="111" name="Google Shape;111;p6"/>
           <p:cNvSpPr txBox="1"/>
           <p:nvPr>
             <p:ph type="title"/>
@@ -14902,7 +11420,7 @@
       </p:sp>
       <p:sp>
         <p:nvSpPr>
-          <p:cNvPr id="155" name="Google Shape;155;p16"/>
+          <p:cNvPr id="112" name="Google Shape;112;p6"/>
           <p:cNvSpPr txBox="1"/>
           <p:nvPr/>
         </p:nvSpPr>
@@ -15027,7 +11545,7 @@
       </p:sp>
       <p:sp>
         <p:nvSpPr>
-          <p:cNvPr id="156" name="Google Shape;156;p16"/>
+          <p:cNvPr id="113" name="Google Shape;113;p6"/>
           <p:cNvSpPr txBox="1"/>
           <p:nvPr/>
         </p:nvSpPr>
@@ -15183,7 +11701,7 @@
       </p:sp>
       <p:sp>
         <p:nvSpPr>
-          <p:cNvPr id="157" name="Google Shape;157;p16"/>
+          <p:cNvPr id="114" name="Google Shape;114;p6"/>
           <p:cNvSpPr txBox="1"/>
           <p:nvPr/>
         </p:nvSpPr>
@@ -15244,7 +11762,7 @@
       </p:sp>
       <p:sp>
         <p:nvSpPr>
-          <p:cNvPr id="158" name="Google Shape;158;p16"/>
+          <p:cNvPr id="115" name="Google Shape;115;p6"/>
           <p:cNvSpPr txBox="1"/>
           <p:nvPr/>
         </p:nvSpPr>
@@ -15305,7 +11823,7 @@
       </p:sp>
       <p:sp>
         <p:nvSpPr>
-          <p:cNvPr id="159" name="Google Shape;159;p16"/>
+          <p:cNvPr id="116" name="Google Shape;116;p6"/>
           <p:cNvSpPr txBox="1"/>
           <p:nvPr/>
         </p:nvSpPr>
@@ -15392,7 +11910,7 @@
       </p:sp>
       <p:sp>
         <p:nvSpPr>
-          <p:cNvPr id="160" name="Google Shape;160;p16"/>
+          <p:cNvPr id="117" name="Google Shape;117;p6"/>
           <p:cNvSpPr txBox="1"/>
           <p:nvPr/>
         </p:nvSpPr>
@@ -15479,7 +11997,7 @@
       </p:sp>
       <p:sp>
         <p:nvSpPr>
-          <p:cNvPr id="161" name="Google Shape;161;p16"/>
+          <p:cNvPr id="118" name="Google Shape;118;p6"/>
           <p:cNvSpPr txBox="1"/>
           <p:nvPr/>
         </p:nvSpPr>
@@ -15589,7 +12107,7 @@
       </p:sp>
       <p:sp>
         <p:nvSpPr>
-          <p:cNvPr id="162" name="Google Shape;162;p16"/>
+          <p:cNvPr id="119" name="Google Shape;119;p6"/>
           <p:cNvSpPr txBox="1"/>
           <p:nvPr/>
         </p:nvSpPr>
@@ -15711,7 +12229,7 @@
       </p:sp>
       <p:sp>
         <p:nvSpPr>
-          <p:cNvPr id="163" name="Google Shape;163;p16"/>
+          <p:cNvPr id="120" name="Google Shape;120;p6"/>
           <p:cNvSpPr txBox="1"/>
           <p:nvPr/>
         </p:nvSpPr>
@@ -15830,7 +12348,7 @@
       </p:sp>
       <p:grpSp>
         <p:nvGrpSpPr>
-          <p:cNvPr id="164" name="Google Shape;164;p16"/>
+          <p:cNvPr id="121" name="Google Shape;121;p6"/>
           <p:cNvGrpSpPr/>
           <p:nvPr/>
         </p:nvGrpSpPr>
@@ -15842,163 +12360,176 @@
             <a:chExt cx="10692000" cy="465069"/>
           </a:xfrm>
         </p:grpSpPr>
-        <p:sp>
-          <p:nvSpPr>
-            <p:cNvPr id="165" name="Google Shape;165;p16"/>
-            <p:cNvSpPr/>
+        <p:grpSp>
+          <p:nvGrpSpPr>
+            <p:cNvPr id="122" name="Google Shape;122;p6"/>
+            <p:cNvGrpSpPr/>
             <p:nvPr/>
-          </p:nvSpPr>
-          <p:spPr>
+          </p:nvGrpSpPr>
+          <p:grpSpPr>
             <a:xfrm>
-              <a:off x="0" y="7094850"/>
-              <a:ext cx="10692000" cy="465000"/>
+              <a:off x="0" y="7094781"/>
+              <a:ext cx="10692000" cy="465069"/>
+              <a:chOff x="0" y="7094781"/>
+              <a:chExt cx="10692000" cy="465069"/>
             </a:xfrm>
-            <a:prstGeom prst="rect">
-              <a:avLst/>
-            </a:prstGeom>
-            <a:solidFill>
-              <a:srgbClr val="FFFFFF"/>
-            </a:solidFill>
-            <a:ln>
+          </p:grpSpPr>
+          <p:sp>
+            <p:nvSpPr>
+              <p:cNvPr id="123" name="Google Shape;123;p6"/>
+              <p:cNvSpPr/>
+              <p:nvPr/>
+            </p:nvSpPr>
+            <p:spPr>
+              <a:xfrm>
+                <a:off x="0" y="7094850"/>
+                <a:ext cx="10692000" cy="465000"/>
+              </a:xfrm>
+              <a:prstGeom prst="rect">
+                <a:avLst/>
+              </a:prstGeom>
+              <a:solidFill>
+                <a:srgbClr val="FFFFFF"/>
+              </a:solidFill>
+              <a:ln>
+                <a:noFill/>
+              </a:ln>
+            </p:spPr>
+            <p:txBody>
+              <a:bodyPr anchorCtr="0" anchor="ctr" bIns="91425" lIns="91425" spcFirstLastPara="1" rIns="91425" wrap="square" tIns="91425">
+                <a:noAutofit/>
+              </a:bodyPr>
+              <a:lstStyle/>
+              <a:p>
+                <a:pPr indent="0" lvl="0" marL="0" rtl="0" algn="l">
+                  <a:spcBef>
+                    <a:spcPts val="0"/>
+                  </a:spcBef>
+                  <a:spcAft>
+                    <a:spcPts val="0"/>
+                  </a:spcAft>
+                  <a:buNone/>
+                </a:pPr>
+                <a:r>
+                  <a:t/>
+                </a:r>
+                <a:endParaRPr/>
+              </a:p>
+            </p:txBody>
+          </p:sp>
+          <p:sp>
+            <p:nvSpPr>
+              <p:cNvPr id="124" name="Google Shape;124;p6"/>
+              <p:cNvSpPr txBox="1"/>
+              <p:nvPr/>
+            </p:nvSpPr>
+            <p:spPr>
+              <a:xfrm>
+                <a:off x="514889" y="7198197"/>
+                <a:ext cx="4216500" cy="266400"/>
+              </a:xfrm>
+              <a:prstGeom prst="rect">
+                <a:avLst/>
+              </a:prstGeom>
               <a:noFill/>
-            </a:ln>
-          </p:spPr>
-          <p:txBody>
-            <a:bodyPr anchorCtr="0" anchor="ctr" bIns="91425" lIns="91425" spcFirstLastPara="1" rIns="91425" wrap="square" tIns="91425">
-              <a:noAutofit/>
-            </a:bodyPr>
-            <a:lstStyle/>
-            <a:p>
-              <a:pPr indent="0" lvl="0" marL="0" rtl="0" algn="l">
-                <a:spcBef>
-                  <a:spcPts val="0"/>
-                </a:spcBef>
-                <a:spcAft>
-                  <a:spcPts val="0"/>
-                </a:spcAft>
-                <a:buNone/>
-              </a:pPr>
-              <a:r>
-                <a:t/>
-              </a:r>
-              <a:endParaRPr/>
-            </a:p>
-          </p:txBody>
-        </p:sp>
-        <p:sp>
-          <p:nvSpPr>
-            <p:cNvPr id="166" name="Google Shape;166;p16"/>
-            <p:cNvSpPr txBox="1"/>
-            <p:nvPr/>
-          </p:nvSpPr>
-          <p:spPr>
-            <a:xfrm>
-              <a:off x="514889" y="7198197"/>
-              <a:ext cx="4216500" cy="266400"/>
-            </a:xfrm>
-            <a:prstGeom prst="rect">
-              <a:avLst/>
-            </a:prstGeom>
-            <a:noFill/>
-            <a:ln>
-              <a:noFill/>
-            </a:ln>
-          </p:spPr>
-          <p:txBody>
-            <a:bodyPr anchorCtr="0" anchor="b" bIns="92475" lIns="92475" spcFirstLastPara="1" rIns="92475" wrap="square" tIns="92475">
-              <a:noAutofit/>
-            </a:bodyPr>
-            <a:lstStyle/>
-            <a:p>
-              <a:pPr indent="0" lvl="0" marL="0" rtl="0" algn="l">
-                <a:spcBef>
-                  <a:spcPts val="0"/>
-                </a:spcBef>
-                <a:spcAft>
-                  <a:spcPts val="0"/>
-                </a:spcAft>
-                <a:buNone/>
-              </a:pPr>
-              <a:r>
-                <a:t/>
-              </a:r>
-              <a:endParaRPr b="1" sz="600">
-                <a:solidFill>
-                  <a:srgbClr val="000000"/>
-                </a:solidFill>
-                <a:latin typeface="IBM Plex Sans"/>
-                <a:ea typeface="IBM Plex Sans"/>
-                <a:cs typeface="IBM Plex Sans"/>
-                <a:sym typeface="IBM Plex Sans"/>
-              </a:endParaRPr>
-            </a:p>
-            <a:p>
-              <a:pPr indent="0" lvl="0" marL="0" rtl="0" algn="l">
-                <a:spcBef>
-                  <a:spcPts val="0"/>
-                </a:spcBef>
-                <a:spcAft>
-                  <a:spcPts val="0"/>
-                </a:spcAft>
-                <a:buNone/>
-              </a:pPr>
-              <a:r>
-                <a:t/>
-              </a:r>
-              <a:endParaRPr b="1" sz="600">
-                <a:solidFill>
-                  <a:srgbClr val="000000"/>
-                </a:solidFill>
-                <a:latin typeface="IBM Plex Sans"/>
-                <a:ea typeface="IBM Plex Sans"/>
-                <a:cs typeface="IBM Plex Sans"/>
-                <a:sym typeface="IBM Plex Sans"/>
-              </a:endParaRPr>
-            </a:p>
-            <a:p>
-              <a:pPr indent="0" lvl="0" marL="0" rtl="0" algn="l">
-                <a:spcBef>
-                  <a:spcPts val="0"/>
-                </a:spcBef>
-                <a:spcAft>
-                  <a:spcPts val="0"/>
-                </a:spcAft>
-                <a:buNone/>
-              </a:pPr>
-              <a:r>
-                <a:t/>
-              </a:r>
-              <a:endParaRPr b="1" sz="600">
-                <a:solidFill>
-                  <a:srgbClr val="000000"/>
-                </a:solidFill>
-                <a:latin typeface="IBM Plex Sans"/>
-                <a:ea typeface="IBM Plex Sans"/>
-                <a:cs typeface="IBM Plex Sans"/>
-                <a:sym typeface="IBM Plex Sans"/>
-              </a:endParaRPr>
-            </a:p>
-            <a:p>
-              <a:pPr indent="0" lvl="0" marL="0" rtl="0" algn="l">
-                <a:spcBef>
-                  <a:spcPts val="0"/>
-                </a:spcBef>
-                <a:spcAft>
-                  <a:spcPts val="0"/>
-                </a:spcAft>
-                <a:buNone/>
-              </a:pPr>
-              <a:r>
-                <a:rPr b="1" lang="en" sz="600">
+              <a:ln>
+                <a:noFill/>
+              </a:ln>
+            </p:spPr>
+            <p:txBody>
+              <a:bodyPr anchorCtr="0" anchor="b" bIns="92475" lIns="92475" spcFirstLastPara="1" rIns="92475" wrap="square" tIns="92475">
+                <a:noAutofit/>
+              </a:bodyPr>
+              <a:lstStyle/>
+              <a:p>
+                <a:pPr indent="0" lvl="0" marL="0" rtl="0" algn="l">
+                  <a:spcBef>
+                    <a:spcPts val="0"/>
+                  </a:spcBef>
+                  <a:spcAft>
+                    <a:spcPts val="0"/>
+                  </a:spcAft>
+                  <a:buNone/>
+                </a:pPr>
+                <a:r>
+                  <a:t/>
+                </a:r>
+                <a:endParaRPr b="1" sz="600">
+                  <a:solidFill>
+                    <a:srgbClr val="000000"/>
+                  </a:solidFill>
                   <a:latin typeface="IBM Plex Sans"/>
                   <a:ea typeface="IBM Plex Sans"/>
                   <a:cs typeface="IBM Plex Sans"/>
                   <a:sym typeface="IBM Plex Sans"/>
-                </a:rPr>
-                <a:t>FINANCIAL INNOVATION LAB</a:t>
-              </a:r>
-              <a:r>
-                <a:rPr b="1" lang="en" sz="600">
+                </a:endParaRPr>
+              </a:p>
+              <a:p>
+                <a:pPr indent="0" lvl="0" marL="0" rtl="0" algn="l">
+                  <a:spcBef>
+                    <a:spcPts val="0"/>
+                  </a:spcBef>
+                  <a:spcAft>
+                    <a:spcPts val="0"/>
+                  </a:spcAft>
+                  <a:buNone/>
+                </a:pPr>
+                <a:r>
+                  <a:t/>
+                </a:r>
+                <a:endParaRPr b="1" sz="600">
+                  <a:solidFill>
+                    <a:srgbClr val="000000"/>
+                  </a:solidFill>
+                  <a:latin typeface="IBM Plex Sans"/>
+                  <a:ea typeface="IBM Plex Sans"/>
+                  <a:cs typeface="IBM Plex Sans"/>
+                  <a:sym typeface="IBM Plex Sans"/>
+                </a:endParaRPr>
+              </a:p>
+              <a:p>
+                <a:pPr indent="0" lvl="0" marL="0" rtl="0" algn="l">
+                  <a:spcBef>
+                    <a:spcPts val="0"/>
+                  </a:spcBef>
+                  <a:spcAft>
+                    <a:spcPts val="0"/>
+                  </a:spcAft>
+                  <a:buNone/>
+                </a:pPr>
+                <a:r>
+                  <a:t/>
+                </a:r>
+                <a:endParaRPr b="1" sz="600">
+                  <a:solidFill>
+                    <a:srgbClr val="000000"/>
+                  </a:solidFill>
+                  <a:latin typeface="IBM Plex Sans"/>
+                  <a:ea typeface="IBM Plex Sans"/>
+                  <a:cs typeface="IBM Plex Sans"/>
+                  <a:sym typeface="IBM Plex Sans"/>
+                </a:endParaRPr>
+              </a:p>
+              <a:p>
+                <a:pPr indent="0" lvl="0" marL="0" rtl="0" algn="l">
+                  <a:spcBef>
+                    <a:spcPts val="0"/>
+                  </a:spcBef>
+                  <a:spcAft>
+                    <a:spcPts val="0"/>
+                  </a:spcAft>
+                  <a:buNone/>
+                </a:pPr>
+                <a:r>
+                  <a:rPr b="1" lang="en" sz="600">
+                    <a:latin typeface="IBM Plex Sans"/>
+                    <a:ea typeface="IBM Plex Sans"/>
+                    <a:cs typeface="IBM Plex Sans"/>
+                    <a:sym typeface="IBM Plex Sans"/>
+                  </a:rPr>
+                  <a:t>THE FINLAB TOOLKIT</a:t>
+                </a:r>
+                <a:endParaRPr b="1" sz="600">
                   <a:solidFill>
                     <a:srgbClr val="3C78D8"/>
                   </a:solidFill>
@@ -16006,38 +12537,13 @@
                   <a:ea typeface="IBM Plex Sans"/>
                   <a:cs typeface="IBM Plex Sans"/>
                   <a:sym typeface="IBM Plex Sans"/>
-                </a:rPr>
-                <a:t> | BOOTCAMP ONE </a:t>
-              </a:r>
-              <a:endParaRPr b="1" sz="600">
-                <a:solidFill>
-                  <a:srgbClr val="3C78D8"/>
-                </a:solidFill>
-                <a:latin typeface="IBM Plex Sans"/>
-                <a:ea typeface="IBM Plex Sans"/>
-                <a:cs typeface="IBM Plex Sans"/>
-                <a:sym typeface="IBM Plex Sans"/>
-              </a:endParaRPr>
-            </a:p>
-          </p:txBody>
-        </p:sp>
-        <p:grpSp>
-          <p:nvGrpSpPr>
-            <p:cNvPr id="167" name="Google Shape;167;p16"/>
-            <p:cNvGrpSpPr/>
-            <p:nvPr/>
-          </p:nvGrpSpPr>
-          <p:grpSpPr>
-            <a:xfrm>
-              <a:off x="7712143" y="7094781"/>
-              <a:ext cx="2412328" cy="430321"/>
-              <a:chOff x="5831433" y="6857683"/>
-              <a:chExt cx="4631966" cy="815774"/>
-            </a:xfrm>
-          </p:grpSpPr>
+                </a:endParaRPr>
+              </a:p>
+            </p:txBody>
+          </p:sp>
           <p:pic>
             <p:nvPicPr>
-              <p:cNvPr id="168" name="Google Shape;168;p16"/>
+              <p:cNvPr id="125" name="Google Shape;125;p6"/>
               <p:cNvPicPr preferRelativeResize="0"/>
               <p:nvPr/>
             </p:nvPicPr>
@@ -16051,63 +12557,8 @@
             </p:blipFill>
             <p:spPr>
               <a:xfrm>
-                <a:off x="9513825" y="6857683"/>
-                <a:ext cx="949574" cy="815774"/>
-              </a:xfrm>
-              <a:prstGeom prst="rect">
-                <a:avLst/>
-              </a:prstGeom>
-              <a:noFill/>
-              <a:ln>
-                <a:noFill/>
-              </a:ln>
-            </p:spPr>
-          </p:pic>
-          <p:pic>
-            <p:nvPicPr>
-              <p:cNvPr id="169" name="Google Shape;169;p16"/>
-              <p:cNvPicPr preferRelativeResize="0"/>
-              <p:nvPr/>
-            </p:nvPicPr>
-            <p:blipFill>
-              <a:blip r:embed="rId4">
-                <a:alphaModFix/>
-              </a:blip>
-              <a:stretch>
-                <a:fillRect/>
-              </a:stretch>
-            </p:blipFill>
-            <p:spPr>
-              <a:xfrm>
-                <a:off x="5831433" y="7117645"/>
-                <a:ext cx="1933325" cy="446407"/>
-              </a:xfrm>
-              <a:prstGeom prst="rect">
-                <a:avLst/>
-              </a:prstGeom>
-              <a:noFill/>
-              <a:ln>
-                <a:noFill/>
-              </a:ln>
-            </p:spPr>
-          </p:pic>
-          <p:pic>
-            <p:nvPicPr>
-              <p:cNvPr id="170" name="Google Shape;170;p16"/>
-              <p:cNvPicPr preferRelativeResize="0"/>
-              <p:nvPr/>
-            </p:nvPicPr>
-            <p:blipFill rotWithShape="1">
-              <a:blip r:embed="rId5">
-                <a:alphaModFix/>
-              </a:blip>
-              <a:srcRect b="23935" l="18913" r="10250" t="28704"/>
-              <a:stretch/>
-            </p:blipFill>
-            <p:spPr>
-              <a:xfrm>
-                <a:off x="8144179" y="7097827"/>
-                <a:ext cx="990224" cy="393901"/>
+                <a:off x="9629932" y="7094781"/>
+                <a:ext cx="494539" cy="430321"/>
               </a:xfrm>
               <a:prstGeom prst="rect">
                 <a:avLst/>
@@ -16119,6 +12570,34 @@
             </p:spPr>
           </p:pic>
         </p:grpSp>
+        <p:pic>
+          <p:nvPicPr>
+            <p:cNvPr id="126" name="Google Shape;126;p6"/>
+            <p:cNvPicPr preferRelativeResize="0"/>
+            <p:nvPr/>
+          </p:nvPicPr>
+          <p:blipFill>
+            <a:blip r:embed="rId4">
+              <a:alphaModFix/>
+            </a:blip>
+            <a:stretch>
+              <a:fillRect/>
+            </a:stretch>
+          </p:blipFill>
+          <p:spPr>
+            <a:xfrm>
+              <a:off x="8553150" y="7165073"/>
+              <a:ext cx="1013800" cy="354000"/>
+            </a:xfrm>
+            <a:prstGeom prst="rect">
+              <a:avLst/>
+            </a:prstGeom>
+            <a:noFill/>
+            <a:ln>
+              <a:noFill/>
+            </a:ln>
+          </p:spPr>
+        </p:pic>
       </p:grpSp>
     </p:spTree>
   </p:cSld>
@@ -16133,7 +12612,7 @@
   <p:cSld>
     <p:spTree>
       <p:nvGrpSpPr>
-        <p:cNvPr id="174" name="Shape 174"/>
+        <p:cNvPr id="130" name="Shape 130"/>
         <p:cNvGrpSpPr/>
         <p:nvPr/>
       </p:nvGrpSpPr>
@@ -16147,7 +12626,7 @@
       </p:grpSpPr>
       <p:sp>
         <p:nvSpPr>
-          <p:cNvPr id="175" name="Google Shape;175;p17"/>
+          <p:cNvPr id="131" name="Google Shape;131;p7"/>
           <p:cNvSpPr txBox="1"/>
           <p:nvPr/>
         </p:nvSpPr>
@@ -16208,7 +12687,7 @@
       </p:sp>
       <p:sp>
         <p:nvSpPr>
-          <p:cNvPr id="176" name="Google Shape;176;p17"/>
+          <p:cNvPr id="132" name="Google Shape;132;p7"/>
           <p:cNvSpPr txBox="1"/>
           <p:nvPr/>
         </p:nvSpPr>
@@ -16324,7 +12803,7 @@
       </p:sp>
       <p:sp>
         <p:nvSpPr>
-          <p:cNvPr id="177" name="Google Shape;177;p17"/>
+          <p:cNvPr id="133" name="Google Shape;133;p7"/>
           <p:cNvSpPr txBox="1"/>
           <p:nvPr>
             <p:ph type="title"/>
@@ -16486,7 +12965,7 @@
       </p:sp>
       <p:sp>
         <p:nvSpPr>
-          <p:cNvPr id="178" name="Google Shape;178;p17"/>
+          <p:cNvPr id="134" name="Google Shape;134;p7"/>
           <p:cNvSpPr txBox="1"/>
           <p:nvPr/>
         </p:nvSpPr>
@@ -16636,7 +13115,7 @@
       </p:sp>
       <p:sp>
         <p:nvSpPr>
-          <p:cNvPr id="179" name="Google Shape;179;p17"/>
+          <p:cNvPr id="135" name="Google Shape;135;p7"/>
           <p:cNvSpPr txBox="1"/>
           <p:nvPr/>
         </p:nvSpPr>
@@ -16758,7 +13237,7 @@
       </p:sp>
       <p:sp>
         <p:nvSpPr>
-          <p:cNvPr id="180" name="Google Shape;180;p17"/>
+          <p:cNvPr id="136" name="Google Shape;136;p7"/>
           <p:cNvSpPr txBox="1"/>
           <p:nvPr/>
         </p:nvSpPr>
@@ -16908,7 +13387,7 @@
       </p:sp>
       <p:sp>
         <p:nvSpPr>
-          <p:cNvPr id="181" name="Google Shape;181;p17"/>
+          <p:cNvPr id="137" name="Google Shape;137;p7"/>
           <p:cNvSpPr txBox="1"/>
           <p:nvPr/>
         </p:nvSpPr>
@@ -17058,7 +13537,7 @@
       </p:sp>
       <p:sp>
         <p:nvSpPr>
-          <p:cNvPr id="182" name="Google Shape;182;p17"/>
+          <p:cNvPr id="138" name="Google Shape;138;p7"/>
           <p:cNvSpPr txBox="1"/>
           <p:nvPr/>
         </p:nvSpPr>
@@ -17208,7 +13687,7 @@
       </p:sp>
       <p:sp>
         <p:nvSpPr>
-          <p:cNvPr id="183" name="Google Shape;183;p17"/>
+          <p:cNvPr id="139" name="Google Shape;139;p7"/>
           <p:cNvSpPr txBox="1"/>
           <p:nvPr/>
         </p:nvSpPr>
@@ -17358,7 +13837,7 @@
       </p:sp>
       <p:sp>
         <p:nvSpPr>
-          <p:cNvPr id="184" name="Google Shape;184;p17"/>
+          <p:cNvPr id="140" name="Google Shape;140;p7"/>
           <p:cNvSpPr txBox="1"/>
           <p:nvPr/>
         </p:nvSpPr>
@@ -17419,7 +13898,7 @@
       </p:sp>
       <p:sp>
         <p:nvSpPr>
-          <p:cNvPr id="185" name="Google Shape;185;p17"/>
+          <p:cNvPr id="141" name="Google Shape;141;p7"/>
           <p:cNvSpPr txBox="1"/>
           <p:nvPr/>
         </p:nvSpPr>
@@ -17545,7 +14024,7 @@
       </p:sp>
       <p:sp>
         <p:nvSpPr>
-          <p:cNvPr id="186" name="Google Shape;186;p17"/>
+          <p:cNvPr id="142" name="Google Shape;142;p7"/>
           <p:cNvSpPr/>
           <p:nvPr/>
         </p:nvSpPr>
@@ -17594,7 +14073,7 @@
       </p:sp>
       <p:sp>
         <p:nvSpPr>
-          <p:cNvPr id="187" name="Google Shape;187;p17"/>
+          <p:cNvPr id="143" name="Google Shape;143;p7"/>
           <p:cNvSpPr txBox="1"/>
           <p:nvPr/>
         </p:nvSpPr>
@@ -17652,7 +14131,7 @@
       </p:sp>
       <p:sp>
         <p:nvSpPr>
-          <p:cNvPr id="188" name="Google Shape;188;p17"/>
+          <p:cNvPr id="144" name="Google Shape;144;p7"/>
           <p:cNvSpPr txBox="1"/>
           <p:nvPr/>
         </p:nvSpPr>
@@ -17710,7 +14189,7 @@
       </p:sp>
       <p:sp>
         <p:nvSpPr>
-          <p:cNvPr id="189" name="Google Shape;189;p17"/>
+          <p:cNvPr id="145" name="Google Shape;145;p7"/>
           <p:cNvSpPr/>
           <p:nvPr/>
         </p:nvSpPr>
@@ -17759,7 +14238,7 @@
       </p:sp>
       <p:sp>
         <p:nvSpPr>
-          <p:cNvPr id="190" name="Google Shape;190;p17"/>
+          <p:cNvPr id="146" name="Google Shape;146;p7"/>
           <p:cNvSpPr txBox="1"/>
           <p:nvPr/>
         </p:nvSpPr>
@@ -17829,7 +14308,7 @@
       </p:sp>
       <p:grpSp>
         <p:nvGrpSpPr>
-          <p:cNvPr id="191" name="Google Shape;191;p17"/>
+          <p:cNvPr id="147" name="Google Shape;147;p7"/>
           <p:cNvGrpSpPr/>
           <p:nvPr/>
         </p:nvGrpSpPr>
@@ -17843,7 +14322,7 @@
         </p:grpSpPr>
         <p:sp>
           <p:nvSpPr>
-            <p:cNvPr id="192" name="Google Shape;192;p17"/>
+            <p:cNvPr id="148" name="Google Shape;148;p7"/>
             <p:cNvSpPr/>
             <p:nvPr/>
           </p:nvSpPr>
@@ -17892,7 +14371,7 @@
         </p:sp>
         <p:sp>
           <p:nvSpPr>
-            <p:cNvPr id="193" name="Google Shape;193;p17"/>
+            <p:cNvPr id="149" name="Google Shape;149;p7"/>
             <p:cNvSpPr/>
             <p:nvPr/>
           </p:nvSpPr>
@@ -17941,7 +14420,7 @@
         </p:sp>
         <p:sp>
           <p:nvSpPr>
-            <p:cNvPr id="194" name="Google Shape;194;p17"/>
+            <p:cNvPr id="150" name="Google Shape;150;p7"/>
             <p:cNvSpPr/>
             <p:nvPr/>
           </p:nvSpPr>
@@ -17990,7 +14469,7 @@
         </p:sp>
         <p:sp>
           <p:nvSpPr>
-            <p:cNvPr id="195" name="Google Shape;195;p17"/>
+            <p:cNvPr id="151" name="Google Shape;151;p7"/>
             <p:cNvSpPr/>
             <p:nvPr/>
           </p:nvSpPr>
@@ -18039,7 +14518,7 @@
         </p:sp>
         <p:sp>
           <p:nvSpPr>
-            <p:cNvPr id="196" name="Google Shape;196;p17"/>
+            <p:cNvPr id="152" name="Google Shape;152;p7"/>
             <p:cNvSpPr/>
             <p:nvPr/>
           </p:nvSpPr>
@@ -18088,7 +14567,7 @@
         </p:sp>
         <p:sp>
           <p:nvSpPr>
-            <p:cNvPr id="197" name="Google Shape;197;p17"/>
+            <p:cNvPr id="153" name="Google Shape;153;p7"/>
             <p:cNvSpPr/>
             <p:nvPr/>
           </p:nvSpPr>
@@ -18137,7 +14616,7 @@
         </p:sp>
         <p:sp>
           <p:nvSpPr>
-            <p:cNvPr id="198" name="Google Shape;198;p17"/>
+            <p:cNvPr id="154" name="Google Shape;154;p7"/>
             <p:cNvSpPr/>
             <p:nvPr/>
           </p:nvSpPr>
@@ -18186,7 +14665,7 @@
         </p:sp>
         <p:sp>
           <p:nvSpPr>
-            <p:cNvPr id="199" name="Google Shape;199;p17"/>
+            <p:cNvPr id="155" name="Google Shape;155;p7"/>
             <p:cNvSpPr/>
             <p:nvPr/>
           </p:nvSpPr>
@@ -18235,7 +14714,7 @@
         </p:sp>
         <p:sp>
           <p:nvSpPr>
-            <p:cNvPr id="200" name="Google Shape;200;p17"/>
+            <p:cNvPr id="156" name="Google Shape;156;p7"/>
             <p:cNvSpPr/>
             <p:nvPr/>
           </p:nvSpPr>
@@ -18284,7 +14763,7 @@
         </p:sp>
         <p:sp>
           <p:nvSpPr>
-            <p:cNvPr id="201" name="Google Shape;201;p17"/>
+            <p:cNvPr id="157" name="Google Shape;157;p7"/>
             <p:cNvSpPr/>
             <p:nvPr/>
           </p:nvSpPr>
@@ -18333,7 +14812,7 @@
         </p:sp>
         <p:sp>
           <p:nvSpPr>
-            <p:cNvPr id="202" name="Google Shape;202;p17"/>
+            <p:cNvPr id="158" name="Google Shape;158;p7"/>
             <p:cNvSpPr/>
             <p:nvPr/>
           </p:nvSpPr>
@@ -18382,7 +14861,7 @@
         </p:sp>
         <p:sp>
           <p:nvSpPr>
-            <p:cNvPr id="203" name="Google Shape;203;p17"/>
+            <p:cNvPr id="159" name="Google Shape;159;p7"/>
             <p:cNvSpPr/>
             <p:nvPr/>
           </p:nvSpPr>
@@ -18431,7 +14910,7 @@
         </p:sp>
         <p:sp>
           <p:nvSpPr>
-            <p:cNvPr id="204" name="Google Shape;204;p17"/>
+            <p:cNvPr id="160" name="Google Shape;160;p7"/>
             <p:cNvSpPr/>
             <p:nvPr/>
           </p:nvSpPr>
@@ -18480,7 +14959,7 @@
         </p:sp>
         <p:sp>
           <p:nvSpPr>
-            <p:cNvPr id="205" name="Google Shape;205;p17"/>
+            <p:cNvPr id="161" name="Google Shape;161;p7"/>
             <p:cNvSpPr/>
             <p:nvPr/>
           </p:nvSpPr>
@@ -18529,7 +15008,7 @@
         </p:sp>
         <p:sp>
           <p:nvSpPr>
-            <p:cNvPr id="206" name="Google Shape;206;p17"/>
+            <p:cNvPr id="162" name="Google Shape;162;p7"/>
             <p:cNvSpPr/>
             <p:nvPr/>
           </p:nvSpPr>
@@ -18578,7 +15057,7 @@
         </p:sp>
         <p:sp>
           <p:nvSpPr>
-            <p:cNvPr id="207" name="Google Shape;207;p17"/>
+            <p:cNvPr id="163" name="Google Shape;163;p7"/>
             <p:cNvSpPr/>
             <p:nvPr/>
           </p:nvSpPr>
@@ -18627,7 +15106,7 @@
         </p:sp>
         <p:sp>
           <p:nvSpPr>
-            <p:cNvPr id="208" name="Google Shape;208;p17"/>
+            <p:cNvPr id="164" name="Google Shape;164;p7"/>
             <p:cNvSpPr/>
             <p:nvPr/>
           </p:nvSpPr>
@@ -18676,7 +15155,7 @@
         </p:sp>
         <p:sp>
           <p:nvSpPr>
-            <p:cNvPr id="209" name="Google Shape;209;p17"/>
+            <p:cNvPr id="165" name="Google Shape;165;p7"/>
             <p:cNvSpPr/>
             <p:nvPr/>
           </p:nvSpPr>
@@ -18725,7 +15204,7 @@
         </p:sp>
         <p:sp>
           <p:nvSpPr>
-            <p:cNvPr id="210" name="Google Shape;210;p17"/>
+            <p:cNvPr id="166" name="Google Shape;166;p7"/>
             <p:cNvSpPr/>
             <p:nvPr/>
           </p:nvSpPr>
@@ -18774,7 +15253,7 @@
         </p:sp>
         <p:sp>
           <p:nvSpPr>
-            <p:cNvPr id="211" name="Google Shape;211;p17"/>
+            <p:cNvPr id="167" name="Google Shape;167;p7"/>
             <p:cNvSpPr/>
             <p:nvPr/>
           </p:nvSpPr>
@@ -18823,7 +15302,7 @@
         </p:sp>
         <p:sp>
           <p:nvSpPr>
-            <p:cNvPr id="212" name="Google Shape;212;p17"/>
+            <p:cNvPr id="168" name="Google Shape;168;p7"/>
             <p:cNvSpPr/>
             <p:nvPr/>
           </p:nvSpPr>
@@ -18873,7 +15352,7 @@
       </p:grpSp>
       <p:grpSp>
         <p:nvGrpSpPr>
-          <p:cNvPr id="213" name="Google Shape;213;p17"/>
+          <p:cNvPr id="169" name="Google Shape;169;p7"/>
           <p:cNvGrpSpPr/>
           <p:nvPr/>
         </p:nvGrpSpPr>
@@ -18885,163 +15364,176 @@
             <a:chExt cx="10692000" cy="465069"/>
           </a:xfrm>
         </p:grpSpPr>
-        <p:sp>
-          <p:nvSpPr>
-            <p:cNvPr id="214" name="Google Shape;214;p17"/>
-            <p:cNvSpPr/>
+        <p:grpSp>
+          <p:nvGrpSpPr>
+            <p:cNvPr id="170" name="Google Shape;170;p7"/>
+            <p:cNvGrpSpPr/>
             <p:nvPr/>
-          </p:nvSpPr>
-          <p:spPr>
+          </p:nvGrpSpPr>
+          <p:grpSpPr>
             <a:xfrm>
-              <a:off x="0" y="7094850"/>
-              <a:ext cx="10692000" cy="465000"/>
+              <a:off x="0" y="7094781"/>
+              <a:ext cx="10692000" cy="465069"/>
+              <a:chOff x="0" y="7094781"/>
+              <a:chExt cx="10692000" cy="465069"/>
             </a:xfrm>
-            <a:prstGeom prst="rect">
-              <a:avLst/>
-            </a:prstGeom>
-            <a:solidFill>
-              <a:srgbClr val="FFFFFF"/>
-            </a:solidFill>
-            <a:ln>
+          </p:grpSpPr>
+          <p:sp>
+            <p:nvSpPr>
+              <p:cNvPr id="171" name="Google Shape;171;p7"/>
+              <p:cNvSpPr/>
+              <p:nvPr/>
+            </p:nvSpPr>
+            <p:spPr>
+              <a:xfrm>
+                <a:off x="0" y="7094850"/>
+                <a:ext cx="10692000" cy="465000"/>
+              </a:xfrm>
+              <a:prstGeom prst="rect">
+                <a:avLst/>
+              </a:prstGeom>
+              <a:solidFill>
+                <a:srgbClr val="FFFFFF"/>
+              </a:solidFill>
+              <a:ln>
+                <a:noFill/>
+              </a:ln>
+            </p:spPr>
+            <p:txBody>
+              <a:bodyPr anchorCtr="0" anchor="ctr" bIns="91425" lIns="91425" spcFirstLastPara="1" rIns="91425" wrap="square" tIns="91425">
+                <a:noAutofit/>
+              </a:bodyPr>
+              <a:lstStyle/>
+              <a:p>
+                <a:pPr indent="0" lvl="0" marL="0" rtl="0" algn="l">
+                  <a:spcBef>
+                    <a:spcPts val="0"/>
+                  </a:spcBef>
+                  <a:spcAft>
+                    <a:spcPts val="0"/>
+                  </a:spcAft>
+                  <a:buNone/>
+                </a:pPr>
+                <a:r>
+                  <a:t/>
+                </a:r>
+                <a:endParaRPr/>
+              </a:p>
+            </p:txBody>
+          </p:sp>
+          <p:sp>
+            <p:nvSpPr>
+              <p:cNvPr id="172" name="Google Shape;172;p7"/>
+              <p:cNvSpPr txBox="1"/>
+              <p:nvPr/>
+            </p:nvSpPr>
+            <p:spPr>
+              <a:xfrm>
+                <a:off x="514889" y="7198197"/>
+                <a:ext cx="4216500" cy="266400"/>
+              </a:xfrm>
+              <a:prstGeom prst="rect">
+                <a:avLst/>
+              </a:prstGeom>
               <a:noFill/>
-            </a:ln>
-          </p:spPr>
-          <p:txBody>
-            <a:bodyPr anchorCtr="0" anchor="ctr" bIns="91425" lIns="91425" spcFirstLastPara="1" rIns="91425" wrap="square" tIns="91425">
-              <a:noAutofit/>
-            </a:bodyPr>
-            <a:lstStyle/>
-            <a:p>
-              <a:pPr indent="0" lvl="0" marL="0" rtl="0" algn="l">
-                <a:spcBef>
-                  <a:spcPts val="0"/>
-                </a:spcBef>
-                <a:spcAft>
-                  <a:spcPts val="0"/>
-                </a:spcAft>
-                <a:buNone/>
-              </a:pPr>
-              <a:r>
-                <a:t/>
-              </a:r>
-              <a:endParaRPr/>
-            </a:p>
-          </p:txBody>
-        </p:sp>
-        <p:sp>
-          <p:nvSpPr>
-            <p:cNvPr id="215" name="Google Shape;215;p17"/>
-            <p:cNvSpPr txBox="1"/>
-            <p:nvPr/>
-          </p:nvSpPr>
-          <p:spPr>
-            <a:xfrm>
-              <a:off x="514889" y="7198197"/>
-              <a:ext cx="4216500" cy="266400"/>
-            </a:xfrm>
-            <a:prstGeom prst="rect">
-              <a:avLst/>
-            </a:prstGeom>
-            <a:noFill/>
-            <a:ln>
-              <a:noFill/>
-            </a:ln>
-          </p:spPr>
-          <p:txBody>
-            <a:bodyPr anchorCtr="0" anchor="b" bIns="92475" lIns="92475" spcFirstLastPara="1" rIns="92475" wrap="square" tIns="92475">
-              <a:noAutofit/>
-            </a:bodyPr>
-            <a:lstStyle/>
-            <a:p>
-              <a:pPr indent="0" lvl="0" marL="0" rtl="0" algn="l">
-                <a:spcBef>
-                  <a:spcPts val="0"/>
-                </a:spcBef>
-                <a:spcAft>
-                  <a:spcPts val="0"/>
-                </a:spcAft>
-                <a:buNone/>
-              </a:pPr>
-              <a:r>
-                <a:t/>
-              </a:r>
-              <a:endParaRPr b="1" sz="600">
-                <a:solidFill>
-                  <a:srgbClr val="000000"/>
-                </a:solidFill>
-                <a:latin typeface="IBM Plex Sans"/>
-                <a:ea typeface="IBM Plex Sans"/>
-                <a:cs typeface="IBM Plex Sans"/>
-                <a:sym typeface="IBM Plex Sans"/>
-              </a:endParaRPr>
-            </a:p>
-            <a:p>
-              <a:pPr indent="0" lvl="0" marL="0" rtl="0" algn="l">
-                <a:spcBef>
-                  <a:spcPts val="0"/>
-                </a:spcBef>
-                <a:spcAft>
-                  <a:spcPts val="0"/>
-                </a:spcAft>
-                <a:buNone/>
-              </a:pPr>
-              <a:r>
-                <a:t/>
-              </a:r>
-              <a:endParaRPr b="1" sz="600">
-                <a:solidFill>
-                  <a:srgbClr val="000000"/>
-                </a:solidFill>
-                <a:latin typeface="IBM Plex Sans"/>
-                <a:ea typeface="IBM Plex Sans"/>
-                <a:cs typeface="IBM Plex Sans"/>
-                <a:sym typeface="IBM Plex Sans"/>
-              </a:endParaRPr>
-            </a:p>
-            <a:p>
-              <a:pPr indent="0" lvl="0" marL="0" rtl="0" algn="l">
-                <a:spcBef>
-                  <a:spcPts val="0"/>
-                </a:spcBef>
-                <a:spcAft>
-                  <a:spcPts val="0"/>
-                </a:spcAft>
-                <a:buNone/>
-              </a:pPr>
-              <a:r>
-                <a:t/>
-              </a:r>
-              <a:endParaRPr b="1" sz="600">
-                <a:solidFill>
-                  <a:srgbClr val="000000"/>
-                </a:solidFill>
-                <a:latin typeface="IBM Plex Sans"/>
-                <a:ea typeface="IBM Plex Sans"/>
-                <a:cs typeface="IBM Plex Sans"/>
-                <a:sym typeface="IBM Plex Sans"/>
-              </a:endParaRPr>
-            </a:p>
-            <a:p>
-              <a:pPr indent="0" lvl="0" marL="0" rtl="0" algn="l">
-                <a:spcBef>
-                  <a:spcPts val="0"/>
-                </a:spcBef>
-                <a:spcAft>
-                  <a:spcPts val="0"/>
-                </a:spcAft>
-                <a:buNone/>
-              </a:pPr>
-              <a:r>
-                <a:rPr b="1" lang="en" sz="600">
+              <a:ln>
+                <a:noFill/>
+              </a:ln>
+            </p:spPr>
+            <p:txBody>
+              <a:bodyPr anchorCtr="0" anchor="b" bIns="92475" lIns="92475" spcFirstLastPara="1" rIns="92475" wrap="square" tIns="92475">
+                <a:noAutofit/>
+              </a:bodyPr>
+              <a:lstStyle/>
+              <a:p>
+                <a:pPr indent="0" lvl="0" marL="0" rtl="0" algn="l">
+                  <a:spcBef>
+                    <a:spcPts val="0"/>
+                  </a:spcBef>
+                  <a:spcAft>
+                    <a:spcPts val="0"/>
+                  </a:spcAft>
+                  <a:buNone/>
+                </a:pPr>
+                <a:r>
+                  <a:t/>
+                </a:r>
+                <a:endParaRPr b="1" sz="600">
+                  <a:solidFill>
+                    <a:srgbClr val="000000"/>
+                  </a:solidFill>
                   <a:latin typeface="IBM Plex Sans"/>
                   <a:ea typeface="IBM Plex Sans"/>
                   <a:cs typeface="IBM Plex Sans"/>
                   <a:sym typeface="IBM Plex Sans"/>
-                </a:rPr>
-                <a:t>FINANCIAL INNOVATION LAB</a:t>
-              </a:r>
-              <a:r>
-                <a:rPr b="1" lang="en" sz="600">
+                </a:endParaRPr>
+              </a:p>
+              <a:p>
+                <a:pPr indent="0" lvl="0" marL="0" rtl="0" algn="l">
+                  <a:spcBef>
+                    <a:spcPts val="0"/>
+                  </a:spcBef>
+                  <a:spcAft>
+                    <a:spcPts val="0"/>
+                  </a:spcAft>
+                  <a:buNone/>
+                </a:pPr>
+                <a:r>
+                  <a:t/>
+                </a:r>
+                <a:endParaRPr b="1" sz="600">
+                  <a:solidFill>
+                    <a:srgbClr val="000000"/>
+                  </a:solidFill>
+                  <a:latin typeface="IBM Plex Sans"/>
+                  <a:ea typeface="IBM Plex Sans"/>
+                  <a:cs typeface="IBM Plex Sans"/>
+                  <a:sym typeface="IBM Plex Sans"/>
+                </a:endParaRPr>
+              </a:p>
+              <a:p>
+                <a:pPr indent="0" lvl="0" marL="0" rtl="0" algn="l">
+                  <a:spcBef>
+                    <a:spcPts val="0"/>
+                  </a:spcBef>
+                  <a:spcAft>
+                    <a:spcPts val="0"/>
+                  </a:spcAft>
+                  <a:buNone/>
+                </a:pPr>
+                <a:r>
+                  <a:t/>
+                </a:r>
+                <a:endParaRPr b="1" sz="600">
+                  <a:solidFill>
+                    <a:srgbClr val="000000"/>
+                  </a:solidFill>
+                  <a:latin typeface="IBM Plex Sans"/>
+                  <a:ea typeface="IBM Plex Sans"/>
+                  <a:cs typeface="IBM Plex Sans"/>
+                  <a:sym typeface="IBM Plex Sans"/>
+                </a:endParaRPr>
+              </a:p>
+              <a:p>
+                <a:pPr indent="0" lvl="0" marL="0" rtl="0" algn="l">
+                  <a:spcBef>
+                    <a:spcPts val="0"/>
+                  </a:spcBef>
+                  <a:spcAft>
+                    <a:spcPts val="0"/>
+                  </a:spcAft>
+                  <a:buNone/>
+                </a:pPr>
+                <a:r>
+                  <a:rPr b="1" lang="en" sz="600">
+                    <a:latin typeface="IBM Plex Sans"/>
+                    <a:ea typeface="IBM Plex Sans"/>
+                    <a:cs typeface="IBM Plex Sans"/>
+                    <a:sym typeface="IBM Plex Sans"/>
+                  </a:rPr>
+                  <a:t>THE FINLAB TOOLKIT</a:t>
+                </a:r>
+                <a:endParaRPr b="1" sz="600">
                   <a:solidFill>
                     <a:srgbClr val="3C78D8"/>
                   </a:solidFill>
@@ -19049,38 +15541,13 @@
                   <a:ea typeface="IBM Plex Sans"/>
                   <a:cs typeface="IBM Plex Sans"/>
                   <a:sym typeface="IBM Plex Sans"/>
-                </a:rPr>
-                <a:t> | BOOTCAMP ONE </a:t>
-              </a:r>
-              <a:endParaRPr b="1" sz="600">
-                <a:solidFill>
-                  <a:srgbClr val="3C78D8"/>
-                </a:solidFill>
-                <a:latin typeface="IBM Plex Sans"/>
-                <a:ea typeface="IBM Plex Sans"/>
-                <a:cs typeface="IBM Plex Sans"/>
-                <a:sym typeface="IBM Plex Sans"/>
-              </a:endParaRPr>
-            </a:p>
-          </p:txBody>
-        </p:sp>
-        <p:grpSp>
-          <p:nvGrpSpPr>
-            <p:cNvPr id="216" name="Google Shape;216;p17"/>
-            <p:cNvGrpSpPr/>
-            <p:nvPr/>
-          </p:nvGrpSpPr>
-          <p:grpSpPr>
-            <a:xfrm>
-              <a:off x="7712143" y="7094781"/>
-              <a:ext cx="2412328" cy="430321"/>
-              <a:chOff x="5831433" y="6857683"/>
-              <a:chExt cx="4631966" cy="815774"/>
-            </a:xfrm>
-          </p:grpSpPr>
+                </a:endParaRPr>
+              </a:p>
+            </p:txBody>
+          </p:sp>
           <p:pic>
             <p:nvPicPr>
-              <p:cNvPr id="217" name="Google Shape;217;p17"/>
+              <p:cNvPr id="173" name="Google Shape;173;p7"/>
               <p:cNvPicPr preferRelativeResize="0"/>
               <p:nvPr/>
             </p:nvPicPr>
@@ -19094,63 +15561,8 @@
             </p:blipFill>
             <p:spPr>
               <a:xfrm>
-                <a:off x="9513825" y="6857683"/>
-                <a:ext cx="949574" cy="815774"/>
-              </a:xfrm>
-              <a:prstGeom prst="rect">
-                <a:avLst/>
-              </a:prstGeom>
-              <a:noFill/>
-              <a:ln>
-                <a:noFill/>
-              </a:ln>
-            </p:spPr>
-          </p:pic>
-          <p:pic>
-            <p:nvPicPr>
-              <p:cNvPr id="218" name="Google Shape;218;p17"/>
-              <p:cNvPicPr preferRelativeResize="0"/>
-              <p:nvPr/>
-            </p:nvPicPr>
-            <p:blipFill>
-              <a:blip r:embed="rId4">
-                <a:alphaModFix/>
-              </a:blip>
-              <a:stretch>
-                <a:fillRect/>
-              </a:stretch>
-            </p:blipFill>
-            <p:spPr>
-              <a:xfrm>
-                <a:off x="5831433" y="7117645"/>
-                <a:ext cx="1933325" cy="446407"/>
-              </a:xfrm>
-              <a:prstGeom prst="rect">
-                <a:avLst/>
-              </a:prstGeom>
-              <a:noFill/>
-              <a:ln>
-                <a:noFill/>
-              </a:ln>
-            </p:spPr>
-          </p:pic>
-          <p:pic>
-            <p:nvPicPr>
-              <p:cNvPr id="219" name="Google Shape;219;p17"/>
-              <p:cNvPicPr preferRelativeResize="0"/>
-              <p:nvPr/>
-            </p:nvPicPr>
-            <p:blipFill rotWithShape="1">
-              <a:blip r:embed="rId5">
-                <a:alphaModFix/>
-              </a:blip>
-              <a:srcRect b="23935" l="18913" r="10250" t="28704"/>
-              <a:stretch/>
-            </p:blipFill>
-            <p:spPr>
-              <a:xfrm>
-                <a:off x="8144179" y="7097827"/>
-                <a:ext cx="990224" cy="393901"/>
+                <a:off x="9629932" y="7094781"/>
+                <a:ext cx="494539" cy="430321"/>
               </a:xfrm>
               <a:prstGeom prst="rect">
                 <a:avLst/>
@@ -19162,6 +15574,34 @@
             </p:spPr>
           </p:pic>
         </p:grpSp>
+        <p:pic>
+          <p:nvPicPr>
+            <p:cNvPr id="174" name="Google Shape;174;p7"/>
+            <p:cNvPicPr preferRelativeResize="0"/>
+            <p:nvPr/>
+          </p:nvPicPr>
+          <p:blipFill>
+            <a:blip r:embed="rId4">
+              <a:alphaModFix/>
+            </a:blip>
+            <a:stretch>
+              <a:fillRect/>
+            </a:stretch>
+          </p:blipFill>
+          <p:spPr>
+            <a:xfrm>
+              <a:off x="8553150" y="7165073"/>
+              <a:ext cx="1013800" cy="354000"/>
+            </a:xfrm>
+            <a:prstGeom prst="rect">
+              <a:avLst/>
+            </a:prstGeom>
+            <a:noFill/>
+            <a:ln>
+              <a:noFill/>
+            </a:ln>
+          </p:spPr>
+        </p:pic>
       </p:grpSp>
     </p:spTree>
   </p:cSld>
@@ -19176,7 +15616,7 @@
   <p:cSld>
     <p:spTree>
       <p:nvGrpSpPr>
-        <p:cNvPr id="223" name="Shape 223"/>
+        <p:cNvPr id="178" name="Shape 178"/>
         <p:cNvGrpSpPr/>
         <p:nvPr/>
       </p:nvGrpSpPr>
@@ -19190,7 +15630,7 @@
       </p:grpSpPr>
       <p:sp>
         <p:nvSpPr>
-          <p:cNvPr id="224" name="Google Shape;224;p18"/>
+          <p:cNvPr id="179" name="Google Shape;179;p8"/>
           <p:cNvSpPr txBox="1"/>
           <p:nvPr>
             <p:ph type="title"/>
@@ -19350,306 +15790,14 @@
           </a:p>
         </p:txBody>
       </p:sp>
-      <p:grpSp>
-        <p:nvGrpSpPr>
-          <p:cNvPr id="225" name="Google Shape;225;p18"/>
-          <p:cNvGrpSpPr/>
-          <p:nvPr/>
-        </p:nvGrpSpPr>
-        <p:grpSpPr>
-          <a:xfrm>
-            <a:off x="0" y="7094781"/>
-            <a:ext cx="10692000" cy="465069"/>
-            <a:chOff x="0" y="7094781"/>
-            <a:chExt cx="10692000" cy="465069"/>
-          </a:xfrm>
-        </p:grpSpPr>
-        <p:sp>
-          <p:nvSpPr>
-            <p:cNvPr id="226" name="Google Shape;226;p18"/>
-            <p:cNvSpPr/>
-            <p:nvPr/>
-          </p:nvSpPr>
-          <p:spPr>
-            <a:xfrm>
-              <a:off x="0" y="7094850"/>
-              <a:ext cx="10692000" cy="465000"/>
-            </a:xfrm>
-            <a:prstGeom prst="rect">
-              <a:avLst/>
-            </a:prstGeom>
-            <a:solidFill>
-              <a:srgbClr val="FFFFFF"/>
-            </a:solidFill>
-            <a:ln>
-              <a:noFill/>
-            </a:ln>
-          </p:spPr>
-          <p:txBody>
-            <a:bodyPr anchorCtr="0" anchor="ctr" bIns="91425" lIns="91425" spcFirstLastPara="1" rIns="91425" wrap="square" tIns="91425">
-              <a:noAutofit/>
-            </a:bodyPr>
-            <a:lstStyle/>
-            <a:p>
-              <a:pPr indent="0" lvl="0" marL="0" rtl="0" algn="l">
-                <a:spcBef>
-                  <a:spcPts val="0"/>
-                </a:spcBef>
-                <a:spcAft>
-                  <a:spcPts val="0"/>
-                </a:spcAft>
-                <a:buNone/>
-              </a:pPr>
-              <a:r>
-                <a:t/>
-              </a:r>
-              <a:endParaRPr/>
-            </a:p>
-          </p:txBody>
-        </p:sp>
-        <p:sp>
-          <p:nvSpPr>
-            <p:cNvPr id="227" name="Google Shape;227;p18"/>
-            <p:cNvSpPr txBox="1"/>
-            <p:nvPr/>
-          </p:nvSpPr>
-          <p:spPr>
-            <a:xfrm>
-              <a:off x="514889" y="7198197"/>
-              <a:ext cx="4216500" cy="266400"/>
-            </a:xfrm>
-            <a:prstGeom prst="rect">
-              <a:avLst/>
-            </a:prstGeom>
-            <a:noFill/>
-            <a:ln>
-              <a:noFill/>
-            </a:ln>
-          </p:spPr>
-          <p:txBody>
-            <a:bodyPr anchorCtr="0" anchor="b" bIns="92475" lIns="92475" spcFirstLastPara="1" rIns="92475" wrap="square" tIns="92475">
-              <a:noAutofit/>
-            </a:bodyPr>
-            <a:lstStyle/>
-            <a:p>
-              <a:pPr indent="0" lvl="0" marL="0" rtl="0" algn="l">
-                <a:spcBef>
-                  <a:spcPts val="0"/>
-                </a:spcBef>
-                <a:spcAft>
-                  <a:spcPts val="0"/>
-                </a:spcAft>
-                <a:buNone/>
-              </a:pPr>
-              <a:r>
-                <a:t/>
-              </a:r>
-              <a:endParaRPr b="1" sz="600">
-                <a:solidFill>
-                  <a:srgbClr val="000000"/>
-                </a:solidFill>
-                <a:latin typeface="IBM Plex Sans"/>
-                <a:ea typeface="IBM Plex Sans"/>
-                <a:cs typeface="IBM Plex Sans"/>
-                <a:sym typeface="IBM Plex Sans"/>
-              </a:endParaRPr>
-            </a:p>
-            <a:p>
-              <a:pPr indent="0" lvl="0" marL="0" rtl="0" algn="l">
-                <a:spcBef>
-                  <a:spcPts val="0"/>
-                </a:spcBef>
-                <a:spcAft>
-                  <a:spcPts val="0"/>
-                </a:spcAft>
-                <a:buNone/>
-              </a:pPr>
-              <a:r>
-                <a:t/>
-              </a:r>
-              <a:endParaRPr b="1" sz="600">
-                <a:solidFill>
-                  <a:srgbClr val="000000"/>
-                </a:solidFill>
-                <a:latin typeface="IBM Plex Sans"/>
-                <a:ea typeface="IBM Plex Sans"/>
-                <a:cs typeface="IBM Plex Sans"/>
-                <a:sym typeface="IBM Plex Sans"/>
-              </a:endParaRPr>
-            </a:p>
-            <a:p>
-              <a:pPr indent="0" lvl="0" marL="0" rtl="0" algn="l">
-                <a:spcBef>
-                  <a:spcPts val="0"/>
-                </a:spcBef>
-                <a:spcAft>
-                  <a:spcPts val="0"/>
-                </a:spcAft>
-                <a:buNone/>
-              </a:pPr>
-              <a:r>
-                <a:t/>
-              </a:r>
-              <a:endParaRPr b="1" sz="600">
-                <a:solidFill>
-                  <a:srgbClr val="000000"/>
-                </a:solidFill>
-                <a:latin typeface="IBM Plex Sans"/>
-                <a:ea typeface="IBM Plex Sans"/>
-                <a:cs typeface="IBM Plex Sans"/>
-                <a:sym typeface="IBM Plex Sans"/>
-              </a:endParaRPr>
-            </a:p>
-            <a:p>
-              <a:pPr indent="0" lvl="0" marL="0" rtl="0" algn="l">
-                <a:spcBef>
-                  <a:spcPts val="0"/>
-                </a:spcBef>
-                <a:spcAft>
-                  <a:spcPts val="0"/>
-                </a:spcAft>
-                <a:buNone/>
-              </a:pPr>
-              <a:r>
-                <a:rPr b="1" lang="en" sz="600">
-                  <a:latin typeface="IBM Plex Sans"/>
-                  <a:ea typeface="IBM Plex Sans"/>
-                  <a:cs typeface="IBM Plex Sans"/>
-                  <a:sym typeface="IBM Plex Sans"/>
-                </a:rPr>
-                <a:t>FINANCIAL INNOVATION LAB</a:t>
-              </a:r>
-              <a:r>
-                <a:rPr b="1" lang="en" sz="600">
-                  <a:solidFill>
-                    <a:srgbClr val="3C78D8"/>
-                  </a:solidFill>
-                  <a:latin typeface="IBM Plex Sans"/>
-                  <a:ea typeface="IBM Plex Sans"/>
-                  <a:cs typeface="IBM Plex Sans"/>
-                  <a:sym typeface="IBM Plex Sans"/>
-                </a:rPr>
-                <a:t> | BOOTCAMP ONE </a:t>
-              </a:r>
-              <a:endParaRPr b="1" sz="600">
-                <a:solidFill>
-                  <a:srgbClr val="3C78D8"/>
-                </a:solidFill>
-                <a:latin typeface="IBM Plex Sans"/>
-                <a:ea typeface="IBM Plex Sans"/>
-                <a:cs typeface="IBM Plex Sans"/>
-                <a:sym typeface="IBM Plex Sans"/>
-              </a:endParaRPr>
-            </a:p>
-          </p:txBody>
-        </p:sp>
-        <p:grpSp>
-          <p:nvGrpSpPr>
-            <p:cNvPr id="228" name="Google Shape;228;p18"/>
-            <p:cNvGrpSpPr/>
-            <p:nvPr/>
-          </p:nvGrpSpPr>
-          <p:grpSpPr>
-            <a:xfrm>
-              <a:off x="7712143" y="7094781"/>
-              <a:ext cx="2412328" cy="430321"/>
-              <a:chOff x="5831433" y="6857683"/>
-              <a:chExt cx="4631966" cy="815774"/>
-            </a:xfrm>
-          </p:grpSpPr>
-          <p:pic>
-            <p:nvPicPr>
-              <p:cNvPr id="229" name="Google Shape;229;p18"/>
-              <p:cNvPicPr preferRelativeResize="0"/>
-              <p:nvPr/>
-            </p:nvPicPr>
-            <p:blipFill>
-              <a:blip r:embed="rId3">
-                <a:alphaModFix/>
-              </a:blip>
-              <a:stretch>
-                <a:fillRect/>
-              </a:stretch>
-            </p:blipFill>
-            <p:spPr>
-              <a:xfrm>
-                <a:off x="9513825" y="6857683"/>
-                <a:ext cx="949574" cy="815774"/>
-              </a:xfrm>
-              <a:prstGeom prst="rect">
-                <a:avLst/>
-              </a:prstGeom>
-              <a:noFill/>
-              <a:ln>
-                <a:noFill/>
-              </a:ln>
-            </p:spPr>
-          </p:pic>
-          <p:pic>
-            <p:nvPicPr>
-              <p:cNvPr id="230" name="Google Shape;230;p18"/>
-              <p:cNvPicPr preferRelativeResize="0"/>
-              <p:nvPr/>
-            </p:nvPicPr>
-            <p:blipFill>
-              <a:blip r:embed="rId4">
-                <a:alphaModFix/>
-              </a:blip>
-              <a:stretch>
-                <a:fillRect/>
-              </a:stretch>
-            </p:blipFill>
-            <p:spPr>
-              <a:xfrm>
-                <a:off x="5831433" y="7117645"/>
-                <a:ext cx="1933325" cy="446407"/>
-              </a:xfrm>
-              <a:prstGeom prst="rect">
-                <a:avLst/>
-              </a:prstGeom>
-              <a:noFill/>
-              <a:ln>
-                <a:noFill/>
-              </a:ln>
-            </p:spPr>
-          </p:pic>
-          <p:pic>
-            <p:nvPicPr>
-              <p:cNvPr id="231" name="Google Shape;231;p18"/>
-              <p:cNvPicPr preferRelativeResize="0"/>
-              <p:nvPr/>
-            </p:nvPicPr>
-            <p:blipFill rotWithShape="1">
-              <a:blip r:embed="rId5">
-                <a:alphaModFix/>
-              </a:blip>
-              <a:srcRect b="23935" l="18913" r="10250" t="28704"/>
-              <a:stretch/>
-            </p:blipFill>
-            <p:spPr>
-              <a:xfrm>
-                <a:off x="8144179" y="7097827"/>
-                <a:ext cx="990224" cy="393901"/>
-              </a:xfrm>
-              <a:prstGeom prst="rect">
-                <a:avLst/>
-              </a:prstGeom>
-              <a:noFill/>
-              <a:ln>
-                <a:noFill/>
-              </a:ln>
-            </p:spPr>
-          </p:pic>
-        </p:grpSp>
-      </p:grpSp>
       <p:pic>
         <p:nvPicPr>
-          <p:cNvPr id="232" name="Google Shape;232;p18"/>
+          <p:cNvPr id="180" name="Google Shape;180;p8"/>
           <p:cNvPicPr preferRelativeResize="0"/>
           <p:nvPr/>
         </p:nvPicPr>
         <p:blipFill rotWithShape="1">
-          <a:blip r:embed="rId6">
+          <a:blip r:embed="rId3">
             <a:alphaModFix/>
           </a:blip>
           <a:srcRect b="0" l="-2290" r="2289" t="0"/>
@@ -19671,12 +15819,12 @@
       </p:pic>
       <p:pic>
         <p:nvPicPr>
-          <p:cNvPr id="233" name="Google Shape;233;p18"/>
+          <p:cNvPr id="181" name="Google Shape;181;p8"/>
           <p:cNvPicPr preferRelativeResize="0"/>
           <p:nvPr/>
         </p:nvPicPr>
         <p:blipFill rotWithShape="1">
-          <a:blip r:embed="rId7">
+          <a:blip r:embed="rId4">
             <a:alphaModFix/>
           </a:blip>
           <a:srcRect b="0" l="1980" r="0" t="0"/>
@@ -19696,6 +15844,259 @@
           </a:ln>
         </p:spPr>
       </p:pic>
+      <p:grpSp>
+        <p:nvGrpSpPr>
+          <p:cNvPr id="182" name="Google Shape;182;p8"/>
+          <p:cNvGrpSpPr/>
+          <p:nvPr/>
+        </p:nvGrpSpPr>
+        <p:grpSpPr>
+          <a:xfrm>
+            <a:off x="0" y="7094781"/>
+            <a:ext cx="10692000" cy="465069"/>
+            <a:chOff x="0" y="7094781"/>
+            <a:chExt cx="10692000" cy="465069"/>
+          </a:xfrm>
+        </p:grpSpPr>
+        <p:grpSp>
+          <p:nvGrpSpPr>
+            <p:cNvPr id="183" name="Google Shape;183;p8"/>
+            <p:cNvGrpSpPr/>
+            <p:nvPr/>
+          </p:nvGrpSpPr>
+          <p:grpSpPr>
+            <a:xfrm>
+              <a:off x="0" y="7094781"/>
+              <a:ext cx="10692000" cy="465069"/>
+              <a:chOff x="0" y="7094781"/>
+              <a:chExt cx="10692000" cy="465069"/>
+            </a:xfrm>
+          </p:grpSpPr>
+          <p:sp>
+            <p:nvSpPr>
+              <p:cNvPr id="184" name="Google Shape;184;p8"/>
+              <p:cNvSpPr/>
+              <p:nvPr/>
+            </p:nvSpPr>
+            <p:spPr>
+              <a:xfrm>
+                <a:off x="0" y="7094850"/>
+                <a:ext cx="10692000" cy="465000"/>
+              </a:xfrm>
+              <a:prstGeom prst="rect">
+                <a:avLst/>
+              </a:prstGeom>
+              <a:solidFill>
+                <a:srgbClr val="FFFFFF"/>
+              </a:solidFill>
+              <a:ln>
+                <a:noFill/>
+              </a:ln>
+            </p:spPr>
+            <p:txBody>
+              <a:bodyPr anchorCtr="0" anchor="ctr" bIns="91425" lIns="91425" spcFirstLastPara="1" rIns="91425" wrap="square" tIns="91425">
+                <a:noAutofit/>
+              </a:bodyPr>
+              <a:lstStyle/>
+              <a:p>
+                <a:pPr indent="0" lvl="0" marL="0" rtl="0" algn="l">
+                  <a:spcBef>
+                    <a:spcPts val="0"/>
+                  </a:spcBef>
+                  <a:spcAft>
+                    <a:spcPts val="0"/>
+                  </a:spcAft>
+                  <a:buNone/>
+                </a:pPr>
+                <a:r>
+                  <a:t/>
+                </a:r>
+                <a:endParaRPr/>
+              </a:p>
+            </p:txBody>
+          </p:sp>
+          <p:sp>
+            <p:nvSpPr>
+              <p:cNvPr id="185" name="Google Shape;185;p8"/>
+              <p:cNvSpPr txBox="1"/>
+              <p:nvPr/>
+            </p:nvSpPr>
+            <p:spPr>
+              <a:xfrm>
+                <a:off x="514889" y="7198197"/>
+                <a:ext cx="4216500" cy="266400"/>
+              </a:xfrm>
+              <a:prstGeom prst="rect">
+                <a:avLst/>
+              </a:prstGeom>
+              <a:noFill/>
+              <a:ln>
+                <a:noFill/>
+              </a:ln>
+            </p:spPr>
+            <p:txBody>
+              <a:bodyPr anchorCtr="0" anchor="b" bIns="92475" lIns="92475" spcFirstLastPara="1" rIns="92475" wrap="square" tIns="92475">
+                <a:noAutofit/>
+              </a:bodyPr>
+              <a:lstStyle/>
+              <a:p>
+                <a:pPr indent="0" lvl="0" marL="0" rtl="0" algn="l">
+                  <a:spcBef>
+                    <a:spcPts val="0"/>
+                  </a:spcBef>
+                  <a:spcAft>
+                    <a:spcPts val="0"/>
+                  </a:spcAft>
+                  <a:buNone/>
+                </a:pPr>
+                <a:r>
+                  <a:t/>
+                </a:r>
+                <a:endParaRPr b="1" sz="600">
+                  <a:solidFill>
+                    <a:srgbClr val="000000"/>
+                  </a:solidFill>
+                  <a:latin typeface="IBM Plex Sans"/>
+                  <a:ea typeface="IBM Plex Sans"/>
+                  <a:cs typeface="IBM Plex Sans"/>
+                  <a:sym typeface="IBM Plex Sans"/>
+                </a:endParaRPr>
+              </a:p>
+              <a:p>
+                <a:pPr indent="0" lvl="0" marL="0" rtl="0" algn="l">
+                  <a:spcBef>
+                    <a:spcPts val="0"/>
+                  </a:spcBef>
+                  <a:spcAft>
+                    <a:spcPts val="0"/>
+                  </a:spcAft>
+                  <a:buNone/>
+                </a:pPr>
+                <a:r>
+                  <a:t/>
+                </a:r>
+                <a:endParaRPr b="1" sz="600">
+                  <a:solidFill>
+                    <a:srgbClr val="000000"/>
+                  </a:solidFill>
+                  <a:latin typeface="IBM Plex Sans"/>
+                  <a:ea typeface="IBM Plex Sans"/>
+                  <a:cs typeface="IBM Plex Sans"/>
+                  <a:sym typeface="IBM Plex Sans"/>
+                </a:endParaRPr>
+              </a:p>
+              <a:p>
+                <a:pPr indent="0" lvl="0" marL="0" rtl="0" algn="l">
+                  <a:spcBef>
+                    <a:spcPts val="0"/>
+                  </a:spcBef>
+                  <a:spcAft>
+                    <a:spcPts val="0"/>
+                  </a:spcAft>
+                  <a:buNone/>
+                </a:pPr>
+                <a:r>
+                  <a:t/>
+                </a:r>
+                <a:endParaRPr b="1" sz="600">
+                  <a:solidFill>
+                    <a:srgbClr val="000000"/>
+                  </a:solidFill>
+                  <a:latin typeface="IBM Plex Sans"/>
+                  <a:ea typeface="IBM Plex Sans"/>
+                  <a:cs typeface="IBM Plex Sans"/>
+                  <a:sym typeface="IBM Plex Sans"/>
+                </a:endParaRPr>
+              </a:p>
+              <a:p>
+                <a:pPr indent="0" lvl="0" marL="0" rtl="0" algn="l">
+                  <a:spcBef>
+                    <a:spcPts val="0"/>
+                  </a:spcBef>
+                  <a:spcAft>
+                    <a:spcPts val="0"/>
+                  </a:spcAft>
+                  <a:buNone/>
+                </a:pPr>
+                <a:r>
+                  <a:rPr b="1" lang="en" sz="600">
+                    <a:latin typeface="IBM Plex Sans"/>
+                    <a:ea typeface="IBM Plex Sans"/>
+                    <a:cs typeface="IBM Plex Sans"/>
+                    <a:sym typeface="IBM Plex Sans"/>
+                  </a:rPr>
+                  <a:t>THE FINLAB TOOLKIT</a:t>
+                </a:r>
+                <a:endParaRPr b="1" sz="600">
+                  <a:solidFill>
+                    <a:srgbClr val="3C78D8"/>
+                  </a:solidFill>
+                  <a:latin typeface="IBM Plex Sans"/>
+                  <a:ea typeface="IBM Plex Sans"/>
+                  <a:cs typeface="IBM Plex Sans"/>
+                  <a:sym typeface="IBM Plex Sans"/>
+                </a:endParaRPr>
+              </a:p>
+            </p:txBody>
+          </p:sp>
+          <p:pic>
+            <p:nvPicPr>
+              <p:cNvPr id="186" name="Google Shape;186;p8"/>
+              <p:cNvPicPr preferRelativeResize="0"/>
+              <p:nvPr/>
+            </p:nvPicPr>
+            <p:blipFill>
+              <a:blip r:embed="rId5">
+                <a:alphaModFix/>
+              </a:blip>
+              <a:stretch>
+                <a:fillRect/>
+              </a:stretch>
+            </p:blipFill>
+            <p:spPr>
+              <a:xfrm>
+                <a:off x="9629932" y="7094781"/>
+                <a:ext cx="494539" cy="430321"/>
+              </a:xfrm>
+              <a:prstGeom prst="rect">
+                <a:avLst/>
+              </a:prstGeom>
+              <a:noFill/>
+              <a:ln>
+                <a:noFill/>
+              </a:ln>
+            </p:spPr>
+          </p:pic>
+        </p:grpSp>
+        <p:pic>
+          <p:nvPicPr>
+            <p:cNvPr id="187" name="Google Shape;187;p8"/>
+            <p:cNvPicPr preferRelativeResize="0"/>
+            <p:nvPr/>
+          </p:nvPicPr>
+          <p:blipFill>
+            <a:blip r:embed="rId6">
+              <a:alphaModFix/>
+            </a:blip>
+            <a:stretch>
+              <a:fillRect/>
+            </a:stretch>
+          </p:blipFill>
+          <p:spPr>
+            <a:xfrm>
+              <a:off x="8553150" y="7165073"/>
+              <a:ext cx="1013800" cy="354000"/>
+            </a:xfrm>
+            <a:prstGeom prst="rect">
+              <a:avLst/>
+            </a:prstGeom>
+            <a:noFill/>
+            <a:ln>
+              <a:noFill/>
+            </a:ln>
+          </p:spPr>
+        </p:pic>
+      </p:grpSp>
     </p:spTree>
   </p:cSld>
   <p:clrMapOvr>
@@ -19705,6 +16106,285 @@
 </file>
 
 <file path=ppt/theme/theme1.xml><?xml version="1.0" encoding="utf-8"?>
+<a:theme xmlns:a="http://schemas.openxmlformats.org/drawingml/2006/main" xmlns:r="http://schemas.openxmlformats.org/officeDocument/2006/relationships">
+  <a:themeElements>
+    <a:clrScheme name="Default">
+      <a:dk1>
+        <a:srgbClr val="000000"/>
+      </a:dk1>
+      <a:lt1>
+        <a:srgbClr val="FFFFFF"/>
+      </a:lt1>
+      <a:dk2>
+        <a:srgbClr val="158158"/>
+      </a:dk2>
+      <a:lt2>
+        <a:srgbClr val="F3F3F3"/>
+      </a:lt2>
+      <a:accent1>
+        <a:srgbClr val="058DC7"/>
+      </a:accent1>
+      <a:accent2>
+        <a:srgbClr val="50B432"/>
+      </a:accent2>
+      <a:accent3>
+        <a:srgbClr val="ED561B"/>
+      </a:accent3>
+      <a:accent4>
+        <a:srgbClr val="EDEF00"/>
+      </a:accent4>
+      <a:accent5>
+        <a:srgbClr val="24CBE5"/>
+      </a:accent5>
+      <a:accent6>
+        <a:srgbClr val="64E572"/>
+      </a:accent6>
+      <a:hlink>
+        <a:srgbClr val="2200CC"/>
+      </a:hlink>
+      <a:folHlink>
+        <a:srgbClr val="551A8B"/>
+      </a:folHlink>
+    </a:clrScheme>
+    <a:fontScheme name="Office">
+      <a:majorFont>
+        <a:latin typeface="Arial"/>
+        <a:ea typeface=""/>
+        <a:cs typeface=""/>
+        <a:font script="Jpan" typeface="ＭＳ Ｐゴシック"/>
+        <a:font script="Hang" typeface="맑은 고딕"/>
+        <a:font script="Hans" typeface="宋体"/>
+        <a:font script="Hant" typeface="新細明體"/>
+        <a:font script="Arab" typeface="Times New Roman"/>
+        <a:font script="Hebr" typeface="Times New Roman"/>
+        <a:font script="Thai" typeface="Angsana New"/>
+        <a:font script="Ethi" typeface="Nyala"/>
+        <a:font script="Beng" typeface="Vrinda"/>
+        <a:font script="Gujr" typeface="Shruti"/>
+        <a:font script="Khmr" typeface="MoolBoran"/>
+        <a:font script="Knda" typeface="Tunga"/>
+        <a:font script="Guru" typeface="Raavi"/>
+        <a:font script="Cans" typeface="Euphemia"/>
+        <a:font script="Cher" typeface="Plantagenet Cherokee"/>
+        <a:font script="Yiii" typeface="Microsoft Yi Baiti"/>
+        <a:font script="Tibt" typeface="Microsoft Himalaya"/>
+        <a:font script="Thaa" typeface="MV Boli"/>
+        <a:font script="Deva" typeface="Mangal"/>
+        <a:font script="Telu" typeface="Gautami"/>
+        <a:font script="Taml" typeface="Latha"/>
+        <a:font script="Syrc" typeface="Estrangelo Edessa"/>
+        <a:font script="Orya" typeface="Kalinga"/>
+        <a:font script="Mlym" typeface="Kartika"/>
+        <a:font script="Laoo" typeface="DokChampa"/>
+        <a:font script="Sinh" typeface="Iskoola Pota"/>
+        <a:font script="Mong" typeface="Mongolian Baiti"/>
+        <a:font script="Viet" typeface="Times New Roman"/>
+        <a:font script="Uigh" typeface="Microsoft Uighur"/>
+        <a:font script="Geor" typeface="Sylfaen"/>
+      </a:majorFont>
+      <a:minorFont>
+        <a:latin typeface="Arial"/>
+        <a:ea typeface=""/>
+        <a:cs typeface=""/>
+        <a:font script="Jpan" typeface="ＭＳ Ｐゴシック"/>
+        <a:font script="Hang" typeface="맑은 고딕"/>
+        <a:font script="Hans" typeface="宋体"/>
+        <a:font script="Hant" typeface="新細明體"/>
+        <a:font script="Arab" typeface="Arial"/>
+        <a:font script="Hebr" typeface="Arial"/>
+        <a:font script="Thai" typeface="Cordia New"/>
+        <a:font script="Ethi" typeface="Nyala"/>
+        <a:font script="Beng" typeface="Vrinda"/>
+        <a:font script="Gujr" typeface="Shruti"/>
+        <a:font script="Khmr" typeface="DaunPenh"/>
+        <a:font script="Knda" typeface="Tunga"/>
+        <a:font script="Guru" typeface="Raavi"/>
+        <a:font script="Cans" typeface="Euphemia"/>
+        <a:font script="Cher" typeface="Plantagenet Cherokee"/>
+        <a:font script="Yiii" typeface="Microsoft Yi Baiti"/>
+        <a:font script="Tibt" typeface="Microsoft Himalaya"/>
+        <a:font script="Thaa" typeface="MV Boli"/>
+        <a:font script="Deva" typeface="Mangal"/>
+        <a:font script="Telu" typeface="Gautami"/>
+        <a:font script="Taml" typeface="Latha"/>
+        <a:font script="Syrc" typeface="Estrangelo Edessa"/>
+        <a:font script="Orya" typeface="Kalinga"/>
+        <a:font script="Mlym" typeface="Kartika"/>
+        <a:font script="Laoo" typeface="DokChampa"/>
+        <a:font script="Sinh" typeface="Iskoola Pota"/>
+        <a:font script="Mong" typeface="Mongolian Baiti"/>
+        <a:font script="Viet" typeface="Arial"/>
+        <a:font script="Uigh" typeface="Microsoft Uighur"/>
+        <a:font script="Geor" typeface="Sylfaen"/>
+      </a:minorFont>
+    </a:fontScheme>
+    <a:fmtScheme name="Office">
+      <a:fillStyleLst>
+        <a:solidFill>
+          <a:schemeClr val="phClr"/>
+        </a:solidFill>
+        <a:gradFill rotWithShape="1">
+          <a:gsLst>
+            <a:gs pos="0">
+              <a:schemeClr val="phClr">
+                <a:tint val="50000"/>
+                <a:satMod val="300000"/>
+              </a:schemeClr>
+            </a:gs>
+            <a:gs pos="35000">
+              <a:schemeClr val="phClr">
+                <a:tint val="37000"/>
+                <a:satMod val="300000"/>
+              </a:schemeClr>
+            </a:gs>
+            <a:gs pos="100000">
+              <a:schemeClr val="phClr">
+                <a:tint val="15000"/>
+                <a:satMod val="350000"/>
+              </a:schemeClr>
+            </a:gs>
+          </a:gsLst>
+          <a:lin ang="16200000" scaled="1"/>
+        </a:gradFill>
+        <a:gradFill rotWithShape="1">
+          <a:gsLst>
+            <a:gs pos="0">
+              <a:schemeClr val="phClr">
+                <a:tint val="100000"/>
+                <a:shade val="100000"/>
+                <a:satMod val="130000"/>
+              </a:schemeClr>
+            </a:gs>
+            <a:gs pos="100000">
+              <a:schemeClr val="phClr">
+                <a:tint val="50000"/>
+                <a:shade val="100000"/>
+                <a:satMod val="350000"/>
+              </a:schemeClr>
+            </a:gs>
+          </a:gsLst>
+          <a:lin ang="16200000" scaled="0"/>
+        </a:gradFill>
+      </a:fillStyleLst>
+      <a:lnStyleLst>
+        <a:ln w="9525" cap="flat" cmpd="sng" algn="ctr">
+          <a:solidFill>
+            <a:schemeClr val="phClr">
+              <a:shade val="95000"/>
+              <a:satMod val="105000"/>
+            </a:schemeClr>
+          </a:solidFill>
+          <a:prstDash val="solid"/>
+        </a:ln>
+        <a:ln w="25400" cap="flat" cmpd="sng" algn="ctr">
+          <a:solidFill>
+            <a:schemeClr val="phClr"/>
+          </a:solidFill>
+          <a:prstDash val="solid"/>
+        </a:ln>
+        <a:ln w="38100" cap="flat" cmpd="sng" algn="ctr">
+          <a:solidFill>
+            <a:schemeClr val="phClr"/>
+          </a:solidFill>
+          <a:prstDash val="solid"/>
+        </a:ln>
+      </a:lnStyleLst>
+      <a:effectStyleLst>
+        <a:effectStyle>
+          <a:effectLst>
+            <a:outerShdw blurRad="40000" dist="20000" dir="5400000" rotWithShape="0">
+              <a:srgbClr val="000000">
+                <a:alpha val="38000"/>
+              </a:srgbClr>
+            </a:outerShdw>
+          </a:effectLst>
+        </a:effectStyle>
+        <a:effectStyle>
+          <a:effectLst>
+            <a:outerShdw blurRad="40000" dist="23000" dir="5400000" rotWithShape="0">
+              <a:srgbClr val="000000">
+                <a:alpha val="35000"/>
+              </a:srgbClr>
+            </a:outerShdw>
+          </a:effectLst>
+        </a:effectStyle>
+        <a:effectStyle>
+          <a:effectLst>
+            <a:outerShdw blurRad="40000" dist="23000" dir="5400000" rotWithShape="0">
+              <a:srgbClr val="000000">
+                <a:alpha val="35000"/>
+              </a:srgbClr>
+            </a:outerShdw>
+          </a:effectLst>
+          <a:scene3d>
+            <a:camera prst="orthographicFront">
+              <a:rot lat="0" lon="0" rev="0"/>
+            </a:camera>
+            <a:lightRig rig="threePt" dir="t">
+              <a:rot lat="0" lon="0" rev="1200000"/>
+            </a:lightRig>
+          </a:scene3d>
+          <a:sp3d>
+            <a:bevelT w="63500" h="25400"/>
+          </a:sp3d>
+        </a:effectStyle>
+      </a:effectStyleLst>
+      <a:bgFillStyleLst>
+        <a:solidFill>
+          <a:schemeClr val="phClr"/>
+        </a:solidFill>
+        <a:gradFill rotWithShape="1">
+          <a:gsLst>
+            <a:gs pos="0">
+              <a:schemeClr val="phClr">
+                <a:tint val="40000"/>
+                <a:satMod val="350000"/>
+              </a:schemeClr>
+            </a:gs>
+            <a:gs pos="40000">
+              <a:schemeClr val="phClr">
+                <a:tint val="45000"/>
+                <a:shade val="99000"/>
+                <a:satMod val="350000"/>
+              </a:schemeClr>
+            </a:gs>
+            <a:gs pos="100000">
+              <a:schemeClr val="phClr">
+                <a:shade val="20000"/>
+                <a:satMod val="255000"/>
+              </a:schemeClr>
+            </a:gs>
+          </a:gsLst>
+          <a:path path="circle">
+            <a:fillToRect l="50000" t="-80000" r="50000" b="180000"/>
+          </a:path>
+        </a:gradFill>
+        <a:gradFill rotWithShape="1">
+          <a:gsLst>
+            <a:gs pos="0">
+              <a:schemeClr val="phClr">
+                <a:tint val="80000"/>
+                <a:satMod val="300000"/>
+              </a:schemeClr>
+            </a:gs>
+            <a:gs pos="100000">
+              <a:schemeClr val="phClr">
+                <a:shade val="30000"/>
+                <a:satMod val="200000"/>
+              </a:schemeClr>
+            </a:gs>
+          </a:gsLst>
+          <a:path path="circle">
+            <a:fillToRect l="50000" t="50000" r="50000" b="50000"/>
+          </a:path>
+        </a:gradFill>
+      </a:bgFillStyleLst>
+    </a:fmtScheme>
+  </a:themeElements>
+</a:theme>
+</file>
+
+<file path=ppt/theme/theme2.xml><?xml version="1.0" encoding="utf-8"?>
 <a:theme xmlns:a="http://schemas.openxmlformats.org/drawingml/2006/main" xmlns:r="http://schemas.openxmlformats.org/officeDocument/2006/relationships" name="Simple Light">
   <a:themeElements>
     <a:clrScheme name="Simple Light">
@@ -19981,283 +16661,4 @@
     </a:fmtScheme>
   </a:themeElements>
 </a:theme>
-</file>
-
-<file path=ppt/theme/theme2.xml><?xml version="1.0" encoding="utf-8"?>
-<a:theme xmlns:a="http://schemas.openxmlformats.org/drawingml/2006/main" xmlns:r="http://schemas.openxmlformats.org/officeDocument/2006/relationships">
-  <a:themeElements>
-    <a:clrScheme name="Default">
-      <a:dk1>
-        <a:srgbClr val="000000"/>
-      </a:dk1>
-      <a:lt1>
-        <a:srgbClr val="FFFFFF"/>
-      </a:lt1>
-      <a:dk2>
-        <a:srgbClr val="158158"/>
-      </a:dk2>
-      <a:lt2>
-        <a:srgbClr val="F3F3F3"/>
-      </a:lt2>
-      <a:accent1>
-        <a:srgbClr val="058DC7"/>
-      </a:accent1>
-      <a:accent2>
-        <a:srgbClr val="50B432"/>
-      </a:accent2>
-      <a:accent3>
-        <a:srgbClr val="ED561B"/>
-      </a:accent3>
-      <a:accent4>
-        <a:srgbClr val="EDEF00"/>
-      </a:accent4>
-      <a:accent5>
-        <a:srgbClr val="24CBE5"/>
-      </a:accent5>
-      <a:accent6>
-        <a:srgbClr val="64E572"/>
-      </a:accent6>
-      <a:hlink>
-        <a:srgbClr val="2200CC"/>
-      </a:hlink>
-      <a:folHlink>
-        <a:srgbClr val="551A8B"/>
-      </a:folHlink>
-    </a:clrScheme>
-    <a:fontScheme name="Office">
-      <a:majorFont>
-        <a:latin typeface="Arial"/>
-        <a:ea typeface=""/>
-        <a:cs typeface=""/>
-        <a:font script="Jpan" typeface="ＭＳ Ｐゴシック"/>
-        <a:font script="Hang" typeface="맑은 고딕"/>
-        <a:font script="Hans" typeface="宋体"/>
-        <a:font script="Hant" typeface="新細明體"/>
-        <a:font script="Arab" typeface="Times New Roman"/>
-        <a:font script="Hebr" typeface="Times New Roman"/>
-        <a:font script="Thai" typeface="Angsana New"/>
-        <a:font script="Ethi" typeface="Nyala"/>
-        <a:font script="Beng" typeface="Vrinda"/>
-        <a:font script="Gujr" typeface="Shruti"/>
-        <a:font script="Khmr" typeface="MoolBoran"/>
-        <a:font script="Knda" typeface="Tunga"/>
-        <a:font script="Guru" typeface="Raavi"/>
-        <a:font script="Cans" typeface="Euphemia"/>
-        <a:font script="Cher" typeface="Plantagenet Cherokee"/>
-        <a:font script="Yiii" typeface="Microsoft Yi Baiti"/>
-        <a:font script="Tibt" typeface="Microsoft Himalaya"/>
-        <a:font script="Thaa" typeface="MV Boli"/>
-        <a:font script="Deva" typeface="Mangal"/>
-        <a:font script="Telu" typeface="Gautami"/>
-        <a:font script="Taml" typeface="Latha"/>
-        <a:font script="Syrc" typeface="Estrangelo Edessa"/>
-        <a:font script="Orya" typeface="Kalinga"/>
-        <a:font script="Mlym" typeface="Kartika"/>
-        <a:font script="Laoo" typeface="DokChampa"/>
-        <a:font script="Sinh" typeface="Iskoola Pota"/>
-        <a:font script="Mong" typeface="Mongolian Baiti"/>
-        <a:font script="Viet" typeface="Times New Roman"/>
-        <a:font script="Uigh" typeface="Microsoft Uighur"/>
-        <a:font script="Geor" typeface="Sylfaen"/>
-      </a:majorFont>
-      <a:minorFont>
-        <a:latin typeface="Arial"/>
-        <a:ea typeface=""/>
-        <a:cs typeface=""/>
-        <a:font script="Jpan" typeface="ＭＳ Ｐゴシック"/>
-        <a:font script="Hang" typeface="맑은 고딕"/>
-        <a:font script="Hans" typeface="宋体"/>
-        <a:font script="Hant" typeface="新細明體"/>
-        <a:font script="Arab" typeface="Arial"/>
-        <a:font script="Hebr" typeface="Arial"/>
-        <a:font script="Thai" typeface="Cordia New"/>
-        <a:font script="Ethi" typeface="Nyala"/>
-        <a:font script="Beng" typeface="Vrinda"/>
-        <a:font script="Gujr" typeface="Shruti"/>
-        <a:font script="Khmr" typeface="DaunPenh"/>
-        <a:font script="Knda" typeface="Tunga"/>
-        <a:font script="Guru" typeface="Raavi"/>
-        <a:font script="Cans" typeface="Euphemia"/>
-        <a:font script="Cher" typeface="Plantagenet Cherokee"/>
-        <a:font script="Yiii" typeface="Microsoft Yi Baiti"/>
-        <a:font script="Tibt" typeface="Microsoft Himalaya"/>
-        <a:font script="Thaa" typeface="MV Boli"/>
-        <a:font script="Deva" typeface="Mangal"/>
-        <a:font script="Telu" typeface="Gautami"/>
-        <a:font script="Taml" typeface="Latha"/>
-        <a:font script="Syrc" typeface="Estrangelo Edessa"/>
-        <a:font script="Orya" typeface="Kalinga"/>
-        <a:font script="Mlym" typeface="Kartika"/>
-        <a:font script="Laoo" typeface="DokChampa"/>
-        <a:font script="Sinh" typeface="Iskoola Pota"/>
-        <a:font script="Mong" typeface="Mongolian Baiti"/>
-        <a:font script="Viet" typeface="Arial"/>
-        <a:font script="Uigh" typeface="Microsoft Uighur"/>
-        <a:font script="Geor" typeface="Sylfaen"/>
-      </a:minorFont>
-    </a:fontScheme>
-    <a:fmtScheme name="Office">
-      <a:fillStyleLst>
-        <a:solidFill>
-          <a:schemeClr val="phClr"/>
-        </a:solidFill>
-        <a:gradFill rotWithShape="1">
-          <a:gsLst>
-            <a:gs pos="0">
-              <a:schemeClr val="phClr">
-                <a:tint val="50000"/>
-                <a:satMod val="300000"/>
-              </a:schemeClr>
-            </a:gs>
-            <a:gs pos="35000">
-              <a:schemeClr val="phClr">
-                <a:tint val="37000"/>
-                <a:satMod val="300000"/>
-              </a:schemeClr>
-            </a:gs>
-            <a:gs pos="100000">
-              <a:schemeClr val="phClr">
-                <a:tint val="15000"/>
-                <a:satMod val="350000"/>
-              </a:schemeClr>
-            </a:gs>
-          </a:gsLst>
-          <a:lin ang="16200000" scaled="1"/>
-        </a:gradFill>
-        <a:gradFill rotWithShape="1">
-          <a:gsLst>
-            <a:gs pos="0">
-              <a:schemeClr val="phClr">
-                <a:tint val="100000"/>
-                <a:shade val="100000"/>
-                <a:satMod val="130000"/>
-              </a:schemeClr>
-            </a:gs>
-            <a:gs pos="100000">
-              <a:schemeClr val="phClr">
-                <a:tint val="50000"/>
-                <a:shade val="100000"/>
-                <a:satMod val="350000"/>
-              </a:schemeClr>
-            </a:gs>
-          </a:gsLst>
-          <a:lin ang="16200000" scaled="0"/>
-        </a:gradFill>
-      </a:fillStyleLst>
-      <a:lnStyleLst>
-        <a:ln w="9525" cap="flat" cmpd="sng" algn="ctr">
-          <a:solidFill>
-            <a:schemeClr val="phClr">
-              <a:shade val="95000"/>
-              <a:satMod val="105000"/>
-            </a:schemeClr>
-          </a:solidFill>
-          <a:prstDash val="solid"/>
-        </a:ln>
-        <a:ln w="25400" cap="flat" cmpd="sng" algn="ctr">
-          <a:solidFill>
-            <a:schemeClr val="phClr"/>
-          </a:solidFill>
-          <a:prstDash val="solid"/>
-        </a:ln>
-        <a:ln w="38100" cap="flat" cmpd="sng" algn="ctr">
-          <a:solidFill>
-            <a:schemeClr val="phClr"/>
-          </a:solidFill>
-          <a:prstDash val="solid"/>
-        </a:ln>
-      </a:lnStyleLst>
-      <a:effectStyleLst>
-        <a:effectStyle>
-          <a:effectLst>
-            <a:outerShdw blurRad="40000" dist="20000" dir="5400000" rotWithShape="0">
-              <a:srgbClr val="000000">
-                <a:alpha val="38000"/>
-              </a:srgbClr>
-            </a:outerShdw>
-          </a:effectLst>
-        </a:effectStyle>
-        <a:effectStyle>
-          <a:effectLst>
-            <a:outerShdw blurRad="40000" dist="23000" dir="5400000" rotWithShape="0">
-              <a:srgbClr val="000000">
-                <a:alpha val="35000"/>
-              </a:srgbClr>
-            </a:outerShdw>
-          </a:effectLst>
-        </a:effectStyle>
-        <a:effectStyle>
-          <a:effectLst>
-            <a:outerShdw blurRad="40000" dist="23000" dir="5400000" rotWithShape="0">
-              <a:srgbClr val="000000">
-                <a:alpha val="35000"/>
-              </a:srgbClr>
-            </a:outerShdw>
-          </a:effectLst>
-          <a:scene3d>
-            <a:camera prst="orthographicFront">
-              <a:rot lat="0" lon="0" rev="0"/>
-            </a:camera>
-            <a:lightRig rig="threePt" dir="t">
-              <a:rot lat="0" lon="0" rev="1200000"/>
-            </a:lightRig>
-          </a:scene3d>
-          <a:sp3d>
-            <a:bevelT w="63500" h="25400"/>
-          </a:sp3d>
-        </a:effectStyle>
-      </a:effectStyleLst>
-      <a:bgFillStyleLst>
-        <a:solidFill>
-          <a:schemeClr val="phClr"/>
-        </a:solidFill>
-        <a:gradFill rotWithShape="1">
-          <a:gsLst>
-            <a:gs pos="0">
-              <a:schemeClr val="phClr">
-                <a:tint val="40000"/>
-                <a:satMod val="350000"/>
-              </a:schemeClr>
-            </a:gs>
-            <a:gs pos="40000">
-              <a:schemeClr val="phClr">
-                <a:tint val="45000"/>
-                <a:shade val="99000"/>
-                <a:satMod val="350000"/>
-              </a:schemeClr>
-            </a:gs>
-            <a:gs pos="100000">
-              <a:schemeClr val="phClr">
-                <a:shade val="20000"/>
-                <a:satMod val="255000"/>
-              </a:schemeClr>
-            </a:gs>
-          </a:gsLst>
-          <a:path path="circle">
-            <a:fillToRect l="50000" t="-80000" r="50000" b="180000"/>
-          </a:path>
-        </a:gradFill>
-        <a:gradFill rotWithShape="1">
-          <a:gsLst>
-            <a:gs pos="0">
-              <a:schemeClr val="phClr">
-                <a:tint val="80000"/>
-                <a:satMod val="300000"/>
-              </a:schemeClr>
-            </a:gs>
-            <a:gs pos="100000">
-              <a:schemeClr val="phClr">
-                <a:shade val="30000"/>
-                <a:satMod val="200000"/>
-              </a:schemeClr>
-            </a:gs>
-          </a:gsLst>
-          <a:path path="circle">
-            <a:fillToRect l="50000" t="50000" r="50000" b="50000"/>
-          </a:path>
-        </a:gradFill>
-      </a:bgFillStyleLst>
-    </a:fmtScheme>
-  </a:themeElements>
-</a:theme>
 </file>